--- a/2019-05-15-Microservices/Presentation.pptx
+++ b/2019-05-15-Microservices/Presentation.pptx
@@ -10,6 +10,11 @@
     <p:sldId id="258" r:id="rId4"/>
     <p:sldId id="259" r:id="rId5"/>
     <p:sldId id="260" r:id="rId6"/>
+    <p:sldId id="261" r:id="rId7"/>
+    <p:sldId id="262" r:id="rId8"/>
+    <p:sldId id="267" r:id="rId9"/>
+    <p:sldId id="268" r:id="rId10"/>
+    <p:sldId id="269" r:id="rId11"/>
   </p:sldIdLst>
   <p:sldSz cx="12192000" cy="6858000"/>
   <p:notesSz cx="6858000" cy="9144000"/>
@@ -108,6 +113,11 @@
       </a:defRPr>
     </a:lvl9pPr>
   </p:defaultTextStyle>
+  <p:extLst>
+    <p:ext uri="{EFAFB233-063F-42B5-8137-9DF3F51BA10A}">
+      <p15:sldGuideLst xmlns:p15="http://schemas.microsoft.com/office/powerpoint/2012/main"/>
+    </p:ext>
+  </p:extLst>
 </p:presentation>
 </file>
 
@@ -3394,6 +3404,112 @@
 </p:sld>
 </file>
 
+<file path=ppt/slides/slide10.xml><?xml version="1.0" encoding="utf-8"?>
+<p:sld xmlns:a="http://schemas.openxmlformats.org/drawingml/2006/main" xmlns:r="http://schemas.openxmlformats.org/officeDocument/2006/relationships" xmlns:p="http://schemas.openxmlformats.org/presentationml/2006/main">
+  <p:cSld>
+    <p:spTree>
+      <p:nvGrpSpPr>
+        <p:cNvPr id="1" name=""/>
+        <p:cNvGrpSpPr/>
+        <p:nvPr/>
+      </p:nvGrpSpPr>
+      <p:grpSpPr>
+        <a:xfrm>
+          <a:off x="0" y="0"/>
+          <a:ext cx="0" cy="0"/>
+          <a:chOff x="0" y="0"/>
+          <a:chExt cx="0" cy="0"/>
+        </a:xfrm>
+      </p:grpSpPr>
+      <p:sp>
+        <p:nvSpPr>
+          <p:cNvPr id="2" name="Title 1">
+            <a:extLst>
+              <a:ext uri="{FF2B5EF4-FFF2-40B4-BE49-F238E27FC236}">
+                <a16:creationId xmlns:a16="http://schemas.microsoft.com/office/drawing/2014/main" id="{B165E82E-6576-469D-8FA3-8A2C0EAEEBBD}"/>
+              </a:ext>
+            </a:extLst>
+          </p:cNvPr>
+          <p:cNvSpPr>
+            <a:spLocks noGrp="1"/>
+          </p:cNvSpPr>
+          <p:nvPr>
+            <p:ph type="title"/>
+          </p:nvPr>
+        </p:nvSpPr>
+        <p:spPr>
+          <a:xfrm>
+            <a:off x="838200" y="365125"/>
+            <a:ext cx="10515600" cy="1325563"/>
+          </a:xfrm>
+        </p:spPr>
+        <p:txBody>
+          <a:bodyPr/>
+          <a:lstStyle/>
+          <a:p>
+            <a:r>
+              <a:rPr lang="en-US" sz="2800" dirty="0"/>
+              <a:t>Part-I: From Monolithic to Microservice</a:t>
+            </a:r>
+            <a:br>
+              <a:rPr lang="en-US" sz="2800" dirty="0"/>
+            </a:br>
+            <a:r>
+              <a:rPr lang="en-US" dirty="0"/>
+              <a:t>Modular Application Model</a:t>
+            </a:r>
+          </a:p>
+        </p:txBody>
+      </p:sp>
+      <p:sp>
+        <p:nvSpPr>
+          <p:cNvPr id="3" name="Content Placeholder 2">
+            <a:extLst>
+              <a:ext uri="{FF2B5EF4-FFF2-40B4-BE49-F238E27FC236}">
+                <a16:creationId xmlns:a16="http://schemas.microsoft.com/office/drawing/2014/main" id="{8CB50F07-F41A-4E83-9BCB-B6E5A982958C}"/>
+              </a:ext>
+            </a:extLst>
+          </p:cNvPr>
+          <p:cNvSpPr>
+            <a:spLocks noGrp="1"/>
+          </p:cNvSpPr>
+          <p:nvPr>
+            <p:ph idx="1"/>
+          </p:nvPr>
+        </p:nvSpPr>
+        <p:spPr>
+          <a:xfrm>
+            <a:off x="838199" y="1825625"/>
+            <a:ext cx="6239251" cy="4351338"/>
+          </a:xfrm>
+        </p:spPr>
+        <p:txBody>
+          <a:bodyPr>
+            <a:normAutofit/>
+          </a:bodyPr>
+          <a:lstStyle/>
+          <a:p>
+            <a:r>
+              <a:rPr lang="en-US" sz="2400"/>
+              <a:t>…</a:t>
+            </a:r>
+            <a:endParaRPr lang="en-US" sz="2000" dirty="0"/>
+          </a:p>
+        </p:txBody>
+      </p:sp>
+    </p:spTree>
+    <p:extLst>
+      <p:ext uri="{BB962C8B-B14F-4D97-AF65-F5344CB8AC3E}">
+        <p14:creationId xmlns:p14="http://schemas.microsoft.com/office/powerpoint/2010/main" val="3968557617"/>
+      </p:ext>
+    </p:extLst>
+  </p:cSld>
+  <p:clrMapOvr>
+    <a:masterClrMapping/>
+  </p:clrMapOvr>
+</p:sld>
+</file>
+
 <file path=ppt/slides/slide2.xml><?xml version="1.0" encoding="utf-8"?>
 <p:sld xmlns:a="http://schemas.openxmlformats.org/drawingml/2006/main" xmlns:r="http://schemas.openxmlformats.org/officeDocument/2006/relationships" xmlns:p="http://schemas.openxmlformats.org/presentationml/2006/main">
   <p:cSld>
@@ -3944,7 +4060,9 @@
         </p:nvSpPr>
         <p:spPr/>
         <p:txBody>
-          <a:bodyPr/>
+          <a:bodyPr>
+            <a:normAutofit/>
+          </a:bodyPr>
           <a:lstStyle/>
           <a:p>
             <a:r>
@@ -3964,6 +4082,72 @@
             <a:r>
               <a:rPr lang="en-US" b="1" i="1" dirty="0"/>
               <a:t>abp.io</a:t>
+            </a:r>
+          </a:p>
+          <a:p>
+            <a:r>
+              <a:rPr lang="en-US" sz="1600" dirty="0"/>
+              <a:t>Modular architecture</a:t>
+            </a:r>
+          </a:p>
+          <a:p>
+            <a:r>
+              <a:rPr lang="en-US" sz="1600" dirty="0"/>
+              <a:t>Microservice focused</a:t>
+            </a:r>
+          </a:p>
+          <a:p>
+            <a:r>
+              <a:rPr lang="en-US" sz="1600" dirty="0"/>
+              <a:t>Domain Driven Design</a:t>
+            </a:r>
+          </a:p>
+          <a:p>
+            <a:r>
+              <a:rPr lang="en-US" sz="1600" dirty="0"/>
+              <a:t>Multi-Tenancy</a:t>
+            </a:r>
+          </a:p>
+          <a:p>
+            <a:r>
+              <a:rPr lang="en-US" sz="1600" dirty="0"/>
+              <a:t>Virtual File System</a:t>
+            </a:r>
+          </a:p>
+          <a:p>
+            <a:r>
+              <a:rPr lang="en-US" sz="1600" dirty="0"/>
+              <a:t>Dynamic Forms &amp; Tag Helpers</a:t>
+            </a:r>
+          </a:p>
+          <a:p>
+            <a:r>
+              <a:rPr lang="en-US" sz="1600" dirty="0"/>
+              <a:t>Theming</a:t>
+            </a:r>
+          </a:p>
+          <a:p>
+            <a:r>
+              <a:rPr lang="en-US" sz="1600" dirty="0"/>
+              <a:t>Background jobs</a:t>
+            </a:r>
+          </a:p>
+          <a:p>
+            <a:r>
+              <a:rPr lang="en-US" sz="1600" dirty="0"/>
+              <a:t>Dynamic HTTP Client Proxies</a:t>
+            </a:r>
+          </a:p>
+          <a:p>
+            <a:r>
+              <a:rPr lang="en-US" sz="1600" dirty="0"/>
+              <a:t>Database Agnostic</a:t>
+            </a:r>
+          </a:p>
+          <a:p>
+            <a:r>
+              <a:rPr lang="en-US" sz="1600" dirty="0"/>
+              <a:t>…</a:t>
             </a:r>
           </a:p>
         </p:txBody>
@@ -4002,6 +4186,1393 @@
     <p:extLst>
       <p:ext uri="{BB962C8B-B14F-4D97-AF65-F5344CB8AC3E}">
         <p14:creationId xmlns:p14="http://schemas.microsoft.com/office/powerpoint/2010/main" val="3921332215"/>
+      </p:ext>
+    </p:extLst>
+  </p:cSld>
+  <p:clrMapOvr>
+    <a:masterClrMapping/>
+  </p:clrMapOvr>
+</p:sld>
+</file>
+
+<file path=ppt/slides/slide6.xml><?xml version="1.0" encoding="utf-8"?>
+<p:sld xmlns:a="http://schemas.openxmlformats.org/drawingml/2006/main" xmlns:r="http://schemas.openxmlformats.org/officeDocument/2006/relationships" xmlns:p="http://schemas.openxmlformats.org/presentationml/2006/main">
+  <p:cSld>
+    <p:spTree>
+      <p:nvGrpSpPr>
+        <p:cNvPr id="1" name=""/>
+        <p:cNvGrpSpPr/>
+        <p:nvPr/>
+      </p:nvGrpSpPr>
+      <p:grpSpPr>
+        <a:xfrm>
+          <a:off x="0" y="0"/>
+          <a:ext cx="0" cy="0"/>
+          <a:chOff x="0" y="0"/>
+          <a:chExt cx="0" cy="0"/>
+        </a:xfrm>
+      </p:grpSpPr>
+      <p:sp>
+        <p:nvSpPr>
+          <p:cNvPr id="2" name="Title 1">
+            <a:extLst>
+              <a:ext uri="{FF2B5EF4-FFF2-40B4-BE49-F238E27FC236}">
+                <a16:creationId xmlns:a16="http://schemas.microsoft.com/office/drawing/2014/main" id="{CBC954FB-3465-4475-A3C0-29122D968357}"/>
+              </a:ext>
+            </a:extLst>
+          </p:cNvPr>
+          <p:cNvSpPr>
+            <a:spLocks noGrp="1"/>
+          </p:cNvSpPr>
+          <p:nvPr>
+            <p:ph type="title"/>
+          </p:nvPr>
+        </p:nvSpPr>
+        <p:spPr/>
+        <p:txBody>
+          <a:bodyPr/>
+          <a:lstStyle/>
+          <a:p>
+            <a:r>
+              <a:rPr lang="en-US" dirty="0"/>
+              <a:t>Agenda</a:t>
+            </a:r>
+          </a:p>
+        </p:txBody>
+      </p:sp>
+      <p:sp>
+        <p:nvSpPr>
+          <p:cNvPr id="3" name="Content Placeholder 2">
+            <a:extLst>
+              <a:ext uri="{FF2B5EF4-FFF2-40B4-BE49-F238E27FC236}">
+                <a16:creationId xmlns:a16="http://schemas.microsoft.com/office/drawing/2014/main" id="{0F3E08AD-59B9-4F89-8FF7-20D3FAB09BE4}"/>
+              </a:ext>
+            </a:extLst>
+          </p:cNvPr>
+          <p:cNvSpPr>
+            <a:spLocks noGrp="1"/>
+          </p:cNvSpPr>
+          <p:nvPr>
+            <p:ph idx="1"/>
+          </p:nvPr>
+        </p:nvSpPr>
+        <p:spPr/>
+        <p:txBody>
+          <a:bodyPr/>
+          <a:lstStyle/>
+          <a:p>
+            <a:r>
+              <a:rPr lang="en-US" dirty="0"/>
+              <a:t>Part-I: From Monolithic to Microservice: </a:t>
+            </a:r>
+            <a:r>
+              <a:rPr lang="en-US" b="1" dirty="0"/>
+              <a:t>Challenges</a:t>
+            </a:r>
+            <a:r>
+              <a:rPr lang="en-US" dirty="0"/>
+              <a:t> of the Distributed Architecture</a:t>
+            </a:r>
+          </a:p>
+          <a:p>
+            <a:r>
+              <a:rPr lang="en-US" dirty="0"/>
+              <a:t>Part II: The </a:t>
+            </a:r>
+            <a:r>
+              <a:rPr lang="en-US" b="1" dirty="0"/>
+              <a:t>Implementation</a:t>
+            </a:r>
+          </a:p>
+          <a:p>
+            <a:r>
+              <a:rPr lang="en-US" dirty="0"/>
+              <a:t>Part III: Microservice compatible, layered </a:t>
+            </a:r>
+            <a:r>
+              <a:rPr lang="en-US" b="1" dirty="0"/>
+              <a:t>module development </a:t>
+            </a:r>
+            <a:r>
+              <a:rPr lang="en-US" dirty="0"/>
+              <a:t>model</a:t>
+            </a:r>
+          </a:p>
+          <a:p>
+            <a:r>
+              <a:rPr lang="en-US" dirty="0"/>
+              <a:t>Part IV: Running on </a:t>
+            </a:r>
+            <a:r>
+              <a:rPr lang="en-US" b="1" dirty="0"/>
+              <a:t>docker</a:t>
+            </a:r>
+            <a:r>
+              <a:rPr lang="en-US" dirty="0"/>
+              <a:t> containers</a:t>
+            </a:r>
+          </a:p>
+        </p:txBody>
+      </p:sp>
+    </p:spTree>
+    <p:extLst>
+      <p:ext uri="{BB962C8B-B14F-4D97-AF65-F5344CB8AC3E}">
+        <p14:creationId xmlns:p14="http://schemas.microsoft.com/office/powerpoint/2010/main" val="2984866601"/>
+      </p:ext>
+    </p:extLst>
+  </p:cSld>
+  <p:clrMapOvr>
+    <a:masterClrMapping/>
+  </p:clrMapOvr>
+</p:sld>
+</file>
+
+<file path=ppt/slides/slide7.xml><?xml version="1.0" encoding="utf-8"?>
+<p:sld xmlns:a="http://schemas.openxmlformats.org/drawingml/2006/main" xmlns:r="http://schemas.openxmlformats.org/officeDocument/2006/relationships" xmlns:p="http://schemas.openxmlformats.org/presentationml/2006/main">
+  <p:cSld>
+    <p:spTree>
+      <p:nvGrpSpPr>
+        <p:cNvPr id="1" name=""/>
+        <p:cNvGrpSpPr/>
+        <p:nvPr/>
+      </p:nvGrpSpPr>
+      <p:grpSpPr>
+        <a:xfrm>
+          <a:off x="0" y="0"/>
+          <a:ext cx="0" cy="0"/>
+          <a:chOff x="0" y="0"/>
+          <a:chExt cx="0" cy="0"/>
+        </a:xfrm>
+      </p:grpSpPr>
+      <p:sp>
+        <p:nvSpPr>
+          <p:cNvPr id="2" name="Title 1">
+            <a:extLst>
+              <a:ext uri="{FF2B5EF4-FFF2-40B4-BE49-F238E27FC236}">
+                <a16:creationId xmlns:a16="http://schemas.microsoft.com/office/drawing/2014/main" id="{B165E82E-6576-469D-8FA3-8A2C0EAEEBBD}"/>
+              </a:ext>
+            </a:extLst>
+          </p:cNvPr>
+          <p:cNvSpPr>
+            <a:spLocks noGrp="1"/>
+          </p:cNvSpPr>
+          <p:nvPr>
+            <p:ph type="title"/>
+          </p:nvPr>
+        </p:nvSpPr>
+        <p:spPr/>
+        <p:txBody>
+          <a:bodyPr/>
+          <a:lstStyle/>
+          <a:p>
+            <a:r>
+              <a:rPr lang="en-US" sz="2800" dirty="0"/>
+              <a:t>Part-I: From Monolithic to Microservice</a:t>
+            </a:r>
+            <a:br>
+              <a:rPr lang="en-US" sz="2800" dirty="0"/>
+            </a:br>
+            <a:r>
+              <a:rPr lang="en-US" dirty="0"/>
+              <a:t>Simple Monolithic Application</a:t>
+            </a:r>
+          </a:p>
+        </p:txBody>
+      </p:sp>
+      <p:sp>
+        <p:nvSpPr>
+          <p:cNvPr id="3" name="Content Placeholder 2">
+            <a:extLst>
+              <a:ext uri="{FF2B5EF4-FFF2-40B4-BE49-F238E27FC236}">
+                <a16:creationId xmlns:a16="http://schemas.microsoft.com/office/drawing/2014/main" id="{8CB50F07-F41A-4E83-9BCB-B6E5A982958C}"/>
+              </a:ext>
+            </a:extLst>
+          </p:cNvPr>
+          <p:cNvSpPr>
+            <a:spLocks noGrp="1"/>
+          </p:cNvSpPr>
+          <p:nvPr>
+            <p:ph idx="1"/>
+          </p:nvPr>
+        </p:nvSpPr>
+        <p:spPr>
+          <a:xfrm>
+            <a:off x="838199" y="1825625"/>
+            <a:ext cx="6239251" cy="4351338"/>
+          </a:xfrm>
+        </p:spPr>
+        <p:txBody>
+          <a:bodyPr>
+            <a:normAutofit/>
+          </a:bodyPr>
+          <a:lstStyle/>
+          <a:p>
+            <a:r>
+              <a:rPr lang="en-US" sz="2400" b="1" dirty="0"/>
+              <a:t>Single</a:t>
+            </a:r>
+            <a:r>
+              <a:rPr lang="en-US" sz="2400" dirty="0"/>
+              <a:t> programming language/platform</a:t>
+            </a:r>
+          </a:p>
+          <a:p>
+            <a:r>
+              <a:rPr lang="en-US" sz="2400" dirty="0"/>
+              <a:t>Services uses each other via Dependency </a:t>
+            </a:r>
+            <a:r>
+              <a:rPr lang="en-US" sz="2400" b="1" dirty="0"/>
+              <a:t>Injection</a:t>
+            </a:r>
+            <a:r>
+              <a:rPr lang="en-US" sz="2400" dirty="0"/>
+              <a:t> &amp; simple </a:t>
+            </a:r>
+            <a:r>
+              <a:rPr lang="en-US" sz="2400" b="1" dirty="0"/>
+              <a:t>method calls</a:t>
+            </a:r>
+            <a:r>
+              <a:rPr lang="en-US" sz="2400" dirty="0"/>
+              <a:t>.</a:t>
+            </a:r>
+          </a:p>
+          <a:p>
+            <a:r>
+              <a:rPr lang="en-US" sz="2400" dirty="0"/>
+              <a:t>Easy to create database </a:t>
+            </a:r>
+            <a:r>
+              <a:rPr lang="en-US" sz="2400" b="1" dirty="0"/>
+              <a:t>transaction</a:t>
+            </a:r>
+            <a:r>
+              <a:rPr lang="en-US" sz="2400" dirty="0"/>
+              <a:t> scopes.</a:t>
+            </a:r>
+          </a:p>
+          <a:p>
+            <a:r>
+              <a:rPr lang="en-US" sz="2400" b="1" dirty="0"/>
+              <a:t>In-process</a:t>
+            </a:r>
+            <a:r>
+              <a:rPr lang="en-US" sz="2400" dirty="0"/>
+              <a:t> &amp; transactional messaging / event bus.</a:t>
+            </a:r>
+          </a:p>
+        </p:txBody>
+      </p:sp>
+      <p:sp>
+        <p:nvSpPr>
+          <p:cNvPr id="5" name="Rectangle 4">
+            <a:extLst>
+              <a:ext uri="{FF2B5EF4-FFF2-40B4-BE49-F238E27FC236}">
+                <a16:creationId xmlns:a16="http://schemas.microsoft.com/office/drawing/2014/main" id="{57D67543-6C2F-4B91-BC6C-4D2AE16CA551}"/>
+              </a:ext>
+            </a:extLst>
+          </p:cNvPr>
+          <p:cNvSpPr/>
+          <p:nvPr/>
+        </p:nvSpPr>
+        <p:spPr>
+          <a:xfrm>
+            <a:off x="8863584" y="1999488"/>
+            <a:ext cx="2685288" cy="2112264"/>
+          </a:xfrm>
+          <a:prstGeom prst="rect">
+            <a:avLst/>
+          </a:prstGeom>
+        </p:spPr>
+        <p:style>
+          <a:lnRef idx="2">
+            <a:schemeClr val="accent1">
+              <a:shade val="50000"/>
+            </a:schemeClr>
+          </a:lnRef>
+          <a:fillRef idx="1">
+            <a:schemeClr val="accent1"/>
+          </a:fillRef>
+          <a:effectRef idx="0">
+            <a:schemeClr val="accent1"/>
+          </a:effectRef>
+          <a:fontRef idx="minor">
+            <a:schemeClr val="lt1"/>
+          </a:fontRef>
+        </p:style>
+        <p:txBody>
+          <a:bodyPr rtlCol="0" anchor="ctr"/>
+          <a:lstStyle/>
+          <a:p>
+            <a:pPr algn="ctr"/>
+            <a:r>
+              <a:rPr lang="en-US" sz="4000" dirty="0"/>
+              <a:t>Monolithic Application</a:t>
+            </a:r>
+          </a:p>
+          <a:p>
+            <a:pPr algn="ctr"/>
+            <a:r>
+              <a:rPr lang="en-US" dirty="0"/>
+              <a:t>(UI, APIs, Services,  DTOs, Entities, Repositories…)</a:t>
+            </a:r>
+          </a:p>
+        </p:txBody>
+      </p:sp>
+      <p:sp>
+        <p:nvSpPr>
+          <p:cNvPr id="6" name="Oval 5">
+            <a:extLst>
+              <a:ext uri="{FF2B5EF4-FFF2-40B4-BE49-F238E27FC236}">
+                <a16:creationId xmlns:a16="http://schemas.microsoft.com/office/drawing/2014/main" id="{DDA6111F-0EA8-4EF5-B0DD-80919717EDAF}"/>
+              </a:ext>
+            </a:extLst>
+          </p:cNvPr>
+          <p:cNvSpPr/>
+          <p:nvPr/>
+        </p:nvSpPr>
+        <p:spPr>
+          <a:xfrm>
+            <a:off x="9425940" y="4647533"/>
+            <a:ext cx="1560576" cy="810768"/>
+          </a:xfrm>
+          <a:prstGeom prst="ellipse">
+            <a:avLst/>
+          </a:prstGeom>
+        </p:spPr>
+        <p:style>
+          <a:lnRef idx="2">
+            <a:schemeClr val="accent6">
+              <a:shade val="50000"/>
+            </a:schemeClr>
+          </a:lnRef>
+          <a:fillRef idx="1">
+            <a:schemeClr val="accent6"/>
+          </a:fillRef>
+          <a:effectRef idx="0">
+            <a:schemeClr val="accent6"/>
+          </a:effectRef>
+          <a:fontRef idx="minor">
+            <a:schemeClr val="lt1"/>
+          </a:fontRef>
+        </p:style>
+        <p:txBody>
+          <a:bodyPr rtlCol="0" anchor="ctr"/>
+          <a:lstStyle/>
+          <a:p>
+            <a:pPr algn="ctr"/>
+            <a:r>
+              <a:rPr lang="en-US" dirty="0"/>
+              <a:t>Single Database</a:t>
+            </a:r>
+          </a:p>
+        </p:txBody>
+      </p:sp>
+      <p:sp>
+        <p:nvSpPr>
+          <p:cNvPr id="7" name="Rectangle 6">
+            <a:extLst>
+              <a:ext uri="{FF2B5EF4-FFF2-40B4-BE49-F238E27FC236}">
+                <a16:creationId xmlns:a16="http://schemas.microsoft.com/office/drawing/2014/main" id="{B9925C6A-A81C-4D6E-89A9-2941FFE26AC4}"/>
+              </a:ext>
+            </a:extLst>
+          </p:cNvPr>
+          <p:cNvSpPr/>
+          <p:nvPr/>
+        </p:nvSpPr>
+        <p:spPr>
+          <a:xfrm>
+            <a:off x="7193280" y="2805684"/>
+            <a:ext cx="1249680" cy="499872"/>
+          </a:xfrm>
+          <a:prstGeom prst="rect">
+            <a:avLst/>
+          </a:prstGeom>
+        </p:spPr>
+        <p:style>
+          <a:lnRef idx="2">
+            <a:schemeClr val="accent2">
+              <a:shade val="50000"/>
+            </a:schemeClr>
+          </a:lnRef>
+          <a:fillRef idx="1">
+            <a:schemeClr val="accent2"/>
+          </a:fillRef>
+          <a:effectRef idx="0">
+            <a:schemeClr val="accent2"/>
+          </a:effectRef>
+          <a:fontRef idx="minor">
+            <a:schemeClr val="lt1"/>
+          </a:fontRef>
+        </p:style>
+        <p:txBody>
+          <a:bodyPr rtlCol="0" anchor="ctr"/>
+          <a:lstStyle/>
+          <a:p>
+            <a:pPr algn="ctr"/>
+            <a:r>
+              <a:rPr lang="en-US" dirty="0"/>
+              <a:t>Clients</a:t>
+            </a:r>
+          </a:p>
+        </p:txBody>
+      </p:sp>
+      <p:cxnSp>
+        <p:nvCxnSpPr>
+          <p:cNvPr id="9" name="Straight Arrow Connector 8">
+            <a:extLst>
+              <a:ext uri="{FF2B5EF4-FFF2-40B4-BE49-F238E27FC236}">
+                <a16:creationId xmlns:a16="http://schemas.microsoft.com/office/drawing/2014/main" id="{C7199C7A-122D-4EEB-9396-D132C20BF21E}"/>
+              </a:ext>
+            </a:extLst>
+          </p:cNvPr>
+          <p:cNvCxnSpPr>
+            <a:cxnSpLocks/>
+            <a:stCxn id="7" idx="3"/>
+            <a:endCxn id="5" idx="1"/>
+          </p:cNvCxnSpPr>
+          <p:nvPr/>
+        </p:nvCxnSpPr>
+        <p:spPr>
+          <a:xfrm>
+            <a:off x="8442960" y="3055620"/>
+            <a:ext cx="420624" cy="0"/>
+          </a:xfrm>
+          <a:prstGeom prst="straightConnector1">
+            <a:avLst/>
+          </a:prstGeom>
+          <a:ln>
+            <a:tailEnd type="triangle"/>
+          </a:ln>
+        </p:spPr>
+        <p:style>
+          <a:lnRef idx="1">
+            <a:schemeClr val="accent1"/>
+          </a:lnRef>
+          <a:fillRef idx="0">
+            <a:schemeClr val="accent1"/>
+          </a:fillRef>
+          <a:effectRef idx="0">
+            <a:schemeClr val="accent1"/>
+          </a:effectRef>
+          <a:fontRef idx="minor">
+            <a:schemeClr val="tx1"/>
+          </a:fontRef>
+        </p:style>
+      </p:cxnSp>
+      <p:cxnSp>
+        <p:nvCxnSpPr>
+          <p:cNvPr id="11" name="Straight Arrow Connector 10">
+            <a:extLst>
+              <a:ext uri="{FF2B5EF4-FFF2-40B4-BE49-F238E27FC236}">
+                <a16:creationId xmlns:a16="http://schemas.microsoft.com/office/drawing/2014/main" id="{45EE7BBC-846B-42D7-B7F3-9651542E21AE}"/>
+              </a:ext>
+            </a:extLst>
+          </p:cNvPr>
+          <p:cNvCxnSpPr>
+            <a:cxnSpLocks/>
+            <a:stCxn id="5" idx="2"/>
+            <a:endCxn id="6" idx="0"/>
+          </p:cNvCxnSpPr>
+          <p:nvPr/>
+        </p:nvCxnSpPr>
+        <p:spPr>
+          <a:xfrm>
+            <a:off x="10206228" y="4111752"/>
+            <a:ext cx="0" cy="535781"/>
+          </a:xfrm>
+          <a:prstGeom prst="straightConnector1">
+            <a:avLst/>
+          </a:prstGeom>
+          <a:ln>
+            <a:tailEnd type="triangle"/>
+          </a:ln>
+        </p:spPr>
+        <p:style>
+          <a:lnRef idx="1">
+            <a:schemeClr val="accent1"/>
+          </a:lnRef>
+          <a:fillRef idx="0">
+            <a:schemeClr val="accent1"/>
+          </a:fillRef>
+          <a:effectRef idx="0">
+            <a:schemeClr val="accent1"/>
+          </a:effectRef>
+          <a:fontRef idx="minor">
+            <a:schemeClr val="tx1"/>
+          </a:fontRef>
+        </p:style>
+      </p:cxnSp>
+    </p:spTree>
+    <p:extLst>
+      <p:ext uri="{BB962C8B-B14F-4D97-AF65-F5344CB8AC3E}">
+        <p14:creationId xmlns:p14="http://schemas.microsoft.com/office/powerpoint/2010/main" val="974727858"/>
+      </p:ext>
+    </p:extLst>
+  </p:cSld>
+  <p:clrMapOvr>
+    <a:masterClrMapping/>
+  </p:clrMapOvr>
+</p:sld>
+</file>
+
+<file path=ppt/slides/slide8.xml><?xml version="1.0" encoding="utf-8"?>
+<p:sld xmlns:a="http://schemas.openxmlformats.org/drawingml/2006/main" xmlns:r="http://schemas.openxmlformats.org/officeDocument/2006/relationships" xmlns:p="http://schemas.openxmlformats.org/presentationml/2006/main">
+  <p:cSld>
+    <p:spTree>
+      <p:nvGrpSpPr>
+        <p:cNvPr id="1" name=""/>
+        <p:cNvGrpSpPr/>
+        <p:nvPr/>
+      </p:nvGrpSpPr>
+      <p:grpSpPr>
+        <a:xfrm>
+          <a:off x="0" y="0"/>
+          <a:ext cx="0" cy="0"/>
+          <a:chOff x="0" y="0"/>
+          <a:chExt cx="0" cy="0"/>
+        </a:xfrm>
+      </p:grpSpPr>
+      <p:sp>
+        <p:nvSpPr>
+          <p:cNvPr id="2" name="Title 1">
+            <a:extLst>
+              <a:ext uri="{FF2B5EF4-FFF2-40B4-BE49-F238E27FC236}">
+                <a16:creationId xmlns:a16="http://schemas.microsoft.com/office/drawing/2014/main" id="{B165E82E-6576-469D-8FA3-8A2C0EAEEBBD}"/>
+              </a:ext>
+            </a:extLst>
+          </p:cNvPr>
+          <p:cNvSpPr>
+            <a:spLocks noGrp="1"/>
+          </p:cNvSpPr>
+          <p:nvPr>
+            <p:ph type="title"/>
+          </p:nvPr>
+        </p:nvSpPr>
+        <p:spPr/>
+        <p:txBody>
+          <a:bodyPr/>
+          <a:lstStyle/>
+          <a:p>
+            <a:r>
+              <a:rPr lang="en-US" sz="2800" dirty="0"/>
+              <a:t>Part-I: From Monolithic to Microservice</a:t>
+            </a:r>
+            <a:br>
+              <a:rPr lang="en-US" sz="2800" dirty="0"/>
+            </a:br>
+            <a:r>
+              <a:rPr lang="en-US" dirty="0"/>
+              <a:t>Layered Monolithic Application</a:t>
+            </a:r>
+          </a:p>
+        </p:txBody>
+      </p:sp>
+      <p:sp>
+        <p:nvSpPr>
+          <p:cNvPr id="3" name="Content Placeholder 2">
+            <a:extLst>
+              <a:ext uri="{FF2B5EF4-FFF2-40B4-BE49-F238E27FC236}">
+                <a16:creationId xmlns:a16="http://schemas.microsoft.com/office/drawing/2014/main" id="{8CB50F07-F41A-4E83-9BCB-B6E5A982958C}"/>
+              </a:ext>
+            </a:extLst>
+          </p:cNvPr>
+          <p:cNvSpPr>
+            <a:spLocks noGrp="1"/>
+          </p:cNvSpPr>
+          <p:nvPr>
+            <p:ph idx="1"/>
+          </p:nvPr>
+        </p:nvSpPr>
+        <p:spPr>
+          <a:xfrm>
+            <a:off x="838199" y="1825625"/>
+            <a:ext cx="6239251" cy="4351338"/>
+          </a:xfrm>
+        </p:spPr>
+        <p:txBody>
+          <a:bodyPr>
+            <a:normAutofit/>
+          </a:bodyPr>
+          <a:lstStyle/>
+          <a:p>
+            <a:r>
+              <a:rPr lang="en-US" sz="2400" dirty="0"/>
+              <a:t>Organize codebase better by layering</a:t>
+            </a:r>
+          </a:p>
+          <a:p>
+            <a:r>
+              <a:rPr lang="en-US" sz="2400" dirty="0"/>
+              <a:t>Domain Driven Design (DDD) offers four fundamental layers:</a:t>
+            </a:r>
+          </a:p>
+          <a:p>
+            <a:pPr lvl="1"/>
+            <a:r>
+              <a:rPr lang="en-US" sz="2000" dirty="0"/>
+              <a:t>Domain Layer</a:t>
+            </a:r>
+          </a:p>
+          <a:p>
+            <a:pPr lvl="1"/>
+            <a:r>
+              <a:rPr lang="en-US" sz="2000" dirty="0"/>
+              <a:t>Application Layer</a:t>
+            </a:r>
+          </a:p>
+          <a:p>
+            <a:pPr lvl="1"/>
+            <a:r>
+              <a:rPr lang="en-US" sz="2000" dirty="0"/>
+              <a:t>Presentation Layer</a:t>
+            </a:r>
+          </a:p>
+          <a:p>
+            <a:pPr lvl="1"/>
+            <a:r>
+              <a:rPr lang="en-US" sz="2000" dirty="0"/>
+              <a:t>Infrastructure Layer</a:t>
+            </a:r>
+          </a:p>
+        </p:txBody>
+      </p:sp>
+      <p:sp>
+        <p:nvSpPr>
+          <p:cNvPr id="6" name="Oval 5">
+            <a:extLst>
+              <a:ext uri="{FF2B5EF4-FFF2-40B4-BE49-F238E27FC236}">
+                <a16:creationId xmlns:a16="http://schemas.microsoft.com/office/drawing/2014/main" id="{DDA6111F-0EA8-4EF5-B0DD-80919717EDAF}"/>
+              </a:ext>
+            </a:extLst>
+          </p:cNvPr>
+          <p:cNvSpPr/>
+          <p:nvPr/>
+        </p:nvSpPr>
+        <p:spPr>
+          <a:xfrm>
+            <a:off x="9517380" y="4647533"/>
+            <a:ext cx="1560576" cy="810768"/>
+          </a:xfrm>
+          <a:prstGeom prst="ellipse">
+            <a:avLst/>
+          </a:prstGeom>
+        </p:spPr>
+        <p:style>
+          <a:lnRef idx="2">
+            <a:schemeClr val="accent6">
+              <a:shade val="50000"/>
+            </a:schemeClr>
+          </a:lnRef>
+          <a:fillRef idx="1">
+            <a:schemeClr val="accent6"/>
+          </a:fillRef>
+          <a:effectRef idx="0">
+            <a:schemeClr val="accent6"/>
+          </a:effectRef>
+          <a:fontRef idx="minor">
+            <a:schemeClr val="lt1"/>
+          </a:fontRef>
+        </p:style>
+        <p:txBody>
+          <a:bodyPr rtlCol="0" anchor="ctr"/>
+          <a:lstStyle/>
+          <a:p>
+            <a:pPr algn="ctr"/>
+            <a:r>
+              <a:rPr lang="en-US" dirty="0"/>
+              <a:t>Single Database</a:t>
+            </a:r>
+          </a:p>
+        </p:txBody>
+      </p:sp>
+      <p:cxnSp>
+        <p:nvCxnSpPr>
+          <p:cNvPr id="11" name="Straight Arrow Connector 10">
+            <a:extLst>
+              <a:ext uri="{FF2B5EF4-FFF2-40B4-BE49-F238E27FC236}">
+                <a16:creationId xmlns:a16="http://schemas.microsoft.com/office/drawing/2014/main" id="{45EE7BBC-846B-42D7-B7F3-9651542E21AE}"/>
+              </a:ext>
+            </a:extLst>
+          </p:cNvPr>
+          <p:cNvCxnSpPr>
+            <a:cxnSpLocks/>
+            <a:stCxn id="10" idx="2"/>
+            <a:endCxn id="6" idx="0"/>
+          </p:cNvCxnSpPr>
+          <p:nvPr/>
+        </p:nvCxnSpPr>
+        <p:spPr>
+          <a:xfrm flipH="1">
+            <a:off x="10297668" y="4211319"/>
+            <a:ext cx="4017" cy="436214"/>
+          </a:xfrm>
+          <a:prstGeom prst="straightConnector1">
+            <a:avLst/>
+          </a:prstGeom>
+          <a:ln>
+            <a:tailEnd type="triangle"/>
+          </a:ln>
+        </p:spPr>
+        <p:style>
+          <a:lnRef idx="1">
+            <a:schemeClr val="accent1"/>
+          </a:lnRef>
+          <a:fillRef idx="0">
+            <a:schemeClr val="accent1"/>
+          </a:fillRef>
+          <a:effectRef idx="0">
+            <a:schemeClr val="accent1"/>
+          </a:effectRef>
+          <a:fontRef idx="minor">
+            <a:schemeClr val="tx1"/>
+          </a:fontRef>
+        </p:style>
+      </p:cxnSp>
+      <p:sp>
+        <p:nvSpPr>
+          <p:cNvPr id="10" name="Rectangle 9">
+            <a:extLst>
+              <a:ext uri="{FF2B5EF4-FFF2-40B4-BE49-F238E27FC236}">
+                <a16:creationId xmlns:a16="http://schemas.microsoft.com/office/drawing/2014/main" id="{DE12B070-C10C-4EE9-A11B-154EC6785AE9}"/>
+              </a:ext>
+            </a:extLst>
+          </p:cNvPr>
+          <p:cNvSpPr/>
+          <p:nvPr/>
+        </p:nvSpPr>
+        <p:spPr>
+          <a:xfrm>
+            <a:off x="8747942" y="1899920"/>
+            <a:ext cx="3107486" cy="2311399"/>
+          </a:xfrm>
+          <a:prstGeom prst="rect">
+            <a:avLst/>
+          </a:prstGeom>
+        </p:spPr>
+        <p:style>
+          <a:lnRef idx="2">
+            <a:schemeClr val="accent1">
+              <a:shade val="50000"/>
+            </a:schemeClr>
+          </a:lnRef>
+          <a:fillRef idx="1">
+            <a:schemeClr val="accent1"/>
+          </a:fillRef>
+          <a:effectRef idx="0">
+            <a:schemeClr val="accent1"/>
+          </a:effectRef>
+          <a:fontRef idx="minor">
+            <a:schemeClr val="lt1"/>
+          </a:fontRef>
+        </p:style>
+        <p:txBody>
+          <a:bodyPr rtlCol="0" anchor="ctr"/>
+          <a:lstStyle/>
+          <a:p>
+            <a:pPr algn="r"/>
+            <a:r>
+              <a:rPr lang="en-US" dirty="0"/>
+              <a:t>Infrastructure</a:t>
+            </a:r>
+          </a:p>
+          <a:p>
+            <a:pPr algn="r"/>
+            <a:r>
+              <a:rPr lang="en-US" dirty="0"/>
+              <a:t>Layer</a:t>
+            </a:r>
+          </a:p>
+        </p:txBody>
+      </p:sp>
+      <p:sp>
+        <p:nvSpPr>
+          <p:cNvPr id="12" name="TextBox 11">
+            <a:extLst>
+              <a:ext uri="{FF2B5EF4-FFF2-40B4-BE49-F238E27FC236}">
+                <a16:creationId xmlns:a16="http://schemas.microsoft.com/office/drawing/2014/main" id="{E56ADDD9-A9E6-4A5E-8CD3-B6B28F73CC8E}"/>
+              </a:ext>
+            </a:extLst>
+          </p:cNvPr>
+          <p:cNvSpPr txBox="1"/>
+          <p:nvPr/>
+        </p:nvSpPr>
+        <p:spPr>
+          <a:xfrm>
+            <a:off x="7771763" y="2139428"/>
+            <a:ext cx="2353056" cy="371856"/>
+          </a:xfrm>
+          <a:prstGeom prst="rect">
+            <a:avLst/>
+          </a:prstGeom>
+          <a:solidFill>
+            <a:schemeClr val="bg1">
+              <a:lumMod val="95000"/>
+            </a:schemeClr>
+          </a:solidFill>
+          <a:ln w="19050">
+            <a:solidFill>
+              <a:schemeClr val="accent1"/>
+            </a:solidFill>
+          </a:ln>
+        </p:spPr>
+        <p:txBody>
+          <a:bodyPr wrap="square" rtlCol="0">
+            <a:spAutoFit/>
+          </a:bodyPr>
+          <a:lstStyle/>
+          <a:p>
+            <a:pPr algn="ctr"/>
+            <a:r>
+              <a:rPr lang="en-US" dirty="0"/>
+              <a:t>Presentation Layer</a:t>
+            </a:r>
+          </a:p>
+        </p:txBody>
+      </p:sp>
+      <p:sp>
+        <p:nvSpPr>
+          <p:cNvPr id="13" name="TextBox 12">
+            <a:extLst>
+              <a:ext uri="{FF2B5EF4-FFF2-40B4-BE49-F238E27FC236}">
+                <a16:creationId xmlns:a16="http://schemas.microsoft.com/office/drawing/2014/main" id="{97A61B61-F7DD-43CD-8575-AB2D14966A91}"/>
+              </a:ext>
+            </a:extLst>
+          </p:cNvPr>
+          <p:cNvSpPr txBox="1"/>
+          <p:nvPr/>
+        </p:nvSpPr>
+        <p:spPr>
+          <a:xfrm>
+            <a:off x="7771763" y="2869377"/>
+            <a:ext cx="2353056" cy="371856"/>
+          </a:xfrm>
+          <a:prstGeom prst="rect">
+            <a:avLst/>
+          </a:prstGeom>
+          <a:solidFill>
+            <a:schemeClr val="bg1">
+              <a:lumMod val="95000"/>
+            </a:schemeClr>
+          </a:solidFill>
+          <a:ln w="19050">
+            <a:solidFill>
+              <a:schemeClr val="accent1"/>
+            </a:solidFill>
+          </a:ln>
+        </p:spPr>
+        <p:txBody>
+          <a:bodyPr wrap="square" rtlCol="0">
+            <a:spAutoFit/>
+          </a:bodyPr>
+          <a:lstStyle/>
+          <a:p>
+            <a:pPr algn="ctr"/>
+            <a:r>
+              <a:rPr lang="en-US" dirty="0"/>
+              <a:t>Application Layer</a:t>
+            </a:r>
+          </a:p>
+        </p:txBody>
+      </p:sp>
+      <p:sp>
+        <p:nvSpPr>
+          <p:cNvPr id="14" name="TextBox 13">
+            <a:extLst>
+              <a:ext uri="{FF2B5EF4-FFF2-40B4-BE49-F238E27FC236}">
+                <a16:creationId xmlns:a16="http://schemas.microsoft.com/office/drawing/2014/main" id="{5F0487F6-88B9-4994-B8F2-A3DAEC4C3723}"/>
+              </a:ext>
+            </a:extLst>
+          </p:cNvPr>
+          <p:cNvSpPr txBox="1"/>
+          <p:nvPr/>
+        </p:nvSpPr>
+        <p:spPr>
+          <a:xfrm>
+            <a:off x="7771763" y="3599326"/>
+            <a:ext cx="2353056" cy="371856"/>
+          </a:xfrm>
+          <a:prstGeom prst="rect">
+            <a:avLst/>
+          </a:prstGeom>
+          <a:solidFill>
+            <a:schemeClr val="bg1">
+              <a:lumMod val="95000"/>
+            </a:schemeClr>
+          </a:solidFill>
+          <a:ln w="19050">
+            <a:solidFill>
+              <a:schemeClr val="accent1"/>
+            </a:solidFill>
+          </a:ln>
+        </p:spPr>
+        <p:txBody>
+          <a:bodyPr wrap="square" rtlCol="0">
+            <a:spAutoFit/>
+          </a:bodyPr>
+          <a:lstStyle/>
+          <a:p>
+            <a:pPr algn="ctr"/>
+            <a:r>
+              <a:rPr lang="en-US" dirty="0"/>
+              <a:t>Domain Layer</a:t>
+            </a:r>
+          </a:p>
+        </p:txBody>
+      </p:sp>
+      <p:cxnSp>
+        <p:nvCxnSpPr>
+          <p:cNvPr id="15" name="Straight Arrow Connector 14">
+            <a:extLst>
+              <a:ext uri="{FF2B5EF4-FFF2-40B4-BE49-F238E27FC236}">
+                <a16:creationId xmlns:a16="http://schemas.microsoft.com/office/drawing/2014/main" id="{ABA67ECB-746A-451E-BAC0-C0998792D034}"/>
+              </a:ext>
+            </a:extLst>
+          </p:cNvPr>
+          <p:cNvCxnSpPr/>
+          <p:nvPr/>
+        </p:nvCxnSpPr>
+        <p:spPr>
+          <a:xfrm>
+            <a:off x="8175893" y="2511284"/>
+            <a:ext cx="0" cy="358093"/>
+          </a:xfrm>
+          <a:prstGeom prst="straightConnector1">
+            <a:avLst/>
+          </a:prstGeom>
+          <a:ln w="63500">
+            <a:tailEnd type="triangle"/>
+          </a:ln>
+        </p:spPr>
+        <p:style>
+          <a:lnRef idx="1">
+            <a:schemeClr val="accent1"/>
+          </a:lnRef>
+          <a:fillRef idx="0">
+            <a:schemeClr val="accent1"/>
+          </a:fillRef>
+          <a:effectRef idx="0">
+            <a:schemeClr val="accent1"/>
+          </a:effectRef>
+          <a:fontRef idx="minor">
+            <a:schemeClr val="tx1"/>
+          </a:fontRef>
+        </p:style>
+      </p:cxnSp>
+      <p:cxnSp>
+        <p:nvCxnSpPr>
+          <p:cNvPr id="16" name="Straight Arrow Connector 15">
+            <a:extLst>
+              <a:ext uri="{FF2B5EF4-FFF2-40B4-BE49-F238E27FC236}">
+                <a16:creationId xmlns:a16="http://schemas.microsoft.com/office/drawing/2014/main" id="{EEDCF84A-0F65-483A-BDC5-566549C7D873}"/>
+              </a:ext>
+            </a:extLst>
+          </p:cNvPr>
+          <p:cNvCxnSpPr/>
+          <p:nvPr/>
+        </p:nvCxnSpPr>
+        <p:spPr>
+          <a:xfrm>
+            <a:off x="8175893" y="3256419"/>
+            <a:ext cx="0" cy="358093"/>
+          </a:xfrm>
+          <a:prstGeom prst="straightConnector1">
+            <a:avLst/>
+          </a:prstGeom>
+          <a:ln w="63500">
+            <a:tailEnd type="triangle"/>
+          </a:ln>
+        </p:spPr>
+        <p:style>
+          <a:lnRef idx="1">
+            <a:schemeClr val="accent1"/>
+          </a:lnRef>
+          <a:fillRef idx="0">
+            <a:schemeClr val="accent1"/>
+          </a:fillRef>
+          <a:effectRef idx="0">
+            <a:schemeClr val="accent1"/>
+          </a:effectRef>
+          <a:fontRef idx="minor">
+            <a:schemeClr val="tx1"/>
+          </a:fontRef>
+        </p:style>
+      </p:cxnSp>
+      <p:cxnSp>
+        <p:nvCxnSpPr>
+          <p:cNvPr id="17" name="Connector: Elbow 16">
+            <a:extLst>
+              <a:ext uri="{FF2B5EF4-FFF2-40B4-BE49-F238E27FC236}">
+                <a16:creationId xmlns:a16="http://schemas.microsoft.com/office/drawing/2014/main" id="{D52B157A-0B62-49CE-80CC-71D5E5E09343}"/>
+              </a:ext>
+            </a:extLst>
+          </p:cNvPr>
+          <p:cNvCxnSpPr>
+            <a:cxnSpLocks/>
+          </p:cNvCxnSpPr>
+          <p:nvPr/>
+        </p:nvCxnSpPr>
+        <p:spPr>
+          <a:xfrm rot="10800000">
+            <a:off x="8434044" y="3971183"/>
+            <a:ext cx="313899" cy="176105"/>
+          </a:xfrm>
+          <a:prstGeom prst="bentConnector3">
+            <a:avLst>
+              <a:gd name="adj1" fmla="val 100000"/>
+            </a:avLst>
+          </a:prstGeom>
+          <a:ln>
+            <a:tailEnd type="triangle"/>
+          </a:ln>
+        </p:spPr>
+        <p:style>
+          <a:lnRef idx="1">
+            <a:schemeClr val="accent1"/>
+          </a:lnRef>
+          <a:fillRef idx="0">
+            <a:schemeClr val="accent1"/>
+          </a:fillRef>
+          <a:effectRef idx="0">
+            <a:schemeClr val="accent1"/>
+          </a:effectRef>
+          <a:fontRef idx="minor">
+            <a:schemeClr val="tx1"/>
+          </a:fontRef>
+        </p:style>
+      </p:cxnSp>
+      <p:cxnSp>
+        <p:nvCxnSpPr>
+          <p:cNvPr id="18" name="Connector: Elbow 17">
+            <a:extLst>
+              <a:ext uri="{FF2B5EF4-FFF2-40B4-BE49-F238E27FC236}">
+                <a16:creationId xmlns:a16="http://schemas.microsoft.com/office/drawing/2014/main" id="{3019BF73-90A6-43FF-9FEE-62AA8F9E9D79}"/>
+              </a:ext>
+            </a:extLst>
+          </p:cNvPr>
+          <p:cNvCxnSpPr>
+            <a:cxnSpLocks/>
+          </p:cNvCxnSpPr>
+          <p:nvPr/>
+        </p:nvCxnSpPr>
+        <p:spPr>
+          <a:xfrm rot="10800000">
+            <a:off x="8434044" y="3241233"/>
+            <a:ext cx="313899" cy="176105"/>
+          </a:xfrm>
+          <a:prstGeom prst="bentConnector3">
+            <a:avLst>
+              <a:gd name="adj1" fmla="val 100000"/>
+            </a:avLst>
+          </a:prstGeom>
+          <a:ln>
+            <a:tailEnd type="triangle"/>
+          </a:ln>
+        </p:spPr>
+        <p:style>
+          <a:lnRef idx="1">
+            <a:schemeClr val="accent1"/>
+          </a:lnRef>
+          <a:fillRef idx="0">
+            <a:schemeClr val="accent1"/>
+          </a:fillRef>
+          <a:effectRef idx="0">
+            <a:schemeClr val="accent1"/>
+          </a:effectRef>
+          <a:fontRef idx="minor">
+            <a:schemeClr val="tx1"/>
+          </a:fontRef>
+        </p:style>
+      </p:cxnSp>
+      <p:cxnSp>
+        <p:nvCxnSpPr>
+          <p:cNvPr id="19" name="Connector: Elbow 18">
+            <a:extLst>
+              <a:ext uri="{FF2B5EF4-FFF2-40B4-BE49-F238E27FC236}">
+                <a16:creationId xmlns:a16="http://schemas.microsoft.com/office/drawing/2014/main" id="{40709A19-2046-49AB-BA33-D7AA4C7AEAFB}"/>
+              </a:ext>
+            </a:extLst>
+          </p:cNvPr>
+          <p:cNvCxnSpPr>
+            <a:cxnSpLocks/>
+          </p:cNvCxnSpPr>
+          <p:nvPr/>
+        </p:nvCxnSpPr>
+        <p:spPr>
+          <a:xfrm rot="10800000">
+            <a:off x="8434042" y="2507344"/>
+            <a:ext cx="313899" cy="176105"/>
+          </a:xfrm>
+          <a:prstGeom prst="bentConnector3">
+            <a:avLst>
+              <a:gd name="adj1" fmla="val 100000"/>
+            </a:avLst>
+          </a:prstGeom>
+          <a:ln>
+            <a:tailEnd type="triangle"/>
+          </a:ln>
+        </p:spPr>
+        <p:style>
+          <a:lnRef idx="1">
+            <a:schemeClr val="accent1"/>
+          </a:lnRef>
+          <a:fillRef idx="0">
+            <a:schemeClr val="accent1"/>
+          </a:fillRef>
+          <a:effectRef idx="0">
+            <a:schemeClr val="accent1"/>
+          </a:effectRef>
+          <a:fontRef idx="minor">
+            <a:schemeClr val="tx1"/>
+          </a:fontRef>
+        </p:style>
+      </p:cxnSp>
+    </p:spTree>
+    <p:extLst>
+      <p:ext uri="{BB962C8B-B14F-4D97-AF65-F5344CB8AC3E}">
+        <p14:creationId xmlns:p14="http://schemas.microsoft.com/office/powerpoint/2010/main" val="1030356451"/>
+      </p:ext>
+    </p:extLst>
+  </p:cSld>
+  <p:clrMapOvr>
+    <a:masterClrMapping/>
+  </p:clrMapOvr>
+</p:sld>
+</file>
+
+<file path=ppt/slides/slide9.xml><?xml version="1.0" encoding="utf-8"?>
+<p:sld xmlns:a="http://schemas.openxmlformats.org/drawingml/2006/main" xmlns:r="http://schemas.openxmlformats.org/officeDocument/2006/relationships" xmlns:p="http://schemas.openxmlformats.org/presentationml/2006/main">
+  <p:cSld>
+    <p:spTree>
+      <p:nvGrpSpPr>
+        <p:cNvPr id="1" name=""/>
+        <p:cNvGrpSpPr/>
+        <p:nvPr/>
+      </p:nvGrpSpPr>
+      <p:grpSpPr>
+        <a:xfrm>
+          <a:off x="0" y="0"/>
+          <a:ext cx="0" cy="0"/>
+          <a:chOff x="0" y="0"/>
+          <a:chExt cx="0" cy="0"/>
+        </a:xfrm>
+      </p:grpSpPr>
+      <p:sp>
+        <p:nvSpPr>
+          <p:cNvPr id="2" name="Title 1">
+            <a:extLst>
+              <a:ext uri="{FF2B5EF4-FFF2-40B4-BE49-F238E27FC236}">
+                <a16:creationId xmlns:a16="http://schemas.microsoft.com/office/drawing/2014/main" id="{B165E82E-6576-469D-8FA3-8A2C0EAEEBBD}"/>
+              </a:ext>
+            </a:extLst>
+          </p:cNvPr>
+          <p:cNvSpPr>
+            <a:spLocks noGrp="1"/>
+          </p:cNvSpPr>
+          <p:nvPr>
+            <p:ph type="title"/>
+          </p:nvPr>
+        </p:nvSpPr>
+        <p:spPr>
+          <a:xfrm>
+            <a:off x="838200" y="365125"/>
+            <a:ext cx="10515600" cy="1325563"/>
+          </a:xfrm>
+        </p:spPr>
+        <p:txBody>
+          <a:bodyPr/>
+          <a:lstStyle/>
+          <a:p>
+            <a:r>
+              <a:rPr lang="en-US" sz="2800" dirty="0"/>
+              <a:t>Part-I: From Monolithic to Microservice</a:t>
+            </a:r>
+            <a:br>
+              <a:rPr lang="en-US" sz="2800" dirty="0"/>
+            </a:br>
+            <a:r>
+              <a:rPr lang="en-US" dirty="0"/>
+              <a:t>Layered Monolithic Application</a:t>
+            </a:r>
+          </a:p>
+        </p:txBody>
+      </p:sp>
+      <p:sp>
+        <p:nvSpPr>
+          <p:cNvPr id="3" name="Content Placeholder 2">
+            <a:extLst>
+              <a:ext uri="{FF2B5EF4-FFF2-40B4-BE49-F238E27FC236}">
+                <a16:creationId xmlns:a16="http://schemas.microsoft.com/office/drawing/2014/main" id="{8CB50F07-F41A-4E83-9BCB-B6E5A982958C}"/>
+              </a:ext>
+            </a:extLst>
+          </p:cNvPr>
+          <p:cNvSpPr>
+            <a:spLocks noGrp="1"/>
+          </p:cNvSpPr>
+          <p:nvPr>
+            <p:ph idx="1"/>
+          </p:nvPr>
+        </p:nvSpPr>
+        <p:spPr>
+          <a:xfrm>
+            <a:off x="838199" y="1825625"/>
+            <a:ext cx="6239251" cy="4351338"/>
+          </a:xfrm>
+        </p:spPr>
+        <p:txBody>
+          <a:bodyPr>
+            <a:normAutofit/>
+          </a:bodyPr>
+          <a:lstStyle/>
+          <a:p>
+            <a:r>
+              <a:rPr lang="en-US" sz="2400" dirty="0"/>
+              <a:t>Clean Architecture / Onion Architecture</a:t>
+            </a:r>
+          </a:p>
+          <a:p>
+            <a:pPr lvl="1"/>
+            <a:r>
+              <a:rPr lang="en-US" sz="2000" dirty="0"/>
+              <a:t>Each layer can only depend on the layer </a:t>
+            </a:r>
+            <a:r>
+              <a:rPr lang="en-US" sz="2000" b="1" dirty="0"/>
+              <a:t>directly inside </a:t>
+            </a:r>
+            <a:r>
+              <a:rPr lang="en-US" sz="2000" dirty="0"/>
+              <a:t>it</a:t>
+            </a:r>
+          </a:p>
+          <a:p>
+            <a:pPr lvl="1"/>
+            <a:r>
+              <a:rPr lang="en-US" sz="2000" dirty="0"/>
+              <a:t>More organized, </a:t>
+            </a:r>
+            <a:r>
+              <a:rPr lang="en-US" sz="2000" b="1" dirty="0"/>
+              <a:t>maintainable</a:t>
+            </a:r>
+            <a:r>
+              <a:rPr lang="en-US" sz="2000" dirty="0"/>
+              <a:t>, reusable &amp; testable code base.</a:t>
+            </a:r>
+          </a:p>
+          <a:p>
+            <a:pPr lvl="1"/>
+            <a:r>
+              <a:rPr lang="en-US" sz="2000" dirty="0"/>
+              <a:t>Each layer can be a </a:t>
+            </a:r>
+            <a:r>
+              <a:rPr lang="en-US" sz="2000" b="1" dirty="0"/>
+              <a:t>separated project </a:t>
+            </a:r>
+            <a:r>
+              <a:rPr lang="en-US" sz="2000" dirty="0"/>
+              <a:t>(</a:t>
+            </a:r>
+            <a:r>
+              <a:rPr lang="en-US" sz="2000" dirty="0" err="1"/>
+              <a:t>csproj</a:t>
+            </a:r>
+            <a:r>
+              <a:rPr lang="en-US" sz="2000" dirty="0"/>
+              <a:t> file)</a:t>
+            </a:r>
+          </a:p>
+        </p:txBody>
+      </p:sp>
+      <p:pic>
+        <p:nvPicPr>
+          <p:cNvPr id="5" name="Picture 4">
+            <a:extLst>
+              <a:ext uri="{FF2B5EF4-FFF2-40B4-BE49-F238E27FC236}">
+                <a16:creationId xmlns:a16="http://schemas.microsoft.com/office/drawing/2014/main" id="{A4441F6C-3363-419D-B01B-452EBEC225C6}"/>
+              </a:ext>
+            </a:extLst>
+          </p:cNvPr>
+          <p:cNvPicPr>
+            <a:picLocks noChangeAspect="1"/>
+          </p:cNvPicPr>
+          <p:nvPr/>
+        </p:nvPicPr>
+        <p:blipFill>
+          <a:blip r:embed="rId2">
+            <a:extLst>
+              <a:ext uri="{28A0092B-C50C-407E-A947-70E740481C1C}">
+                <a14:useLocalDpi xmlns:a14="http://schemas.microsoft.com/office/drawing/2010/main" val="0"/>
+              </a:ext>
+            </a:extLst>
+          </a:blip>
+          <a:stretch>
+            <a:fillRect/>
+          </a:stretch>
+        </p:blipFill>
+        <p:spPr>
+          <a:xfrm>
+            <a:off x="7077450" y="1690688"/>
+            <a:ext cx="4532382" cy="4532382"/>
+          </a:xfrm>
+          <a:prstGeom prst="rect">
+            <a:avLst/>
+          </a:prstGeom>
+        </p:spPr>
+      </p:pic>
+      <p:pic>
+        <p:nvPicPr>
+          <p:cNvPr id="1026" name="Picture 2" descr="bookstore-visual-studio-solution">
+            <a:extLst>
+              <a:ext uri="{FF2B5EF4-FFF2-40B4-BE49-F238E27FC236}">
+                <a16:creationId xmlns:a16="http://schemas.microsoft.com/office/drawing/2014/main" id="{EE0BA37B-0587-430D-B50A-5EB515731963}"/>
+              </a:ext>
+            </a:extLst>
+          </p:cNvPr>
+          <p:cNvPicPr>
+            <a:picLocks noChangeAspect="1" noChangeArrowheads="1"/>
+          </p:cNvPicPr>
+          <p:nvPr/>
+        </p:nvPicPr>
+        <p:blipFill>
+          <a:blip r:embed="rId3">
+            <a:extLst>
+              <a:ext uri="{28A0092B-C50C-407E-A947-70E740481C1C}">
+                <a14:useLocalDpi xmlns:a14="http://schemas.microsoft.com/office/drawing/2010/main" val="0"/>
+              </a:ext>
+            </a:extLst>
+          </a:blip>
+          <a:srcRect/>
+          <a:stretch>
+            <a:fillRect/>
+          </a:stretch>
+        </p:blipFill>
+        <p:spPr bwMode="auto">
+          <a:xfrm>
+            <a:off x="1642682" y="3833813"/>
+            <a:ext cx="4298405" cy="2615755"/>
+          </a:xfrm>
+          <a:prstGeom prst="rect">
+            <a:avLst/>
+          </a:prstGeom>
+          <a:noFill/>
+          <a:extLst>
+            <a:ext uri="{909E8E84-426E-40DD-AFC4-6F175D3DCCD1}">
+              <a14:hiddenFill xmlns:a14="http://schemas.microsoft.com/office/drawing/2010/main">
+                <a:solidFill>
+                  <a:srgbClr val="FFFFFF"/>
+                </a:solidFill>
+              </a14:hiddenFill>
+            </a:ext>
+          </a:extLst>
+        </p:spPr>
+      </p:pic>
+    </p:spTree>
+    <p:extLst>
+      <p:ext uri="{BB962C8B-B14F-4D97-AF65-F5344CB8AC3E}">
+        <p14:creationId xmlns:p14="http://schemas.microsoft.com/office/powerpoint/2010/main" val="144925402"/>
       </p:ext>
     </p:extLst>
   </p:cSld>

--- a/2019-05-15-Microservices/Presentation.pptx
+++ b/2019-05-15-Microservices/Presentation.pptx
@@ -15,6 +15,8 @@
     <p:sldId id="267" r:id="rId9"/>
     <p:sldId id="268" r:id="rId10"/>
     <p:sldId id="269" r:id="rId11"/>
+    <p:sldId id="270" r:id="rId12"/>
+    <p:sldId id="271" r:id="rId13"/>
   </p:sldIdLst>
   <p:sldSz cx="12192000" cy="6858000"/>
   <p:notesSz cx="6858000" cy="9144000"/>
@@ -3456,7 +3458,7 @@
             </a:br>
             <a:r>
               <a:rPr lang="en-US" dirty="0"/>
-              <a:t>Modular Application Model</a:t>
+              <a:t>Modular Application</a:t>
             </a:r>
           </a:p>
         </p:txBody>
@@ -3480,7 +3482,7 @@
         <p:spPr>
           <a:xfrm>
             <a:off x="838199" y="1825625"/>
-            <a:ext cx="6239251" cy="4351338"/>
+            <a:ext cx="5830825" cy="4351338"/>
           </a:xfrm>
         </p:spPr>
         <p:txBody>
@@ -3490,17 +3492,1931 @@
           <a:lstStyle/>
           <a:p>
             <a:r>
-              <a:rPr lang="en-US" sz="2400"/>
-              <a:t>…</a:t>
+              <a:rPr lang="en-US" sz="2400" dirty="0"/>
+              <a:t>Each module corresponds to a </a:t>
+            </a:r>
+            <a:r>
+              <a:rPr lang="en-US" sz="2400" b="1" dirty="0"/>
+              <a:t>bounded context </a:t>
+            </a:r>
+            <a:r>
+              <a:rPr lang="en-US" sz="2400" dirty="0"/>
+              <a:t>in DDD.</a:t>
+            </a:r>
+          </a:p>
+          <a:p>
+            <a:r>
+              <a:rPr lang="en-US" sz="2400" dirty="0"/>
+              <a:t>Modules can have a </a:t>
+            </a:r>
+            <a:r>
+              <a:rPr lang="en-US" sz="2400" b="1" dirty="0"/>
+              <a:t>separated VS solutions</a:t>
+            </a:r>
+          </a:p>
+          <a:p>
+            <a:r>
+              <a:rPr lang="en-US" sz="2400" dirty="0"/>
+              <a:t>Modules can </a:t>
+            </a:r>
+            <a:r>
+              <a:rPr lang="en-US" sz="2400" b="1" dirty="0"/>
+              <a:t>cross-reference</a:t>
+            </a:r>
+            <a:r>
+              <a:rPr lang="en-US" sz="2400" dirty="0"/>
+              <a:t> to each other</a:t>
+            </a:r>
+          </a:p>
+          <a:p>
+            <a:r>
+              <a:rPr lang="en-US" sz="2400" b="1" dirty="0"/>
+              <a:t>Modular in development</a:t>
+            </a:r>
+            <a:r>
+              <a:rPr lang="en-US" sz="2400" dirty="0"/>
+              <a:t>, but still monolithic on runtime.</a:t>
+            </a:r>
+          </a:p>
+          <a:p>
+            <a:r>
+              <a:rPr lang="en-US" sz="2400" dirty="0"/>
+              <a:t>A module can be </a:t>
+            </a:r>
+            <a:r>
+              <a:rPr lang="en-US" sz="2400" b="1" dirty="0"/>
+              <a:t>layered</a:t>
+            </a:r>
+            <a:r>
+              <a:rPr lang="en-US" sz="2400" dirty="0"/>
+              <a:t> inside it.</a:t>
+            </a:r>
+          </a:p>
+          <a:p>
+            <a:r>
+              <a:rPr lang="en-US" sz="2400" dirty="0"/>
+              <a:t>All modules uses the </a:t>
+            </a:r>
+            <a:r>
+              <a:rPr lang="en-US" sz="2400" b="1" dirty="0"/>
+              <a:t>same database</a:t>
+            </a:r>
+            <a:r>
+              <a:rPr lang="en-US" sz="2400" dirty="0"/>
+              <a:t>.</a:t>
             </a:r>
             <a:endParaRPr lang="en-US" sz="2000" dirty="0"/>
           </a:p>
         </p:txBody>
       </p:sp>
+      <p:sp>
+        <p:nvSpPr>
+          <p:cNvPr id="7" name="Rectangle 6">
+            <a:extLst>
+              <a:ext uri="{FF2B5EF4-FFF2-40B4-BE49-F238E27FC236}">
+                <a16:creationId xmlns:a16="http://schemas.microsoft.com/office/drawing/2014/main" id="{E1B87A90-A4B5-462A-B66D-267EE1C5F769}"/>
+              </a:ext>
+            </a:extLst>
+          </p:cNvPr>
+          <p:cNvSpPr/>
+          <p:nvPr/>
+        </p:nvSpPr>
+        <p:spPr>
+          <a:xfrm>
+            <a:off x="7546847" y="1487425"/>
+            <a:ext cx="4236721" cy="3584448"/>
+          </a:xfrm>
+          <a:prstGeom prst="rect">
+            <a:avLst/>
+          </a:prstGeom>
+        </p:spPr>
+        <p:style>
+          <a:lnRef idx="2">
+            <a:schemeClr val="accent1">
+              <a:shade val="50000"/>
+            </a:schemeClr>
+          </a:lnRef>
+          <a:fillRef idx="1">
+            <a:schemeClr val="accent1"/>
+          </a:fillRef>
+          <a:effectRef idx="0">
+            <a:schemeClr val="accent1"/>
+          </a:effectRef>
+          <a:fontRef idx="minor">
+            <a:schemeClr val="lt1"/>
+          </a:fontRef>
+        </p:style>
+        <p:txBody>
+          <a:bodyPr rtlCol="0" anchor="t"/>
+          <a:lstStyle/>
+          <a:p>
+            <a:pPr algn="r"/>
+            <a:r>
+              <a:rPr lang="en-US" dirty="0"/>
+              <a:t>Monolithic Application</a:t>
+            </a:r>
+          </a:p>
+        </p:txBody>
+      </p:sp>
+      <p:sp>
+        <p:nvSpPr>
+          <p:cNvPr id="8" name="Rectangle 7">
+            <a:extLst>
+              <a:ext uri="{FF2B5EF4-FFF2-40B4-BE49-F238E27FC236}">
+                <a16:creationId xmlns:a16="http://schemas.microsoft.com/office/drawing/2014/main" id="{083CD823-3C33-4A9D-9640-A0892F0D5F9E}"/>
+              </a:ext>
+            </a:extLst>
+          </p:cNvPr>
+          <p:cNvSpPr/>
+          <p:nvPr/>
+        </p:nvSpPr>
+        <p:spPr>
+          <a:xfrm>
+            <a:off x="7634592" y="1902839"/>
+            <a:ext cx="1826526" cy="747834"/>
+          </a:xfrm>
+          <a:prstGeom prst="rect">
+            <a:avLst/>
+          </a:prstGeom>
+        </p:spPr>
+        <p:style>
+          <a:lnRef idx="2">
+            <a:schemeClr val="accent4">
+              <a:shade val="50000"/>
+            </a:schemeClr>
+          </a:lnRef>
+          <a:fillRef idx="1">
+            <a:schemeClr val="accent4"/>
+          </a:fillRef>
+          <a:effectRef idx="0">
+            <a:schemeClr val="accent4"/>
+          </a:effectRef>
+          <a:fontRef idx="minor">
+            <a:schemeClr val="lt1"/>
+          </a:fontRef>
+        </p:style>
+        <p:txBody>
+          <a:bodyPr rtlCol="0" anchor="ctr"/>
+          <a:lstStyle/>
+          <a:p>
+            <a:pPr algn="ctr"/>
+            <a:r>
+              <a:rPr lang="en-US" dirty="0"/>
+              <a:t>Module - 1</a:t>
+            </a:r>
+          </a:p>
+        </p:txBody>
+      </p:sp>
+      <p:sp>
+        <p:nvSpPr>
+          <p:cNvPr id="9" name="Rectangle 8">
+            <a:extLst>
+              <a:ext uri="{FF2B5EF4-FFF2-40B4-BE49-F238E27FC236}">
+                <a16:creationId xmlns:a16="http://schemas.microsoft.com/office/drawing/2014/main" id="{C636472E-CBDB-44F2-BA4B-2004F7CC7172}"/>
+              </a:ext>
+            </a:extLst>
+          </p:cNvPr>
+          <p:cNvSpPr/>
+          <p:nvPr/>
+        </p:nvSpPr>
+        <p:spPr>
+          <a:xfrm>
+            <a:off x="9864209" y="1902839"/>
+            <a:ext cx="1826526" cy="747834"/>
+          </a:xfrm>
+          <a:prstGeom prst="rect">
+            <a:avLst/>
+          </a:prstGeom>
+        </p:spPr>
+        <p:style>
+          <a:lnRef idx="2">
+            <a:schemeClr val="accent4">
+              <a:shade val="50000"/>
+            </a:schemeClr>
+          </a:lnRef>
+          <a:fillRef idx="1">
+            <a:schemeClr val="accent4"/>
+          </a:fillRef>
+          <a:effectRef idx="0">
+            <a:schemeClr val="accent4"/>
+          </a:effectRef>
+          <a:fontRef idx="minor">
+            <a:schemeClr val="lt1"/>
+          </a:fontRef>
+        </p:style>
+        <p:txBody>
+          <a:bodyPr rtlCol="0" anchor="ctr"/>
+          <a:lstStyle/>
+          <a:p>
+            <a:pPr algn="ctr"/>
+            <a:r>
+              <a:rPr lang="en-US" dirty="0"/>
+              <a:t>Module - 2</a:t>
+            </a:r>
+          </a:p>
+        </p:txBody>
+      </p:sp>
+      <p:sp>
+        <p:nvSpPr>
+          <p:cNvPr id="10" name="Rectangle 9">
+            <a:extLst>
+              <a:ext uri="{FF2B5EF4-FFF2-40B4-BE49-F238E27FC236}">
+                <a16:creationId xmlns:a16="http://schemas.microsoft.com/office/drawing/2014/main" id="{C47F1A1D-766B-4053-928C-ABA1BE0E489D}"/>
+              </a:ext>
+            </a:extLst>
+          </p:cNvPr>
+          <p:cNvSpPr/>
+          <p:nvPr/>
+        </p:nvSpPr>
+        <p:spPr>
+          <a:xfrm>
+            <a:off x="7634592" y="3060426"/>
+            <a:ext cx="1826526" cy="747834"/>
+          </a:xfrm>
+          <a:prstGeom prst="rect">
+            <a:avLst/>
+          </a:prstGeom>
+        </p:spPr>
+        <p:style>
+          <a:lnRef idx="2">
+            <a:schemeClr val="accent4">
+              <a:shade val="50000"/>
+            </a:schemeClr>
+          </a:lnRef>
+          <a:fillRef idx="1">
+            <a:schemeClr val="accent4"/>
+          </a:fillRef>
+          <a:effectRef idx="0">
+            <a:schemeClr val="accent4"/>
+          </a:effectRef>
+          <a:fontRef idx="minor">
+            <a:schemeClr val="lt1"/>
+          </a:fontRef>
+        </p:style>
+        <p:txBody>
+          <a:bodyPr rtlCol="0" anchor="ctr"/>
+          <a:lstStyle/>
+          <a:p>
+            <a:pPr algn="ctr"/>
+            <a:r>
+              <a:rPr lang="en-US" dirty="0"/>
+              <a:t>Module - 3</a:t>
+            </a:r>
+          </a:p>
+        </p:txBody>
+      </p:sp>
+      <p:sp>
+        <p:nvSpPr>
+          <p:cNvPr id="11" name="Rectangle 10">
+            <a:extLst>
+              <a:ext uri="{FF2B5EF4-FFF2-40B4-BE49-F238E27FC236}">
+                <a16:creationId xmlns:a16="http://schemas.microsoft.com/office/drawing/2014/main" id="{292244F4-FAF0-497F-9123-2B71D7F2F085}"/>
+              </a:ext>
+            </a:extLst>
+          </p:cNvPr>
+          <p:cNvSpPr/>
+          <p:nvPr/>
+        </p:nvSpPr>
+        <p:spPr>
+          <a:xfrm>
+            <a:off x="9864209" y="3060426"/>
+            <a:ext cx="1826526" cy="747834"/>
+          </a:xfrm>
+          <a:prstGeom prst="rect">
+            <a:avLst/>
+          </a:prstGeom>
+        </p:spPr>
+        <p:style>
+          <a:lnRef idx="2">
+            <a:schemeClr val="accent4">
+              <a:shade val="50000"/>
+            </a:schemeClr>
+          </a:lnRef>
+          <a:fillRef idx="1">
+            <a:schemeClr val="accent4"/>
+          </a:fillRef>
+          <a:effectRef idx="0">
+            <a:schemeClr val="accent4"/>
+          </a:effectRef>
+          <a:fontRef idx="minor">
+            <a:schemeClr val="lt1"/>
+          </a:fontRef>
+        </p:style>
+        <p:txBody>
+          <a:bodyPr rtlCol="0" anchor="ctr"/>
+          <a:lstStyle/>
+          <a:p>
+            <a:pPr algn="ctr"/>
+            <a:r>
+              <a:rPr lang="en-US" dirty="0"/>
+              <a:t>Module - 4</a:t>
+            </a:r>
+          </a:p>
+        </p:txBody>
+      </p:sp>
+      <p:sp>
+        <p:nvSpPr>
+          <p:cNvPr id="12" name="Rectangle 11">
+            <a:extLst>
+              <a:ext uri="{FF2B5EF4-FFF2-40B4-BE49-F238E27FC236}">
+                <a16:creationId xmlns:a16="http://schemas.microsoft.com/office/drawing/2014/main" id="{D65131F5-FCC8-451E-9E3D-2659EB544517}"/>
+              </a:ext>
+            </a:extLst>
+          </p:cNvPr>
+          <p:cNvSpPr/>
+          <p:nvPr/>
+        </p:nvSpPr>
+        <p:spPr>
+          <a:xfrm>
+            <a:off x="7634592" y="4218013"/>
+            <a:ext cx="1826526" cy="747834"/>
+          </a:xfrm>
+          <a:prstGeom prst="rect">
+            <a:avLst/>
+          </a:prstGeom>
+        </p:spPr>
+        <p:style>
+          <a:lnRef idx="2">
+            <a:schemeClr val="accent4">
+              <a:shade val="50000"/>
+            </a:schemeClr>
+          </a:lnRef>
+          <a:fillRef idx="1">
+            <a:schemeClr val="accent4"/>
+          </a:fillRef>
+          <a:effectRef idx="0">
+            <a:schemeClr val="accent4"/>
+          </a:effectRef>
+          <a:fontRef idx="minor">
+            <a:schemeClr val="lt1"/>
+          </a:fontRef>
+        </p:style>
+        <p:txBody>
+          <a:bodyPr rtlCol="0" anchor="ctr"/>
+          <a:lstStyle/>
+          <a:p>
+            <a:pPr algn="ctr"/>
+            <a:r>
+              <a:rPr lang="en-US" dirty="0"/>
+              <a:t>Module - 5</a:t>
+            </a:r>
+          </a:p>
+        </p:txBody>
+      </p:sp>
+      <p:sp>
+        <p:nvSpPr>
+          <p:cNvPr id="13" name="Rectangle 12">
+            <a:extLst>
+              <a:ext uri="{FF2B5EF4-FFF2-40B4-BE49-F238E27FC236}">
+                <a16:creationId xmlns:a16="http://schemas.microsoft.com/office/drawing/2014/main" id="{3A96202A-8283-45A6-AC0A-C697E6F69BE7}"/>
+              </a:ext>
+            </a:extLst>
+          </p:cNvPr>
+          <p:cNvSpPr/>
+          <p:nvPr/>
+        </p:nvSpPr>
+        <p:spPr>
+          <a:xfrm>
+            <a:off x="9864209" y="4218013"/>
+            <a:ext cx="1826526" cy="747834"/>
+          </a:xfrm>
+          <a:prstGeom prst="rect">
+            <a:avLst/>
+          </a:prstGeom>
+        </p:spPr>
+        <p:style>
+          <a:lnRef idx="2">
+            <a:schemeClr val="accent4">
+              <a:shade val="50000"/>
+            </a:schemeClr>
+          </a:lnRef>
+          <a:fillRef idx="1">
+            <a:schemeClr val="accent4"/>
+          </a:fillRef>
+          <a:effectRef idx="0">
+            <a:schemeClr val="accent4"/>
+          </a:effectRef>
+          <a:fontRef idx="minor">
+            <a:schemeClr val="lt1"/>
+          </a:fontRef>
+        </p:style>
+        <p:txBody>
+          <a:bodyPr rtlCol="0" anchor="ctr"/>
+          <a:lstStyle/>
+          <a:p>
+            <a:pPr algn="ctr"/>
+            <a:r>
+              <a:rPr lang="en-US" dirty="0"/>
+              <a:t>Module - 6</a:t>
+            </a:r>
+          </a:p>
+        </p:txBody>
+      </p:sp>
+      <p:cxnSp>
+        <p:nvCxnSpPr>
+          <p:cNvPr id="14" name="Straight Arrow Connector 13">
+            <a:extLst>
+              <a:ext uri="{FF2B5EF4-FFF2-40B4-BE49-F238E27FC236}">
+                <a16:creationId xmlns:a16="http://schemas.microsoft.com/office/drawing/2014/main" id="{D4CB03B9-32B6-496A-9CED-63AC778B5F7A}"/>
+              </a:ext>
+            </a:extLst>
+          </p:cNvPr>
+          <p:cNvCxnSpPr>
+            <a:endCxn id="8" idx="2"/>
+          </p:cNvCxnSpPr>
+          <p:nvPr/>
+        </p:nvCxnSpPr>
+        <p:spPr>
+          <a:xfrm flipV="1">
+            <a:off x="8540496" y="2650673"/>
+            <a:ext cx="7359" cy="409753"/>
+          </a:xfrm>
+          <a:prstGeom prst="straightConnector1">
+            <a:avLst/>
+          </a:prstGeom>
+          <a:ln w="38100">
+            <a:solidFill>
+              <a:schemeClr val="bg1"/>
+            </a:solidFill>
+            <a:tailEnd type="triangle"/>
+          </a:ln>
+        </p:spPr>
+        <p:style>
+          <a:lnRef idx="1">
+            <a:schemeClr val="accent1"/>
+          </a:lnRef>
+          <a:fillRef idx="0">
+            <a:schemeClr val="accent1"/>
+          </a:fillRef>
+          <a:effectRef idx="0">
+            <a:schemeClr val="accent1"/>
+          </a:effectRef>
+          <a:fontRef idx="minor">
+            <a:schemeClr val="tx1"/>
+          </a:fontRef>
+        </p:style>
+      </p:cxnSp>
+      <p:cxnSp>
+        <p:nvCxnSpPr>
+          <p:cNvPr id="15" name="Straight Arrow Connector 14">
+            <a:extLst>
+              <a:ext uri="{FF2B5EF4-FFF2-40B4-BE49-F238E27FC236}">
+                <a16:creationId xmlns:a16="http://schemas.microsoft.com/office/drawing/2014/main" id="{79A59242-8BBA-415D-89C7-EAFADAA347BF}"/>
+              </a:ext>
+            </a:extLst>
+          </p:cNvPr>
+          <p:cNvCxnSpPr>
+            <a:cxnSpLocks/>
+          </p:cNvCxnSpPr>
+          <p:nvPr/>
+        </p:nvCxnSpPr>
+        <p:spPr>
+          <a:xfrm flipV="1">
+            <a:off x="9009433" y="2650674"/>
+            <a:ext cx="1146316" cy="409752"/>
+          </a:xfrm>
+          <a:prstGeom prst="straightConnector1">
+            <a:avLst/>
+          </a:prstGeom>
+          <a:ln w="38100">
+            <a:solidFill>
+              <a:schemeClr val="bg1"/>
+            </a:solidFill>
+            <a:tailEnd type="triangle"/>
+          </a:ln>
+        </p:spPr>
+        <p:style>
+          <a:lnRef idx="1">
+            <a:schemeClr val="accent1"/>
+          </a:lnRef>
+          <a:fillRef idx="0">
+            <a:schemeClr val="accent1"/>
+          </a:fillRef>
+          <a:effectRef idx="0">
+            <a:schemeClr val="accent1"/>
+          </a:effectRef>
+          <a:fontRef idx="minor">
+            <a:schemeClr val="tx1"/>
+          </a:fontRef>
+        </p:style>
+      </p:cxnSp>
+      <p:cxnSp>
+        <p:nvCxnSpPr>
+          <p:cNvPr id="16" name="Straight Arrow Connector 15">
+            <a:extLst>
+              <a:ext uri="{FF2B5EF4-FFF2-40B4-BE49-F238E27FC236}">
+                <a16:creationId xmlns:a16="http://schemas.microsoft.com/office/drawing/2014/main" id="{11C13062-4397-49A0-AB3D-F5D370FC6CC4}"/>
+              </a:ext>
+            </a:extLst>
+          </p:cNvPr>
+          <p:cNvCxnSpPr/>
+          <p:nvPr/>
+        </p:nvCxnSpPr>
+        <p:spPr>
+          <a:xfrm flipV="1">
+            <a:off x="10777472" y="3808259"/>
+            <a:ext cx="7359" cy="409753"/>
+          </a:xfrm>
+          <a:prstGeom prst="straightConnector1">
+            <a:avLst/>
+          </a:prstGeom>
+          <a:ln w="38100">
+            <a:solidFill>
+              <a:schemeClr val="bg1"/>
+            </a:solidFill>
+            <a:tailEnd type="triangle"/>
+          </a:ln>
+        </p:spPr>
+        <p:style>
+          <a:lnRef idx="1">
+            <a:schemeClr val="accent1"/>
+          </a:lnRef>
+          <a:fillRef idx="0">
+            <a:schemeClr val="accent1"/>
+          </a:fillRef>
+          <a:effectRef idx="0">
+            <a:schemeClr val="accent1"/>
+          </a:effectRef>
+          <a:fontRef idx="minor">
+            <a:schemeClr val="tx1"/>
+          </a:fontRef>
+        </p:style>
+      </p:cxnSp>
+      <p:sp>
+        <p:nvSpPr>
+          <p:cNvPr id="17" name="Oval 16">
+            <a:extLst>
+              <a:ext uri="{FF2B5EF4-FFF2-40B4-BE49-F238E27FC236}">
+                <a16:creationId xmlns:a16="http://schemas.microsoft.com/office/drawing/2014/main" id="{03C579A7-F68F-4E95-A4E9-33C8F82B3916}"/>
+              </a:ext>
+            </a:extLst>
+          </p:cNvPr>
+          <p:cNvSpPr/>
+          <p:nvPr/>
+        </p:nvSpPr>
+        <p:spPr>
+          <a:xfrm>
+            <a:off x="8884919" y="5524296"/>
+            <a:ext cx="1560576" cy="810768"/>
+          </a:xfrm>
+          <a:prstGeom prst="ellipse">
+            <a:avLst/>
+          </a:prstGeom>
+        </p:spPr>
+        <p:style>
+          <a:lnRef idx="2">
+            <a:schemeClr val="accent6">
+              <a:shade val="50000"/>
+            </a:schemeClr>
+          </a:lnRef>
+          <a:fillRef idx="1">
+            <a:schemeClr val="accent6"/>
+          </a:fillRef>
+          <a:effectRef idx="0">
+            <a:schemeClr val="accent6"/>
+          </a:effectRef>
+          <a:fontRef idx="minor">
+            <a:schemeClr val="lt1"/>
+          </a:fontRef>
+        </p:style>
+        <p:txBody>
+          <a:bodyPr rtlCol="0" anchor="ctr"/>
+          <a:lstStyle/>
+          <a:p>
+            <a:pPr algn="ctr"/>
+            <a:r>
+              <a:rPr lang="en-US" dirty="0"/>
+              <a:t>Single Database</a:t>
+            </a:r>
+          </a:p>
+        </p:txBody>
+      </p:sp>
+      <p:cxnSp>
+        <p:nvCxnSpPr>
+          <p:cNvPr id="18" name="Straight Arrow Connector 17">
+            <a:extLst>
+              <a:ext uri="{FF2B5EF4-FFF2-40B4-BE49-F238E27FC236}">
+                <a16:creationId xmlns:a16="http://schemas.microsoft.com/office/drawing/2014/main" id="{2825A2E1-0511-49D2-87A3-F6E407961B44}"/>
+              </a:ext>
+            </a:extLst>
+          </p:cNvPr>
+          <p:cNvCxnSpPr>
+            <a:stCxn id="7" idx="2"/>
+            <a:endCxn id="17" idx="0"/>
+          </p:cNvCxnSpPr>
+          <p:nvPr/>
+        </p:nvCxnSpPr>
+        <p:spPr>
+          <a:xfrm flipH="1">
+            <a:off x="9665207" y="5071873"/>
+            <a:ext cx="1" cy="452423"/>
+          </a:xfrm>
+          <a:prstGeom prst="straightConnector1">
+            <a:avLst/>
+          </a:prstGeom>
+          <a:ln>
+            <a:tailEnd type="triangle"/>
+          </a:ln>
+        </p:spPr>
+        <p:style>
+          <a:lnRef idx="1">
+            <a:schemeClr val="accent1"/>
+          </a:lnRef>
+          <a:fillRef idx="0">
+            <a:schemeClr val="accent1"/>
+          </a:fillRef>
+          <a:effectRef idx="0">
+            <a:schemeClr val="accent1"/>
+          </a:effectRef>
+          <a:fontRef idx="minor">
+            <a:schemeClr val="tx1"/>
+          </a:fontRef>
+        </p:style>
+      </p:cxnSp>
     </p:spTree>
     <p:extLst>
       <p:ext uri="{BB962C8B-B14F-4D97-AF65-F5344CB8AC3E}">
         <p14:creationId xmlns:p14="http://schemas.microsoft.com/office/powerpoint/2010/main" val="3968557617"/>
+      </p:ext>
+    </p:extLst>
+  </p:cSld>
+  <p:clrMapOvr>
+    <a:masterClrMapping/>
+  </p:clrMapOvr>
+</p:sld>
+</file>
+
+<file path=ppt/slides/slide11.xml><?xml version="1.0" encoding="utf-8"?>
+<p:sld xmlns:a="http://schemas.openxmlformats.org/drawingml/2006/main" xmlns:r="http://schemas.openxmlformats.org/officeDocument/2006/relationships" xmlns:p="http://schemas.openxmlformats.org/presentationml/2006/main">
+  <p:cSld>
+    <p:spTree>
+      <p:nvGrpSpPr>
+        <p:cNvPr id="1" name=""/>
+        <p:cNvGrpSpPr/>
+        <p:nvPr/>
+      </p:nvGrpSpPr>
+      <p:grpSpPr>
+        <a:xfrm>
+          <a:off x="0" y="0"/>
+          <a:ext cx="0" cy="0"/>
+          <a:chOff x="0" y="0"/>
+          <a:chExt cx="0" cy="0"/>
+        </a:xfrm>
+      </p:grpSpPr>
+      <p:sp>
+        <p:nvSpPr>
+          <p:cNvPr id="2" name="Title 1">
+            <a:extLst>
+              <a:ext uri="{FF2B5EF4-FFF2-40B4-BE49-F238E27FC236}">
+                <a16:creationId xmlns:a16="http://schemas.microsoft.com/office/drawing/2014/main" id="{B165E82E-6576-469D-8FA3-8A2C0EAEEBBD}"/>
+              </a:ext>
+            </a:extLst>
+          </p:cNvPr>
+          <p:cNvSpPr>
+            <a:spLocks noGrp="1"/>
+          </p:cNvSpPr>
+          <p:nvPr>
+            <p:ph type="title"/>
+          </p:nvPr>
+        </p:nvSpPr>
+        <p:spPr>
+          <a:xfrm>
+            <a:off x="838200" y="365125"/>
+            <a:ext cx="10515600" cy="1325563"/>
+          </a:xfrm>
+        </p:spPr>
+        <p:txBody>
+          <a:bodyPr>
+            <a:normAutofit/>
+          </a:bodyPr>
+          <a:lstStyle/>
+          <a:p>
+            <a:r>
+              <a:rPr lang="en-US" sz="2800" dirty="0"/>
+              <a:t>Part-I: From Monolithic to Microservice</a:t>
+            </a:r>
+            <a:br>
+              <a:rPr lang="en-US" sz="2800" dirty="0"/>
+            </a:br>
+            <a:r>
+              <a:rPr lang="en-US" dirty="0"/>
+              <a:t>Modular Application / Separated Databases</a:t>
+            </a:r>
+          </a:p>
+        </p:txBody>
+      </p:sp>
+      <p:sp>
+        <p:nvSpPr>
+          <p:cNvPr id="7" name="Rectangle 6">
+            <a:extLst>
+              <a:ext uri="{FF2B5EF4-FFF2-40B4-BE49-F238E27FC236}">
+                <a16:creationId xmlns:a16="http://schemas.microsoft.com/office/drawing/2014/main" id="{E1B87A90-A4B5-462A-B66D-267EE1C5F769}"/>
+              </a:ext>
+            </a:extLst>
+          </p:cNvPr>
+          <p:cNvSpPr/>
+          <p:nvPr/>
+        </p:nvSpPr>
+        <p:spPr>
+          <a:xfrm>
+            <a:off x="3639311" y="2010361"/>
+            <a:ext cx="4236721" cy="3584448"/>
+          </a:xfrm>
+          <a:prstGeom prst="rect">
+            <a:avLst/>
+          </a:prstGeom>
+        </p:spPr>
+        <p:style>
+          <a:lnRef idx="2">
+            <a:schemeClr val="accent1">
+              <a:shade val="50000"/>
+            </a:schemeClr>
+          </a:lnRef>
+          <a:fillRef idx="1">
+            <a:schemeClr val="accent1"/>
+          </a:fillRef>
+          <a:effectRef idx="0">
+            <a:schemeClr val="accent1"/>
+          </a:effectRef>
+          <a:fontRef idx="minor">
+            <a:schemeClr val="lt1"/>
+          </a:fontRef>
+        </p:style>
+        <p:txBody>
+          <a:bodyPr rtlCol="0" anchor="t"/>
+          <a:lstStyle/>
+          <a:p>
+            <a:pPr algn="r"/>
+            <a:r>
+              <a:rPr lang="en-US" dirty="0"/>
+              <a:t>Monolithic Application</a:t>
+            </a:r>
+          </a:p>
+        </p:txBody>
+      </p:sp>
+      <p:sp>
+        <p:nvSpPr>
+          <p:cNvPr id="8" name="Rectangle 7">
+            <a:extLst>
+              <a:ext uri="{FF2B5EF4-FFF2-40B4-BE49-F238E27FC236}">
+                <a16:creationId xmlns:a16="http://schemas.microsoft.com/office/drawing/2014/main" id="{083CD823-3C33-4A9D-9640-A0892F0D5F9E}"/>
+              </a:ext>
+            </a:extLst>
+          </p:cNvPr>
+          <p:cNvSpPr/>
+          <p:nvPr/>
+        </p:nvSpPr>
+        <p:spPr>
+          <a:xfrm>
+            <a:off x="3727056" y="2425775"/>
+            <a:ext cx="1826526" cy="747834"/>
+          </a:xfrm>
+          <a:prstGeom prst="rect">
+            <a:avLst/>
+          </a:prstGeom>
+        </p:spPr>
+        <p:style>
+          <a:lnRef idx="2">
+            <a:schemeClr val="accent4">
+              <a:shade val="50000"/>
+            </a:schemeClr>
+          </a:lnRef>
+          <a:fillRef idx="1">
+            <a:schemeClr val="accent4"/>
+          </a:fillRef>
+          <a:effectRef idx="0">
+            <a:schemeClr val="accent4"/>
+          </a:effectRef>
+          <a:fontRef idx="minor">
+            <a:schemeClr val="lt1"/>
+          </a:fontRef>
+        </p:style>
+        <p:txBody>
+          <a:bodyPr rtlCol="0" anchor="ctr"/>
+          <a:lstStyle/>
+          <a:p>
+            <a:pPr algn="ctr"/>
+            <a:r>
+              <a:rPr lang="en-US" dirty="0"/>
+              <a:t>Module - 1</a:t>
+            </a:r>
+          </a:p>
+        </p:txBody>
+      </p:sp>
+      <p:sp>
+        <p:nvSpPr>
+          <p:cNvPr id="9" name="Rectangle 8">
+            <a:extLst>
+              <a:ext uri="{FF2B5EF4-FFF2-40B4-BE49-F238E27FC236}">
+                <a16:creationId xmlns:a16="http://schemas.microsoft.com/office/drawing/2014/main" id="{C636472E-CBDB-44F2-BA4B-2004F7CC7172}"/>
+              </a:ext>
+            </a:extLst>
+          </p:cNvPr>
+          <p:cNvSpPr/>
+          <p:nvPr/>
+        </p:nvSpPr>
+        <p:spPr>
+          <a:xfrm>
+            <a:off x="5956673" y="2425775"/>
+            <a:ext cx="1826526" cy="747834"/>
+          </a:xfrm>
+          <a:prstGeom prst="rect">
+            <a:avLst/>
+          </a:prstGeom>
+        </p:spPr>
+        <p:style>
+          <a:lnRef idx="2">
+            <a:schemeClr val="accent4">
+              <a:shade val="50000"/>
+            </a:schemeClr>
+          </a:lnRef>
+          <a:fillRef idx="1">
+            <a:schemeClr val="accent4"/>
+          </a:fillRef>
+          <a:effectRef idx="0">
+            <a:schemeClr val="accent4"/>
+          </a:effectRef>
+          <a:fontRef idx="minor">
+            <a:schemeClr val="lt1"/>
+          </a:fontRef>
+        </p:style>
+        <p:txBody>
+          <a:bodyPr rtlCol="0" anchor="ctr"/>
+          <a:lstStyle/>
+          <a:p>
+            <a:pPr algn="ctr"/>
+            <a:r>
+              <a:rPr lang="en-US" dirty="0"/>
+              <a:t>Module - 2</a:t>
+            </a:r>
+          </a:p>
+        </p:txBody>
+      </p:sp>
+      <p:sp>
+        <p:nvSpPr>
+          <p:cNvPr id="10" name="Rectangle 9">
+            <a:extLst>
+              <a:ext uri="{FF2B5EF4-FFF2-40B4-BE49-F238E27FC236}">
+                <a16:creationId xmlns:a16="http://schemas.microsoft.com/office/drawing/2014/main" id="{C47F1A1D-766B-4053-928C-ABA1BE0E489D}"/>
+              </a:ext>
+            </a:extLst>
+          </p:cNvPr>
+          <p:cNvSpPr/>
+          <p:nvPr/>
+        </p:nvSpPr>
+        <p:spPr>
+          <a:xfrm>
+            <a:off x="3727056" y="3583362"/>
+            <a:ext cx="1826526" cy="747834"/>
+          </a:xfrm>
+          <a:prstGeom prst="rect">
+            <a:avLst/>
+          </a:prstGeom>
+        </p:spPr>
+        <p:style>
+          <a:lnRef idx="2">
+            <a:schemeClr val="accent4">
+              <a:shade val="50000"/>
+            </a:schemeClr>
+          </a:lnRef>
+          <a:fillRef idx="1">
+            <a:schemeClr val="accent4"/>
+          </a:fillRef>
+          <a:effectRef idx="0">
+            <a:schemeClr val="accent4"/>
+          </a:effectRef>
+          <a:fontRef idx="minor">
+            <a:schemeClr val="lt1"/>
+          </a:fontRef>
+        </p:style>
+        <p:txBody>
+          <a:bodyPr rtlCol="0" anchor="ctr"/>
+          <a:lstStyle/>
+          <a:p>
+            <a:pPr algn="ctr"/>
+            <a:r>
+              <a:rPr lang="en-US" dirty="0"/>
+              <a:t>Module - 3</a:t>
+            </a:r>
+          </a:p>
+        </p:txBody>
+      </p:sp>
+      <p:sp>
+        <p:nvSpPr>
+          <p:cNvPr id="11" name="Rectangle 10">
+            <a:extLst>
+              <a:ext uri="{FF2B5EF4-FFF2-40B4-BE49-F238E27FC236}">
+                <a16:creationId xmlns:a16="http://schemas.microsoft.com/office/drawing/2014/main" id="{292244F4-FAF0-497F-9123-2B71D7F2F085}"/>
+              </a:ext>
+            </a:extLst>
+          </p:cNvPr>
+          <p:cNvSpPr/>
+          <p:nvPr/>
+        </p:nvSpPr>
+        <p:spPr>
+          <a:xfrm>
+            <a:off x="5956673" y="3583362"/>
+            <a:ext cx="1826526" cy="747834"/>
+          </a:xfrm>
+          <a:prstGeom prst="rect">
+            <a:avLst/>
+          </a:prstGeom>
+        </p:spPr>
+        <p:style>
+          <a:lnRef idx="2">
+            <a:schemeClr val="accent4">
+              <a:shade val="50000"/>
+            </a:schemeClr>
+          </a:lnRef>
+          <a:fillRef idx="1">
+            <a:schemeClr val="accent4"/>
+          </a:fillRef>
+          <a:effectRef idx="0">
+            <a:schemeClr val="accent4"/>
+          </a:effectRef>
+          <a:fontRef idx="minor">
+            <a:schemeClr val="lt1"/>
+          </a:fontRef>
+        </p:style>
+        <p:txBody>
+          <a:bodyPr rtlCol="0" anchor="ctr"/>
+          <a:lstStyle/>
+          <a:p>
+            <a:pPr algn="ctr"/>
+            <a:r>
+              <a:rPr lang="en-US" dirty="0"/>
+              <a:t>Module - 4</a:t>
+            </a:r>
+          </a:p>
+        </p:txBody>
+      </p:sp>
+      <p:sp>
+        <p:nvSpPr>
+          <p:cNvPr id="12" name="Rectangle 11">
+            <a:extLst>
+              <a:ext uri="{FF2B5EF4-FFF2-40B4-BE49-F238E27FC236}">
+                <a16:creationId xmlns:a16="http://schemas.microsoft.com/office/drawing/2014/main" id="{D65131F5-FCC8-451E-9E3D-2659EB544517}"/>
+              </a:ext>
+            </a:extLst>
+          </p:cNvPr>
+          <p:cNvSpPr/>
+          <p:nvPr/>
+        </p:nvSpPr>
+        <p:spPr>
+          <a:xfrm>
+            <a:off x="3727056" y="4740949"/>
+            <a:ext cx="1826526" cy="747834"/>
+          </a:xfrm>
+          <a:prstGeom prst="rect">
+            <a:avLst/>
+          </a:prstGeom>
+        </p:spPr>
+        <p:style>
+          <a:lnRef idx="2">
+            <a:schemeClr val="accent4">
+              <a:shade val="50000"/>
+            </a:schemeClr>
+          </a:lnRef>
+          <a:fillRef idx="1">
+            <a:schemeClr val="accent4"/>
+          </a:fillRef>
+          <a:effectRef idx="0">
+            <a:schemeClr val="accent4"/>
+          </a:effectRef>
+          <a:fontRef idx="minor">
+            <a:schemeClr val="lt1"/>
+          </a:fontRef>
+        </p:style>
+        <p:txBody>
+          <a:bodyPr rtlCol="0" anchor="ctr"/>
+          <a:lstStyle/>
+          <a:p>
+            <a:pPr algn="ctr"/>
+            <a:r>
+              <a:rPr lang="en-US" dirty="0"/>
+              <a:t>Module - 5</a:t>
+            </a:r>
+          </a:p>
+        </p:txBody>
+      </p:sp>
+      <p:sp>
+        <p:nvSpPr>
+          <p:cNvPr id="13" name="Rectangle 12">
+            <a:extLst>
+              <a:ext uri="{FF2B5EF4-FFF2-40B4-BE49-F238E27FC236}">
+                <a16:creationId xmlns:a16="http://schemas.microsoft.com/office/drawing/2014/main" id="{3A96202A-8283-45A6-AC0A-C697E6F69BE7}"/>
+              </a:ext>
+            </a:extLst>
+          </p:cNvPr>
+          <p:cNvSpPr/>
+          <p:nvPr/>
+        </p:nvSpPr>
+        <p:spPr>
+          <a:xfrm>
+            <a:off x="5956673" y="4740949"/>
+            <a:ext cx="1826526" cy="747834"/>
+          </a:xfrm>
+          <a:prstGeom prst="rect">
+            <a:avLst/>
+          </a:prstGeom>
+        </p:spPr>
+        <p:style>
+          <a:lnRef idx="2">
+            <a:schemeClr val="accent4">
+              <a:shade val="50000"/>
+            </a:schemeClr>
+          </a:lnRef>
+          <a:fillRef idx="1">
+            <a:schemeClr val="accent4"/>
+          </a:fillRef>
+          <a:effectRef idx="0">
+            <a:schemeClr val="accent4"/>
+          </a:effectRef>
+          <a:fontRef idx="minor">
+            <a:schemeClr val="lt1"/>
+          </a:fontRef>
+        </p:style>
+        <p:txBody>
+          <a:bodyPr rtlCol="0" anchor="ctr"/>
+          <a:lstStyle/>
+          <a:p>
+            <a:pPr algn="ctr"/>
+            <a:r>
+              <a:rPr lang="en-US" dirty="0"/>
+              <a:t>Module - 6</a:t>
+            </a:r>
+          </a:p>
+        </p:txBody>
+      </p:sp>
+      <p:cxnSp>
+        <p:nvCxnSpPr>
+          <p:cNvPr id="14" name="Straight Arrow Connector 13">
+            <a:extLst>
+              <a:ext uri="{FF2B5EF4-FFF2-40B4-BE49-F238E27FC236}">
+                <a16:creationId xmlns:a16="http://schemas.microsoft.com/office/drawing/2014/main" id="{D4CB03B9-32B6-496A-9CED-63AC778B5F7A}"/>
+              </a:ext>
+            </a:extLst>
+          </p:cNvPr>
+          <p:cNvCxnSpPr>
+            <a:endCxn id="8" idx="2"/>
+          </p:cNvCxnSpPr>
+          <p:nvPr/>
+        </p:nvCxnSpPr>
+        <p:spPr>
+          <a:xfrm flipV="1">
+            <a:off x="4632960" y="3173609"/>
+            <a:ext cx="7359" cy="409753"/>
+          </a:xfrm>
+          <a:prstGeom prst="straightConnector1">
+            <a:avLst/>
+          </a:prstGeom>
+          <a:ln w="38100">
+            <a:solidFill>
+              <a:schemeClr val="bg1"/>
+            </a:solidFill>
+            <a:tailEnd type="triangle"/>
+          </a:ln>
+        </p:spPr>
+        <p:style>
+          <a:lnRef idx="1">
+            <a:schemeClr val="accent1"/>
+          </a:lnRef>
+          <a:fillRef idx="0">
+            <a:schemeClr val="accent1"/>
+          </a:fillRef>
+          <a:effectRef idx="0">
+            <a:schemeClr val="accent1"/>
+          </a:effectRef>
+          <a:fontRef idx="minor">
+            <a:schemeClr val="tx1"/>
+          </a:fontRef>
+        </p:style>
+      </p:cxnSp>
+      <p:cxnSp>
+        <p:nvCxnSpPr>
+          <p:cNvPr id="15" name="Straight Arrow Connector 14">
+            <a:extLst>
+              <a:ext uri="{FF2B5EF4-FFF2-40B4-BE49-F238E27FC236}">
+                <a16:creationId xmlns:a16="http://schemas.microsoft.com/office/drawing/2014/main" id="{79A59242-8BBA-415D-89C7-EAFADAA347BF}"/>
+              </a:ext>
+            </a:extLst>
+          </p:cNvPr>
+          <p:cNvCxnSpPr>
+            <a:cxnSpLocks/>
+          </p:cNvCxnSpPr>
+          <p:nvPr/>
+        </p:nvCxnSpPr>
+        <p:spPr>
+          <a:xfrm flipV="1">
+            <a:off x="5101897" y="3173610"/>
+            <a:ext cx="1146316" cy="409752"/>
+          </a:xfrm>
+          <a:prstGeom prst="straightConnector1">
+            <a:avLst/>
+          </a:prstGeom>
+          <a:ln w="38100">
+            <a:solidFill>
+              <a:schemeClr val="bg1"/>
+            </a:solidFill>
+            <a:tailEnd type="triangle"/>
+          </a:ln>
+        </p:spPr>
+        <p:style>
+          <a:lnRef idx="1">
+            <a:schemeClr val="accent1"/>
+          </a:lnRef>
+          <a:fillRef idx="0">
+            <a:schemeClr val="accent1"/>
+          </a:fillRef>
+          <a:effectRef idx="0">
+            <a:schemeClr val="accent1"/>
+          </a:effectRef>
+          <a:fontRef idx="minor">
+            <a:schemeClr val="tx1"/>
+          </a:fontRef>
+        </p:style>
+      </p:cxnSp>
+      <p:cxnSp>
+        <p:nvCxnSpPr>
+          <p:cNvPr id="16" name="Straight Arrow Connector 15">
+            <a:extLst>
+              <a:ext uri="{FF2B5EF4-FFF2-40B4-BE49-F238E27FC236}">
+                <a16:creationId xmlns:a16="http://schemas.microsoft.com/office/drawing/2014/main" id="{11C13062-4397-49A0-AB3D-F5D370FC6CC4}"/>
+              </a:ext>
+            </a:extLst>
+          </p:cNvPr>
+          <p:cNvCxnSpPr/>
+          <p:nvPr/>
+        </p:nvCxnSpPr>
+        <p:spPr>
+          <a:xfrm flipV="1">
+            <a:off x="6869936" y="4331195"/>
+            <a:ext cx="7359" cy="409753"/>
+          </a:xfrm>
+          <a:prstGeom prst="straightConnector1">
+            <a:avLst/>
+          </a:prstGeom>
+          <a:ln w="38100">
+            <a:solidFill>
+              <a:schemeClr val="bg1"/>
+            </a:solidFill>
+            <a:tailEnd type="triangle"/>
+          </a:ln>
+        </p:spPr>
+        <p:style>
+          <a:lnRef idx="1">
+            <a:schemeClr val="accent1"/>
+          </a:lnRef>
+          <a:fillRef idx="0">
+            <a:schemeClr val="accent1"/>
+          </a:fillRef>
+          <a:effectRef idx="0">
+            <a:schemeClr val="accent1"/>
+          </a:effectRef>
+          <a:fontRef idx="minor">
+            <a:schemeClr val="tx1"/>
+          </a:fontRef>
+        </p:style>
+      </p:cxnSp>
+      <p:sp>
+        <p:nvSpPr>
+          <p:cNvPr id="19" name="Oval 18">
+            <a:extLst>
+              <a:ext uri="{FF2B5EF4-FFF2-40B4-BE49-F238E27FC236}">
+                <a16:creationId xmlns:a16="http://schemas.microsoft.com/office/drawing/2014/main" id="{4CB51C77-06BE-42D0-8B31-A566468A54A6}"/>
+              </a:ext>
+            </a:extLst>
+          </p:cNvPr>
+          <p:cNvSpPr/>
+          <p:nvPr/>
+        </p:nvSpPr>
+        <p:spPr>
+          <a:xfrm>
+            <a:off x="8337610" y="2425775"/>
+            <a:ext cx="1732982" cy="683185"/>
+          </a:xfrm>
+          <a:prstGeom prst="ellipse">
+            <a:avLst/>
+          </a:prstGeom>
+        </p:spPr>
+        <p:style>
+          <a:lnRef idx="2">
+            <a:schemeClr val="accent6">
+              <a:shade val="50000"/>
+            </a:schemeClr>
+          </a:lnRef>
+          <a:fillRef idx="1">
+            <a:schemeClr val="accent6"/>
+          </a:fillRef>
+          <a:effectRef idx="0">
+            <a:schemeClr val="accent6"/>
+          </a:effectRef>
+          <a:fontRef idx="minor">
+            <a:schemeClr val="lt1"/>
+          </a:fontRef>
+        </p:style>
+        <p:txBody>
+          <a:bodyPr rtlCol="0" anchor="ctr"/>
+          <a:lstStyle/>
+          <a:p>
+            <a:pPr algn="ctr"/>
+            <a:r>
+              <a:rPr lang="en-US" dirty="0"/>
+              <a:t>Database 2</a:t>
+            </a:r>
+          </a:p>
+        </p:txBody>
+      </p:sp>
+      <p:sp>
+        <p:nvSpPr>
+          <p:cNvPr id="20" name="Oval 19">
+            <a:extLst>
+              <a:ext uri="{FF2B5EF4-FFF2-40B4-BE49-F238E27FC236}">
+                <a16:creationId xmlns:a16="http://schemas.microsoft.com/office/drawing/2014/main" id="{3C640E24-5F05-425D-AFCA-705DECFF11E4}"/>
+              </a:ext>
+            </a:extLst>
+          </p:cNvPr>
+          <p:cNvSpPr/>
+          <p:nvPr/>
+        </p:nvSpPr>
+        <p:spPr>
+          <a:xfrm>
+            <a:off x="1503238" y="2458099"/>
+            <a:ext cx="1732982" cy="683185"/>
+          </a:xfrm>
+          <a:prstGeom prst="ellipse">
+            <a:avLst/>
+          </a:prstGeom>
+        </p:spPr>
+        <p:style>
+          <a:lnRef idx="2">
+            <a:schemeClr val="accent6">
+              <a:shade val="50000"/>
+            </a:schemeClr>
+          </a:lnRef>
+          <a:fillRef idx="1">
+            <a:schemeClr val="accent6"/>
+          </a:fillRef>
+          <a:effectRef idx="0">
+            <a:schemeClr val="accent6"/>
+          </a:effectRef>
+          <a:fontRef idx="minor">
+            <a:schemeClr val="lt1"/>
+          </a:fontRef>
+        </p:style>
+        <p:txBody>
+          <a:bodyPr rtlCol="0" anchor="ctr"/>
+          <a:lstStyle/>
+          <a:p>
+            <a:pPr algn="ctr"/>
+            <a:r>
+              <a:rPr lang="en-US" dirty="0"/>
+              <a:t>Database 1</a:t>
+            </a:r>
+          </a:p>
+        </p:txBody>
+      </p:sp>
+      <p:sp>
+        <p:nvSpPr>
+          <p:cNvPr id="21" name="Oval 20">
+            <a:extLst>
+              <a:ext uri="{FF2B5EF4-FFF2-40B4-BE49-F238E27FC236}">
+                <a16:creationId xmlns:a16="http://schemas.microsoft.com/office/drawing/2014/main" id="{5111E55F-478B-4139-899C-FAF482638AC2}"/>
+              </a:ext>
+            </a:extLst>
+          </p:cNvPr>
+          <p:cNvSpPr/>
+          <p:nvPr/>
+        </p:nvSpPr>
+        <p:spPr>
+          <a:xfrm>
+            <a:off x="8374938" y="4194478"/>
+            <a:ext cx="1732982" cy="683185"/>
+          </a:xfrm>
+          <a:prstGeom prst="ellipse">
+            <a:avLst/>
+          </a:prstGeom>
+        </p:spPr>
+        <p:style>
+          <a:lnRef idx="2">
+            <a:schemeClr val="accent6">
+              <a:shade val="50000"/>
+            </a:schemeClr>
+          </a:lnRef>
+          <a:fillRef idx="1">
+            <a:schemeClr val="accent6"/>
+          </a:fillRef>
+          <a:effectRef idx="0">
+            <a:schemeClr val="accent6"/>
+          </a:effectRef>
+          <a:fontRef idx="minor">
+            <a:schemeClr val="lt1"/>
+          </a:fontRef>
+        </p:style>
+        <p:txBody>
+          <a:bodyPr rtlCol="0" anchor="ctr"/>
+          <a:lstStyle/>
+          <a:p>
+            <a:pPr algn="ctr"/>
+            <a:r>
+              <a:rPr lang="en-US" dirty="0"/>
+              <a:t>Database 5</a:t>
+            </a:r>
+          </a:p>
+        </p:txBody>
+      </p:sp>
+      <p:sp>
+        <p:nvSpPr>
+          <p:cNvPr id="22" name="Oval 21">
+            <a:extLst>
+              <a:ext uri="{FF2B5EF4-FFF2-40B4-BE49-F238E27FC236}">
+                <a16:creationId xmlns:a16="http://schemas.microsoft.com/office/drawing/2014/main" id="{74FDD1DC-09D5-4E10-92ED-2ED90C5717DE}"/>
+              </a:ext>
+            </a:extLst>
+          </p:cNvPr>
+          <p:cNvSpPr/>
+          <p:nvPr/>
+        </p:nvSpPr>
+        <p:spPr>
+          <a:xfrm>
+            <a:off x="1503238" y="3615686"/>
+            <a:ext cx="1732982" cy="683185"/>
+          </a:xfrm>
+          <a:prstGeom prst="ellipse">
+            <a:avLst/>
+          </a:prstGeom>
+        </p:spPr>
+        <p:style>
+          <a:lnRef idx="2">
+            <a:schemeClr val="accent6">
+              <a:shade val="50000"/>
+            </a:schemeClr>
+          </a:lnRef>
+          <a:fillRef idx="1">
+            <a:schemeClr val="accent6"/>
+          </a:fillRef>
+          <a:effectRef idx="0">
+            <a:schemeClr val="accent6"/>
+          </a:effectRef>
+          <a:fontRef idx="minor">
+            <a:schemeClr val="lt1"/>
+          </a:fontRef>
+        </p:style>
+        <p:txBody>
+          <a:bodyPr rtlCol="0" anchor="ctr"/>
+          <a:lstStyle/>
+          <a:p>
+            <a:pPr algn="ctr"/>
+            <a:r>
+              <a:rPr lang="en-US" dirty="0"/>
+              <a:t>Database 1</a:t>
+            </a:r>
+          </a:p>
+        </p:txBody>
+      </p:sp>
+      <p:sp>
+        <p:nvSpPr>
+          <p:cNvPr id="23" name="Oval 22">
+            <a:extLst>
+              <a:ext uri="{FF2B5EF4-FFF2-40B4-BE49-F238E27FC236}">
+                <a16:creationId xmlns:a16="http://schemas.microsoft.com/office/drawing/2014/main" id="{CBAE940C-FA6B-4D73-934B-68667BBF7677}"/>
+              </a:ext>
+            </a:extLst>
+          </p:cNvPr>
+          <p:cNvSpPr/>
+          <p:nvPr/>
+        </p:nvSpPr>
+        <p:spPr>
+          <a:xfrm>
+            <a:off x="1503238" y="4773273"/>
+            <a:ext cx="1732982" cy="683185"/>
+          </a:xfrm>
+          <a:prstGeom prst="ellipse">
+            <a:avLst/>
+          </a:prstGeom>
+        </p:spPr>
+        <p:style>
+          <a:lnRef idx="2">
+            <a:schemeClr val="accent6">
+              <a:shade val="50000"/>
+            </a:schemeClr>
+          </a:lnRef>
+          <a:fillRef idx="1">
+            <a:schemeClr val="accent6"/>
+          </a:fillRef>
+          <a:effectRef idx="0">
+            <a:schemeClr val="accent6"/>
+          </a:effectRef>
+          <a:fontRef idx="minor">
+            <a:schemeClr val="lt1"/>
+          </a:fontRef>
+        </p:style>
+        <p:txBody>
+          <a:bodyPr rtlCol="0" anchor="ctr"/>
+          <a:lstStyle/>
+          <a:p>
+            <a:pPr algn="ctr"/>
+            <a:r>
+              <a:rPr lang="en-US" dirty="0"/>
+              <a:t>Database 1</a:t>
+            </a:r>
+          </a:p>
+        </p:txBody>
+      </p:sp>
+      <p:cxnSp>
+        <p:nvCxnSpPr>
+          <p:cNvPr id="24" name="Straight Arrow Connector 23">
+            <a:extLst>
+              <a:ext uri="{FF2B5EF4-FFF2-40B4-BE49-F238E27FC236}">
+                <a16:creationId xmlns:a16="http://schemas.microsoft.com/office/drawing/2014/main" id="{EFE30BD4-B81E-4CF9-A4E8-9099AAAB7FC9}"/>
+              </a:ext>
+            </a:extLst>
+          </p:cNvPr>
+          <p:cNvCxnSpPr>
+            <a:stCxn id="8" idx="1"/>
+            <a:endCxn id="20" idx="6"/>
+          </p:cNvCxnSpPr>
+          <p:nvPr/>
+        </p:nvCxnSpPr>
+        <p:spPr>
+          <a:xfrm flipH="1">
+            <a:off x="3236220" y="2799692"/>
+            <a:ext cx="490836" cy="0"/>
+          </a:xfrm>
+          <a:prstGeom prst="straightConnector1">
+            <a:avLst/>
+          </a:prstGeom>
+          <a:ln w="25400">
+            <a:tailEnd type="triangle"/>
+          </a:ln>
+        </p:spPr>
+        <p:style>
+          <a:lnRef idx="1">
+            <a:schemeClr val="accent1"/>
+          </a:lnRef>
+          <a:fillRef idx="0">
+            <a:schemeClr val="accent1"/>
+          </a:fillRef>
+          <a:effectRef idx="0">
+            <a:schemeClr val="accent1"/>
+          </a:effectRef>
+          <a:fontRef idx="minor">
+            <a:schemeClr val="tx1"/>
+          </a:fontRef>
+        </p:style>
+      </p:cxnSp>
+      <p:cxnSp>
+        <p:nvCxnSpPr>
+          <p:cNvPr id="28" name="Straight Arrow Connector 27">
+            <a:extLst>
+              <a:ext uri="{FF2B5EF4-FFF2-40B4-BE49-F238E27FC236}">
+                <a16:creationId xmlns:a16="http://schemas.microsoft.com/office/drawing/2014/main" id="{2E7FF51A-FCE2-4B1D-A935-3649544E73B8}"/>
+              </a:ext>
+            </a:extLst>
+          </p:cNvPr>
+          <p:cNvCxnSpPr>
+            <a:stCxn id="10" idx="1"/>
+            <a:endCxn id="22" idx="6"/>
+          </p:cNvCxnSpPr>
+          <p:nvPr/>
+        </p:nvCxnSpPr>
+        <p:spPr>
+          <a:xfrm flipH="1">
+            <a:off x="3236220" y="3957279"/>
+            <a:ext cx="490836" cy="0"/>
+          </a:xfrm>
+          <a:prstGeom prst="straightConnector1">
+            <a:avLst/>
+          </a:prstGeom>
+          <a:ln w="25400">
+            <a:tailEnd type="triangle"/>
+          </a:ln>
+        </p:spPr>
+        <p:style>
+          <a:lnRef idx="1">
+            <a:schemeClr val="accent1"/>
+          </a:lnRef>
+          <a:fillRef idx="0">
+            <a:schemeClr val="accent1"/>
+          </a:fillRef>
+          <a:effectRef idx="0">
+            <a:schemeClr val="accent1"/>
+          </a:effectRef>
+          <a:fontRef idx="minor">
+            <a:schemeClr val="tx1"/>
+          </a:fontRef>
+        </p:style>
+      </p:cxnSp>
+      <p:cxnSp>
+        <p:nvCxnSpPr>
+          <p:cNvPr id="31" name="Straight Arrow Connector 30">
+            <a:extLst>
+              <a:ext uri="{FF2B5EF4-FFF2-40B4-BE49-F238E27FC236}">
+                <a16:creationId xmlns:a16="http://schemas.microsoft.com/office/drawing/2014/main" id="{087758B5-4C4E-4F1D-B2F7-A502CB99B529}"/>
+              </a:ext>
+            </a:extLst>
+          </p:cNvPr>
+          <p:cNvCxnSpPr>
+            <a:stCxn id="12" idx="1"/>
+            <a:endCxn id="23" idx="6"/>
+          </p:cNvCxnSpPr>
+          <p:nvPr/>
+        </p:nvCxnSpPr>
+        <p:spPr>
+          <a:xfrm flipH="1">
+            <a:off x="3236220" y="5114866"/>
+            <a:ext cx="490836" cy="0"/>
+          </a:xfrm>
+          <a:prstGeom prst="straightConnector1">
+            <a:avLst/>
+          </a:prstGeom>
+          <a:ln w="25400">
+            <a:tailEnd type="triangle"/>
+          </a:ln>
+        </p:spPr>
+        <p:style>
+          <a:lnRef idx="1">
+            <a:schemeClr val="accent1"/>
+          </a:lnRef>
+          <a:fillRef idx="0">
+            <a:schemeClr val="accent1"/>
+          </a:fillRef>
+          <a:effectRef idx="0">
+            <a:schemeClr val="accent1"/>
+          </a:effectRef>
+          <a:fontRef idx="minor">
+            <a:schemeClr val="tx1"/>
+          </a:fontRef>
+        </p:style>
+      </p:cxnSp>
+      <p:cxnSp>
+        <p:nvCxnSpPr>
+          <p:cNvPr id="33" name="Straight Arrow Connector 32">
+            <a:extLst>
+              <a:ext uri="{FF2B5EF4-FFF2-40B4-BE49-F238E27FC236}">
+                <a16:creationId xmlns:a16="http://schemas.microsoft.com/office/drawing/2014/main" id="{80716695-0151-464A-881A-D60CE234B3FC}"/>
+              </a:ext>
+            </a:extLst>
+          </p:cNvPr>
+          <p:cNvCxnSpPr>
+            <a:stCxn id="11" idx="3"/>
+            <a:endCxn id="21" idx="1"/>
+          </p:cNvCxnSpPr>
+          <p:nvPr/>
+        </p:nvCxnSpPr>
+        <p:spPr>
+          <a:xfrm>
+            <a:off x="7783199" y="3957279"/>
+            <a:ext cx="845528" cy="337249"/>
+          </a:xfrm>
+          <a:prstGeom prst="straightConnector1">
+            <a:avLst/>
+          </a:prstGeom>
+          <a:ln w="25400">
+            <a:tailEnd type="triangle"/>
+          </a:ln>
+        </p:spPr>
+        <p:style>
+          <a:lnRef idx="1">
+            <a:schemeClr val="accent1"/>
+          </a:lnRef>
+          <a:fillRef idx="0">
+            <a:schemeClr val="accent1"/>
+          </a:fillRef>
+          <a:effectRef idx="0">
+            <a:schemeClr val="accent1"/>
+          </a:effectRef>
+          <a:fontRef idx="minor">
+            <a:schemeClr val="tx1"/>
+          </a:fontRef>
+        </p:style>
+      </p:cxnSp>
+      <p:cxnSp>
+        <p:nvCxnSpPr>
+          <p:cNvPr id="35" name="Straight Arrow Connector 34">
+            <a:extLst>
+              <a:ext uri="{FF2B5EF4-FFF2-40B4-BE49-F238E27FC236}">
+                <a16:creationId xmlns:a16="http://schemas.microsoft.com/office/drawing/2014/main" id="{174F3B23-9AB8-4FFF-9DCA-BF0A9501048F}"/>
+              </a:ext>
+            </a:extLst>
+          </p:cNvPr>
+          <p:cNvCxnSpPr>
+            <a:stCxn id="13" idx="3"/>
+            <a:endCxn id="21" idx="3"/>
+          </p:cNvCxnSpPr>
+          <p:nvPr/>
+        </p:nvCxnSpPr>
+        <p:spPr>
+          <a:xfrm flipV="1">
+            <a:off x="7783199" y="4777613"/>
+            <a:ext cx="845528" cy="337253"/>
+          </a:xfrm>
+          <a:prstGeom prst="straightConnector1">
+            <a:avLst/>
+          </a:prstGeom>
+          <a:ln w="25400">
+            <a:tailEnd type="triangle"/>
+          </a:ln>
+        </p:spPr>
+        <p:style>
+          <a:lnRef idx="1">
+            <a:schemeClr val="accent1"/>
+          </a:lnRef>
+          <a:fillRef idx="0">
+            <a:schemeClr val="accent1"/>
+          </a:fillRef>
+          <a:effectRef idx="0">
+            <a:schemeClr val="accent1"/>
+          </a:effectRef>
+          <a:fontRef idx="minor">
+            <a:schemeClr val="tx1"/>
+          </a:fontRef>
+        </p:style>
+      </p:cxnSp>
+      <p:cxnSp>
+        <p:nvCxnSpPr>
+          <p:cNvPr id="37" name="Straight Arrow Connector 36">
+            <a:extLst>
+              <a:ext uri="{FF2B5EF4-FFF2-40B4-BE49-F238E27FC236}">
+                <a16:creationId xmlns:a16="http://schemas.microsoft.com/office/drawing/2014/main" id="{64C3CFFE-FB10-4FE3-87EA-E641317FAB6E}"/>
+              </a:ext>
+            </a:extLst>
+          </p:cNvPr>
+          <p:cNvCxnSpPr>
+            <a:endCxn id="19" idx="2"/>
+          </p:cNvCxnSpPr>
+          <p:nvPr/>
+        </p:nvCxnSpPr>
+        <p:spPr>
+          <a:xfrm flipV="1">
+            <a:off x="7783199" y="2767368"/>
+            <a:ext cx="554411" cy="32323"/>
+          </a:xfrm>
+          <a:prstGeom prst="straightConnector1">
+            <a:avLst/>
+          </a:prstGeom>
+          <a:ln w="25400">
+            <a:tailEnd type="triangle"/>
+          </a:ln>
+        </p:spPr>
+        <p:style>
+          <a:lnRef idx="1">
+            <a:schemeClr val="accent1"/>
+          </a:lnRef>
+          <a:fillRef idx="0">
+            <a:schemeClr val="accent1"/>
+          </a:fillRef>
+          <a:effectRef idx="0">
+            <a:schemeClr val="accent1"/>
+          </a:effectRef>
+          <a:fontRef idx="minor">
+            <a:schemeClr val="tx1"/>
+          </a:fontRef>
+        </p:style>
+      </p:cxnSp>
+    </p:spTree>
+    <p:extLst>
+      <p:ext uri="{BB962C8B-B14F-4D97-AF65-F5344CB8AC3E}">
+        <p14:creationId xmlns:p14="http://schemas.microsoft.com/office/powerpoint/2010/main" val="2340802303"/>
+      </p:ext>
+    </p:extLst>
+  </p:cSld>
+  <p:clrMapOvr>
+    <a:masterClrMapping/>
+  </p:clrMapOvr>
+</p:sld>
+</file>
+
+<file path=ppt/slides/slide12.xml><?xml version="1.0" encoding="utf-8"?>
+<p:sld xmlns:a="http://schemas.openxmlformats.org/drawingml/2006/main" xmlns:r="http://schemas.openxmlformats.org/officeDocument/2006/relationships" xmlns:p="http://schemas.openxmlformats.org/presentationml/2006/main">
+  <p:cSld>
+    <p:spTree>
+      <p:nvGrpSpPr>
+        <p:cNvPr id="1" name=""/>
+        <p:cNvGrpSpPr/>
+        <p:nvPr/>
+      </p:nvGrpSpPr>
+      <p:grpSpPr>
+        <a:xfrm>
+          <a:off x="0" y="0"/>
+          <a:ext cx="0" cy="0"/>
+          <a:chOff x="0" y="0"/>
+          <a:chExt cx="0" cy="0"/>
+        </a:xfrm>
+      </p:grpSpPr>
+      <p:sp>
+        <p:nvSpPr>
+          <p:cNvPr id="2" name="Title 1">
+            <a:extLst>
+              <a:ext uri="{FF2B5EF4-FFF2-40B4-BE49-F238E27FC236}">
+                <a16:creationId xmlns:a16="http://schemas.microsoft.com/office/drawing/2014/main" id="{B165E82E-6576-469D-8FA3-8A2C0EAEEBBD}"/>
+              </a:ext>
+            </a:extLst>
+          </p:cNvPr>
+          <p:cNvSpPr>
+            <a:spLocks noGrp="1"/>
+          </p:cNvSpPr>
+          <p:nvPr>
+            <p:ph type="title"/>
+          </p:nvPr>
+        </p:nvSpPr>
+        <p:spPr>
+          <a:xfrm>
+            <a:off x="838200" y="365125"/>
+            <a:ext cx="10515600" cy="1325563"/>
+          </a:xfrm>
+        </p:spPr>
+        <p:txBody>
+          <a:bodyPr>
+            <a:normAutofit/>
+          </a:bodyPr>
+          <a:lstStyle/>
+          <a:p>
+            <a:r>
+              <a:rPr lang="en-US" sz="2800" dirty="0"/>
+              <a:t>Part-I: From Monolithic to Microservice</a:t>
+            </a:r>
+            <a:br>
+              <a:rPr lang="en-US" sz="2800" dirty="0"/>
+            </a:br>
+            <a:r>
+              <a:rPr lang="en-US" dirty="0"/>
+              <a:t>Modular Application / Separated Databases</a:t>
+            </a:r>
+          </a:p>
+        </p:txBody>
+      </p:sp>
+      <p:pic>
+        <p:nvPicPr>
+          <p:cNvPr id="5" name="Picture 4">
+            <a:extLst>
+              <a:ext uri="{FF2B5EF4-FFF2-40B4-BE49-F238E27FC236}">
+                <a16:creationId xmlns:a16="http://schemas.microsoft.com/office/drawing/2014/main" id="{EA102113-ADE0-47BC-B9BF-BD24341443F3}"/>
+              </a:ext>
+            </a:extLst>
+          </p:cNvPr>
+          <p:cNvPicPr>
+            <a:picLocks noChangeAspect="1"/>
+          </p:cNvPicPr>
+          <p:nvPr/>
+        </p:nvPicPr>
+        <p:blipFill>
+          <a:blip r:embed="rId2"/>
+          <a:stretch>
+            <a:fillRect/>
+          </a:stretch>
+        </p:blipFill>
+        <p:spPr>
+          <a:xfrm>
+            <a:off x="7823200" y="2474168"/>
+            <a:ext cx="3878000" cy="1637245"/>
+          </a:xfrm>
+          <a:prstGeom prst="rect">
+            <a:avLst/>
+          </a:prstGeom>
+        </p:spPr>
+      </p:pic>
+      <p:sp>
+        <p:nvSpPr>
+          <p:cNvPr id="27" name="Content Placeholder 2">
+            <a:extLst>
+              <a:ext uri="{FF2B5EF4-FFF2-40B4-BE49-F238E27FC236}">
+                <a16:creationId xmlns:a16="http://schemas.microsoft.com/office/drawing/2014/main" id="{1268FF52-F319-48DA-85C3-426930A67E14}"/>
+              </a:ext>
+            </a:extLst>
+          </p:cNvPr>
+          <p:cNvSpPr>
+            <a:spLocks noGrp="1"/>
+          </p:cNvSpPr>
+          <p:nvPr>
+            <p:ph idx="1"/>
+          </p:nvPr>
+        </p:nvSpPr>
+        <p:spPr>
+          <a:xfrm>
+            <a:off x="838199" y="1825625"/>
+            <a:ext cx="5830825" cy="4351338"/>
+          </a:xfrm>
+        </p:spPr>
+        <p:txBody>
+          <a:bodyPr>
+            <a:normAutofit/>
+          </a:bodyPr>
+          <a:lstStyle/>
+          <a:p>
+            <a:r>
+              <a:rPr lang="en-US" sz="2400" dirty="0"/>
+              <a:t>Benefits</a:t>
+            </a:r>
+          </a:p>
+          <a:p>
+            <a:pPr lvl="1"/>
+            <a:r>
+              <a:rPr lang="en-US" sz="1800" b="1" dirty="0"/>
+              <a:t>Better Scalability</a:t>
+            </a:r>
+          </a:p>
+          <a:p>
+            <a:pPr lvl="2"/>
+            <a:r>
+              <a:rPr lang="en-US" sz="1400" dirty="0"/>
+              <a:t>Each database gets </a:t>
+            </a:r>
+            <a:r>
+              <a:rPr lang="en-US" sz="1400" b="1" dirty="0"/>
+              <a:t>less load</a:t>
+            </a:r>
+            <a:endParaRPr lang="en-US" sz="1400" dirty="0"/>
+          </a:p>
+          <a:p>
+            <a:pPr lvl="2"/>
+            <a:r>
+              <a:rPr lang="en-US" sz="1400" dirty="0"/>
+              <a:t>Each database can be </a:t>
+            </a:r>
+            <a:r>
+              <a:rPr lang="en-US" sz="1400" b="1" dirty="0"/>
+              <a:t>scaled independently</a:t>
+            </a:r>
+            <a:endParaRPr lang="en-US" sz="1400" dirty="0"/>
+          </a:p>
+          <a:p>
+            <a:pPr lvl="1"/>
+            <a:r>
+              <a:rPr lang="en-US" sz="1800" b="1" dirty="0"/>
+              <a:t>Schema Changes</a:t>
+            </a:r>
+            <a:r>
+              <a:rPr lang="en-US" sz="1800" dirty="0"/>
+              <a:t> only affects the related module</a:t>
+            </a:r>
+          </a:p>
+          <a:p>
+            <a:r>
+              <a:rPr lang="en-US" sz="2200" dirty="0"/>
+              <a:t>Challenges</a:t>
+            </a:r>
+          </a:p>
+          <a:p>
+            <a:pPr lvl="1"/>
+            <a:r>
+              <a:rPr lang="en-US" sz="1800" dirty="0"/>
+              <a:t>Cross-database </a:t>
+            </a:r>
+            <a:r>
+              <a:rPr lang="en-US" sz="1800" b="1" dirty="0"/>
+              <a:t>joins </a:t>
+            </a:r>
+            <a:r>
+              <a:rPr lang="en-US" sz="1800" dirty="0"/>
+              <a:t>can be hard or impossible</a:t>
+            </a:r>
+          </a:p>
+          <a:p>
+            <a:pPr lvl="2"/>
+            <a:r>
+              <a:rPr lang="en-US" sz="1400" dirty="0"/>
+              <a:t>Inter-module method calls</a:t>
+            </a:r>
+          </a:p>
+          <a:p>
+            <a:pPr lvl="2"/>
+            <a:r>
+              <a:rPr lang="en-US" sz="1400" dirty="0"/>
+              <a:t>Data duplication</a:t>
+            </a:r>
+          </a:p>
+          <a:p>
+            <a:pPr lvl="2"/>
+            <a:r>
+              <a:rPr lang="en-US" sz="1400" dirty="0"/>
+              <a:t>Summary tables.</a:t>
+            </a:r>
+          </a:p>
+          <a:p>
+            <a:pPr lvl="1"/>
+            <a:r>
+              <a:rPr lang="en-US" sz="1800" dirty="0"/>
+              <a:t>Requires </a:t>
+            </a:r>
+            <a:r>
+              <a:rPr lang="en-US" sz="1800" b="1" dirty="0"/>
+              <a:t>distributed transactions</a:t>
+            </a:r>
+          </a:p>
+          <a:p>
+            <a:pPr lvl="2"/>
+            <a:r>
+              <a:rPr lang="en-US" sz="1400" dirty="0"/>
+              <a:t>May not be supported by all database systems.</a:t>
+            </a:r>
+          </a:p>
+        </p:txBody>
+      </p:sp>
+    </p:spTree>
+    <p:extLst>
+      <p:ext uri="{BB962C8B-B14F-4D97-AF65-F5344CB8AC3E}">
+        <p14:creationId xmlns:p14="http://schemas.microsoft.com/office/powerpoint/2010/main" val="1090643033"/>
       </p:ext>
     </p:extLst>
   </p:cSld>
@@ -4398,7 +6314,7 @@
         <p:spPr>
           <a:xfrm>
             <a:off x="838199" y="1825625"/>
-            <a:ext cx="6239251" cy="4351338"/>
+            <a:ext cx="7134012" cy="4351338"/>
           </a:xfrm>
         </p:spPr>
         <p:txBody>
@@ -4569,98 +6485,6 @@
           </a:p>
         </p:txBody>
       </p:sp>
-      <p:sp>
-        <p:nvSpPr>
-          <p:cNvPr id="7" name="Rectangle 6">
-            <a:extLst>
-              <a:ext uri="{FF2B5EF4-FFF2-40B4-BE49-F238E27FC236}">
-                <a16:creationId xmlns:a16="http://schemas.microsoft.com/office/drawing/2014/main" id="{B9925C6A-A81C-4D6E-89A9-2941FFE26AC4}"/>
-              </a:ext>
-            </a:extLst>
-          </p:cNvPr>
-          <p:cNvSpPr/>
-          <p:nvPr/>
-        </p:nvSpPr>
-        <p:spPr>
-          <a:xfrm>
-            <a:off x="7193280" y="2805684"/>
-            <a:ext cx="1249680" cy="499872"/>
-          </a:xfrm>
-          <a:prstGeom prst="rect">
-            <a:avLst/>
-          </a:prstGeom>
-        </p:spPr>
-        <p:style>
-          <a:lnRef idx="2">
-            <a:schemeClr val="accent2">
-              <a:shade val="50000"/>
-            </a:schemeClr>
-          </a:lnRef>
-          <a:fillRef idx="1">
-            <a:schemeClr val="accent2"/>
-          </a:fillRef>
-          <a:effectRef idx="0">
-            <a:schemeClr val="accent2"/>
-          </a:effectRef>
-          <a:fontRef idx="minor">
-            <a:schemeClr val="lt1"/>
-          </a:fontRef>
-        </p:style>
-        <p:txBody>
-          <a:bodyPr rtlCol="0" anchor="ctr"/>
-          <a:lstStyle/>
-          <a:p>
-            <a:pPr algn="ctr"/>
-            <a:r>
-              <a:rPr lang="en-US" dirty="0"/>
-              <a:t>Clients</a:t>
-            </a:r>
-          </a:p>
-        </p:txBody>
-      </p:sp>
-      <p:cxnSp>
-        <p:nvCxnSpPr>
-          <p:cNvPr id="9" name="Straight Arrow Connector 8">
-            <a:extLst>
-              <a:ext uri="{FF2B5EF4-FFF2-40B4-BE49-F238E27FC236}">
-                <a16:creationId xmlns:a16="http://schemas.microsoft.com/office/drawing/2014/main" id="{C7199C7A-122D-4EEB-9396-D132C20BF21E}"/>
-              </a:ext>
-            </a:extLst>
-          </p:cNvPr>
-          <p:cNvCxnSpPr>
-            <a:cxnSpLocks/>
-            <a:stCxn id="7" idx="3"/>
-            <a:endCxn id="5" idx="1"/>
-          </p:cNvCxnSpPr>
-          <p:nvPr/>
-        </p:nvCxnSpPr>
-        <p:spPr>
-          <a:xfrm>
-            <a:off x="8442960" y="3055620"/>
-            <a:ext cx="420624" cy="0"/>
-          </a:xfrm>
-          <a:prstGeom prst="straightConnector1">
-            <a:avLst/>
-          </a:prstGeom>
-          <a:ln>
-            <a:tailEnd type="triangle"/>
-          </a:ln>
-        </p:spPr>
-        <p:style>
-          <a:lnRef idx="1">
-            <a:schemeClr val="accent1"/>
-          </a:lnRef>
-          <a:fillRef idx="0">
-            <a:schemeClr val="accent1"/>
-          </a:fillRef>
-          <a:effectRef idx="0">
-            <a:schemeClr val="accent1"/>
-          </a:effectRef>
-          <a:fontRef idx="minor">
-            <a:schemeClr val="tx1"/>
-          </a:fontRef>
-        </p:style>
-      </p:cxnSp>
       <p:cxnSp>
         <p:nvCxnSpPr>
           <p:cNvPr id="11" name="Straight Arrow Connector 10">
@@ -4685,7 +6509,7 @@
           <a:prstGeom prst="straightConnector1">
             <a:avLst/>
           </a:prstGeom>
-          <a:ln>
+          <a:ln w="25400">
             <a:tailEnd type="triangle"/>
           </a:ln>
         </p:spPr>

--- a/2019-05-15-Microservices/Presentation.pptx
+++ b/2019-05-15-Microservices/Presentation.pptx
@@ -17,6 +17,11 @@
     <p:sldId id="269" r:id="rId11"/>
     <p:sldId id="270" r:id="rId12"/>
     <p:sldId id="271" r:id="rId13"/>
+    <p:sldId id="272" r:id="rId14"/>
+    <p:sldId id="273" r:id="rId15"/>
+    <p:sldId id="274" r:id="rId16"/>
+    <p:sldId id="275" r:id="rId17"/>
+    <p:sldId id="276" r:id="rId18"/>
   </p:sldIdLst>
   <p:sldSz cx="12192000" cy="6858000"/>
   <p:notesSz cx="6858000" cy="9144000"/>
@@ -5268,8 +5273,8 @@
         </p:blipFill>
         <p:spPr>
           <a:xfrm>
-            <a:off x="7823200" y="2474168"/>
-            <a:ext cx="3878000" cy="1637245"/>
+            <a:off x="6475554" y="2474168"/>
+            <a:ext cx="5225646" cy="2206205"/>
           </a:xfrm>
           <a:prstGeom prst="rect">
             <a:avLst/>
@@ -5353,61 +5358,62 @@
           </a:p>
           <a:p>
             <a:r>
-              <a:rPr lang="en-US" sz="2200" dirty="0"/>
+              <a:rPr lang="en-US" sz="2400" dirty="0"/>
               <a:t>Challenges</a:t>
             </a:r>
+            <a:endParaRPr lang="en-US" sz="2200" dirty="0"/>
           </a:p>
           <a:p>
             <a:pPr lvl="1"/>
             <a:r>
-              <a:rPr lang="en-US" sz="1800" dirty="0"/>
+              <a:rPr lang="en-US" sz="2000" dirty="0"/>
               <a:t>Cross-database </a:t>
             </a:r>
             <a:r>
-              <a:rPr lang="en-US" sz="1800" b="1" dirty="0"/>
+              <a:rPr lang="en-US" sz="2000" b="1" dirty="0"/>
               <a:t>joins </a:t>
             </a:r>
             <a:r>
-              <a:rPr lang="en-US" sz="1800" dirty="0"/>
+              <a:rPr lang="en-US" sz="2000" dirty="0"/>
               <a:t>can be hard or impossible</a:t>
             </a:r>
           </a:p>
           <a:p>
             <a:pPr lvl="2"/>
             <a:r>
-              <a:rPr lang="en-US" sz="1400" dirty="0"/>
+              <a:rPr lang="en-US" sz="1600" dirty="0"/>
               <a:t>Inter-module method calls</a:t>
             </a:r>
           </a:p>
           <a:p>
             <a:pPr lvl="2"/>
             <a:r>
-              <a:rPr lang="en-US" sz="1400" dirty="0"/>
+              <a:rPr lang="en-US" sz="1600" dirty="0"/>
               <a:t>Data duplication</a:t>
             </a:r>
           </a:p>
           <a:p>
             <a:pPr lvl="2"/>
             <a:r>
-              <a:rPr lang="en-US" sz="1400" dirty="0"/>
+              <a:rPr lang="en-US" sz="1600" dirty="0"/>
               <a:t>Summary tables.</a:t>
             </a:r>
           </a:p>
           <a:p>
             <a:pPr lvl="1"/>
             <a:r>
-              <a:rPr lang="en-US" sz="1800" dirty="0"/>
+              <a:rPr lang="en-US" sz="2000" dirty="0"/>
               <a:t>Requires </a:t>
             </a:r>
             <a:r>
-              <a:rPr lang="en-US" sz="1800" b="1" dirty="0"/>
+              <a:rPr lang="en-US" sz="2000" b="1" dirty="0"/>
               <a:t>distributed transactions</a:t>
             </a:r>
           </a:p>
           <a:p>
             <a:pPr lvl="2"/>
             <a:r>
-              <a:rPr lang="en-US" sz="1400" dirty="0"/>
+              <a:rPr lang="en-US" sz="1600" dirty="0"/>
               <a:t>May not be supported by all database systems.</a:t>
             </a:r>
           </a:p>
@@ -5417,6 +5423,2486 @@
     <p:extLst>
       <p:ext uri="{BB962C8B-B14F-4D97-AF65-F5344CB8AC3E}">
         <p14:creationId xmlns:p14="http://schemas.microsoft.com/office/powerpoint/2010/main" val="1090643033"/>
+      </p:ext>
+    </p:extLst>
+  </p:cSld>
+  <p:clrMapOvr>
+    <a:masterClrMapping/>
+  </p:clrMapOvr>
+</p:sld>
+</file>
+
+<file path=ppt/slides/slide13.xml><?xml version="1.0" encoding="utf-8"?>
+<p:sld xmlns:a="http://schemas.openxmlformats.org/drawingml/2006/main" xmlns:r="http://schemas.openxmlformats.org/officeDocument/2006/relationships" xmlns:p="http://schemas.openxmlformats.org/presentationml/2006/main">
+  <p:cSld>
+    <p:spTree>
+      <p:nvGrpSpPr>
+        <p:cNvPr id="1" name=""/>
+        <p:cNvGrpSpPr/>
+        <p:nvPr/>
+      </p:nvGrpSpPr>
+      <p:grpSpPr>
+        <a:xfrm>
+          <a:off x="0" y="0"/>
+          <a:ext cx="0" cy="0"/>
+          <a:chOff x="0" y="0"/>
+          <a:chExt cx="0" cy="0"/>
+        </a:xfrm>
+      </p:grpSpPr>
+      <p:sp>
+        <p:nvSpPr>
+          <p:cNvPr id="2" name="Title 1">
+            <a:extLst>
+              <a:ext uri="{FF2B5EF4-FFF2-40B4-BE49-F238E27FC236}">
+                <a16:creationId xmlns:a16="http://schemas.microsoft.com/office/drawing/2014/main" id="{B165E82E-6576-469D-8FA3-8A2C0EAEEBBD}"/>
+              </a:ext>
+            </a:extLst>
+          </p:cNvPr>
+          <p:cNvSpPr>
+            <a:spLocks noGrp="1"/>
+          </p:cNvSpPr>
+          <p:nvPr>
+            <p:ph type="title"/>
+          </p:nvPr>
+        </p:nvSpPr>
+        <p:spPr>
+          <a:xfrm>
+            <a:off x="838200" y="365125"/>
+            <a:ext cx="10515600" cy="1325563"/>
+          </a:xfrm>
+        </p:spPr>
+        <p:txBody>
+          <a:bodyPr>
+            <a:normAutofit/>
+          </a:bodyPr>
+          <a:lstStyle/>
+          <a:p>
+            <a:r>
+              <a:rPr lang="en-US" sz="2800" dirty="0"/>
+              <a:t>Part-I: From Monolithic to Microservice</a:t>
+            </a:r>
+            <a:br>
+              <a:rPr lang="en-US" sz="2800" dirty="0"/>
+            </a:br>
+            <a:r>
+              <a:rPr lang="en-US" dirty="0"/>
+              <a:t>Modular Application / Polyglot Persistence</a:t>
+            </a:r>
+          </a:p>
+        </p:txBody>
+      </p:sp>
+      <p:sp>
+        <p:nvSpPr>
+          <p:cNvPr id="7" name="Rectangle 6">
+            <a:extLst>
+              <a:ext uri="{FF2B5EF4-FFF2-40B4-BE49-F238E27FC236}">
+                <a16:creationId xmlns:a16="http://schemas.microsoft.com/office/drawing/2014/main" id="{85055454-D285-4F69-A103-290A9BE362D0}"/>
+              </a:ext>
+            </a:extLst>
+          </p:cNvPr>
+          <p:cNvSpPr/>
+          <p:nvPr/>
+        </p:nvSpPr>
+        <p:spPr>
+          <a:xfrm>
+            <a:off x="3639311" y="2010361"/>
+            <a:ext cx="4236721" cy="3584448"/>
+          </a:xfrm>
+          <a:prstGeom prst="rect">
+            <a:avLst/>
+          </a:prstGeom>
+        </p:spPr>
+        <p:style>
+          <a:lnRef idx="2">
+            <a:schemeClr val="accent1">
+              <a:shade val="50000"/>
+            </a:schemeClr>
+          </a:lnRef>
+          <a:fillRef idx="1">
+            <a:schemeClr val="accent1"/>
+          </a:fillRef>
+          <a:effectRef idx="0">
+            <a:schemeClr val="accent1"/>
+          </a:effectRef>
+          <a:fontRef idx="minor">
+            <a:schemeClr val="lt1"/>
+          </a:fontRef>
+        </p:style>
+        <p:txBody>
+          <a:bodyPr rtlCol="0" anchor="t"/>
+          <a:lstStyle/>
+          <a:p>
+            <a:pPr algn="r"/>
+            <a:r>
+              <a:rPr lang="en-US" dirty="0"/>
+              <a:t>Monolithic Application</a:t>
+            </a:r>
+          </a:p>
+        </p:txBody>
+      </p:sp>
+      <p:sp>
+        <p:nvSpPr>
+          <p:cNvPr id="8" name="Rectangle 7">
+            <a:extLst>
+              <a:ext uri="{FF2B5EF4-FFF2-40B4-BE49-F238E27FC236}">
+                <a16:creationId xmlns:a16="http://schemas.microsoft.com/office/drawing/2014/main" id="{60F91C77-DAF1-45C3-9BCA-6F95DE686A38}"/>
+              </a:ext>
+            </a:extLst>
+          </p:cNvPr>
+          <p:cNvSpPr/>
+          <p:nvPr/>
+        </p:nvSpPr>
+        <p:spPr>
+          <a:xfrm>
+            <a:off x="3727056" y="2425775"/>
+            <a:ext cx="1826526" cy="747834"/>
+          </a:xfrm>
+          <a:prstGeom prst="rect">
+            <a:avLst/>
+          </a:prstGeom>
+        </p:spPr>
+        <p:style>
+          <a:lnRef idx="2">
+            <a:schemeClr val="accent4">
+              <a:shade val="50000"/>
+            </a:schemeClr>
+          </a:lnRef>
+          <a:fillRef idx="1">
+            <a:schemeClr val="accent4"/>
+          </a:fillRef>
+          <a:effectRef idx="0">
+            <a:schemeClr val="accent4"/>
+          </a:effectRef>
+          <a:fontRef idx="minor">
+            <a:schemeClr val="lt1"/>
+          </a:fontRef>
+        </p:style>
+        <p:txBody>
+          <a:bodyPr rtlCol="0" anchor="ctr"/>
+          <a:lstStyle/>
+          <a:p>
+            <a:pPr algn="ctr"/>
+            <a:r>
+              <a:rPr lang="en-US" dirty="0"/>
+              <a:t>Module - 1</a:t>
+            </a:r>
+          </a:p>
+        </p:txBody>
+      </p:sp>
+      <p:sp>
+        <p:nvSpPr>
+          <p:cNvPr id="9" name="Rectangle 8">
+            <a:extLst>
+              <a:ext uri="{FF2B5EF4-FFF2-40B4-BE49-F238E27FC236}">
+                <a16:creationId xmlns:a16="http://schemas.microsoft.com/office/drawing/2014/main" id="{31EEF1A2-EC43-427A-B527-4EDAE0A30669}"/>
+              </a:ext>
+            </a:extLst>
+          </p:cNvPr>
+          <p:cNvSpPr/>
+          <p:nvPr/>
+        </p:nvSpPr>
+        <p:spPr>
+          <a:xfrm>
+            <a:off x="5956673" y="2425775"/>
+            <a:ext cx="1826526" cy="747834"/>
+          </a:xfrm>
+          <a:prstGeom prst="rect">
+            <a:avLst/>
+          </a:prstGeom>
+        </p:spPr>
+        <p:style>
+          <a:lnRef idx="2">
+            <a:schemeClr val="accent4">
+              <a:shade val="50000"/>
+            </a:schemeClr>
+          </a:lnRef>
+          <a:fillRef idx="1">
+            <a:schemeClr val="accent4"/>
+          </a:fillRef>
+          <a:effectRef idx="0">
+            <a:schemeClr val="accent4"/>
+          </a:effectRef>
+          <a:fontRef idx="minor">
+            <a:schemeClr val="lt1"/>
+          </a:fontRef>
+        </p:style>
+        <p:txBody>
+          <a:bodyPr rtlCol="0" anchor="ctr"/>
+          <a:lstStyle/>
+          <a:p>
+            <a:pPr algn="ctr"/>
+            <a:r>
+              <a:rPr lang="en-US" dirty="0"/>
+              <a:t>Module - 2</a:t>
+            </a:r>
+          </a:p>
+        </p:txBody>
+      </p:sp>
+      <p:sp>
+        <p:nvSpPr>
+          <p:cNvPr id="10" name="Rectangle 9">
+            <a:extLst>
+              <a:ext uri="{FF2B5EF4-FFF2-40B4-BE49-F238E27FC236}">
+                <a16:creationId xmlns:a16="http://schemas.microsoft.com/office/drawing/2014/main" id="{8FC3D04D-12E5-4BDB-ABEA-086F91EC3181}"/>
+              </a:ext>
+            </a:extLst>
+          </p:cNvPr>
+          <p:cNvSpPr/>
+          <p:nvPr/>
+        </p:nvSpPr>
+        <p:spPr>
+          <a:xfrm>
+            <a:off x="3727056" y="3583362"/>
+            <a:ext cx="1826526" cy="747834"/>
+          </a:xfrm>
+          <a:prstGeom prst="rect">
+            <a:avLst/>
+          </a:prstGeom>
+        </p:spPr>
+        <p:style>
+          <a:lnRef idx="2">
+            <a:schemeClr val="accent4">
+              <a:shade val="50000"/>
+            </a:schemeClr>
+          </a:lnRef>
+          <a:fillRef idx="1">
+            <a:schemeClr val="accent4"/>
+          </a:fillRef>
+          <a:effectRef idx="0">
+            <a:schemeClr val="accent4"/>
+          </a:effectRef>
+          <a:fontRef idx="minor">
+            <a:schemeClr val="lt1"/>
+          </a:fontRef>
+        </p:style>
+        <p:txBody>
+          <a:bodyPr rtlCol="0" anchor="ctr"/>
+          <a:lstStyle/>
+          <a:p>
+            <a:pPr algn="ctr"/>
+            <a:r>
+              <a:rPr lang="en-US" dirty="0"/>
+              <a:t>Module - 3</a:t>
+            </a:r>
+          </a:p>
+        </p:txBody>
+      </p:sp>
+      <p:sp>
+        <p:nvSpPr>
+          <p:cNvPr id="11" name="Rectangle 10">
+            <a:extLst>
+              <a:ext uri="{FF2B5EF4-FFF2-40B4-BE49-F238E27FC236}">
+                <a16:creationId xmlns:a16="http://schemas.microsoft.com/office/drawing/2014/main" id="{E7A72451-97E8-4257-8374-3373941AEE01}"/>
+              </a:ext>
+            </a:extLst>
+          </p:cNvPr>
+          <p:cNvSpPr/>
+          <p:nvPr/>
+        </p:nvSpPr>
+        <p:spPr>
+          <a:xfrm>
+            <a:off x="5956673" y="3583362"/>
+            <a:ext cx="1826526" cy="747834"/>
+          </a:xfrm>
+          <a:prstGeom prst="rect">
+            <a:avLst/>
+          </a:prstGeom>
+        </p:spPr>
+        <p:style>
+          <a:lnRef idx="2">
+            <a:schemeClr val="accent4">
+              <a:shade val="50000"/>
+            </a:schemeClr>
+          </a:lnRef>
+          <a:fillRef idx="1">
+            <a:schemeClr val="accent4"/>
+          </a:fillRef>
+          <a:effectRef idx="0">
+            <a:schemeClr val="accent4"/>
+          </a:effectRef>
+          <a:fontRef idx="minor">
+            <a:schemeClr val="lt1"/>
+          </a:fontRef>
+        </p:style>
+        <p:txBody>
+          <a:bodyPr rtlCol="0" anchor="ctr"/>
+          <a:lstStyle/>
+          <a:p>
+            <a:pPr algn="ctr"/>
+            <a:r>
+              <a:rPr lang="en-US" dirty="0"/>
+              <a:t>Module - 4</a:t>
+            </a:r>
+          </a:p>
+        </p:txBody>
+      </p:sp>
+      <p:sp>
+        <p:nvSpPr>
+          <p:cNvPr id="12" name="Rectangle 11">
+            <a:extLst>
+              <a:ext uri="{FF2B5EF4-FFF2-40B4-BE49-F238E27FC236}">
+                <a16:creationId xmlns:a16="http://schemas.microsoft.com/office/drawing/2014/main" id="{EFAF6B71-ED8A-40F2-8079-E4A0E298B193}"/>
+              </a:ext>
+            </a:extLst>
+          </p:cNvPr>
+          <p:cNvSpPr/>
+          <p:nvPr/>
+        </p:nvSpPr>
+        <p:spPr>
+          <a:xfrm>
+            <a:off x="3727056" y="4740949"/>
+            <a:ext cx="1826526" cy="747834"/>
+          </a:xfrm>
+          <a:prstGeom prst="rect">
+            <a:avLst/>
+          </a:prstGeom>
+        </p:spPr>
+        <p:style>
+          <a:lnRef idx="2">
+            <a:schemeClr val="accent4">
+              <a:shade val="50000"/>
+            </a:schemeClr>
+          </a:lnRef>
+          <a:fillRef idx="1">
+            <a:schemeClr val="accent4"/>
+          </a:fillRef>
+          <a:effectRef idx="0">
+            <a:schemeClr val="accent4"/>
+          </a:effectRef>
+          <a:fontRef idx="minor">
+            <a:schemeClr val="lt1"/>
+          </a:fontRef>
+        </p:style>
+        <p:txBody>
+          <a:bodyPr rtlCol="0" anchor="ctr"/>
+          <a:lstStyle/>
+          <a:p>
+            <a:pPr algn="ctr"/>
+            <a:r>
+              <a:rPr lang="en-US" dirty="0"/>
+              <a:t>Module - 5</a:t>
+            </a:r>
+          </a:p>
+        </p:txBody>
+      </p:sp>
+      <p:sp>
+        <p:nvSpPr>
+          <p:cNvPr id="13" name="Rectangle 12">
+            <a:extLst>
+              <a:ext uri="{FF2B5EF4-FFF2-40B4-BE49-F238E27FC236}">
+                <a16:creationId xmlns:a16="http://schemas.microsoft.com/office/drawing/2014/main" id="{DDF60E88-BA4A-4C74-93AF-B4F93B3173A2}"/>
+              </a:ext>
+            </a:extLst>
+          </p:cNvPr>
+          <p:cNvSpPr/>
+          <p:nvPr/>
+        </p:nvSpPr>
+        <p:spPr>
+          <a:xfrm>
+            <a:off x="5956673" y="4740949"/>
+            <a:ext cx="1826526" cy="747834"/>
+          </a:xfrm>
+          <a:prstGeom prst="rect">
+            <a:avLst/>
+          </a:prstGeom>
+        </p:spPr>
+        <p:style>
+          <a:lnRef idx="2">
+            <a:schemeClr val="accent4">
+              <a:shade val="50000"/>
+            </a:schemeClr>
+          </a:lnRef>
+          <a:fillRef idx="1">
+            <a:schemeClr val="accent4"/>
+          </a:fillRef>
+          <a:effectRef idx="0">
+            <a:schemeClr val="accent4"/>
+          </a:effectRef>
+          <a:fontRef idx="minor">
+            <a:schemeClr val="lt1"/>
+          </a:fontRef>
+        </p:style>
+        <p:txBody>
+          <a:bodyPr rtlCol="0" anchor="ctr"/>
+          <a:lstStyle/>
+          <a:p>
+            <a:pPr algn="ctr"/>
+            <a:r>
+              <a:rPr lang="en-US" dirty="0"/>
+              <a:t>Module - 6</a:t>
+            </a:r>
+          </a:p>
+        </p:txBody>
+      </p:sp>
+      <p:cxnSp>
+        <p:nvCxnSpPr>
+          <p:cNvPr id="14" name="Straight Arrow Connector 13">
+            <a:extLst>
+              <a:ext uri="{FF2B5EF4-FFF2-40B4-BE49-F238E27FC236}">
+                <a16:creationId xmlns:a16="http://schemas.microsoft.com/office/drawing/2014/main" id="{A63003E5-3970-4167-A7BF-9D9A14CDEF33}"/>
+              </a:ext>
+            </a:extLst>
+          </p:cNvPr>
+          <p:cNvCxnSpPr>
+            <a:endCxn id="8" idx="2"/>
+          </p:cNvCxnSpPr>
+          <p:nvPr/>
+        </p:nvCxnSpPr>
+        <p:spPr>
+          <a:xfrm flipV="1">
+            <a:off x="4632960" y="3173609"/>
+            <a:ext cx="7359" cy="409753"/>
+          </a:xfrm>
+          <a:prstGeom prst="straightConnector1">
+            <a:avLst/>
+          </a:prstGeom>
+          <a:ln w="38100">
+            <a:solidFill>
+              <a:schemeClr val="bg1"/>
+            </a:solidFill>
+            <a:tailEnd type="triangle"/>
+          </a:ln>
+        </p:spPr>
+        <p:style>
+          <a:lnRef idx="1">
+            <a:schemeClr val="accent1"/>
+          </a:lnRef>
+          <a:fillRef idx="0">
+            <a:schemeClr val="accent1"/>
+          </a:fillRef>
+          <a:effectRef idx="0">
+            <a:schemeClr val="accent1"/>
+          </a:effectRef>
+          <a:fontRef idx="minor">
+            <a:schemeClr val="tx1"/>
+          </a:fontRef>
+        </p:style>
+      </p:cxnSp>
+      <p:cxnSp>
+        <p:nvCxnSpPr>
+          <p:cNvPr id="15" name="Straight Arrow Connector 14">
+            <a:extLst>
+              <a:ext uri="{FF2B5EF4-FFF2-40B4-BE49-F238E27FC236}">
+                <a16:creationId xmlns:a16="http://schemas.microsoft.com/office/drawing/2014/main" id="{A2ECF030-2B4C-4462-9422-7BEE94AC007E}"/>
+              </a:ext>
+            </a:extLst>
+          </p:cNvPr>
+          <p:cNvCxnSpPr>
+            <a:cxnSpLocks/>
+          </p:cNvCxnSpPr>
+          <p:nvPr/>
+        </p:nvCxnSpPr>
+        <p:spPr>
+          <a:xfrm flipV="1">
+            <a:off x="5101897" y="3173610"/>
+            <a:ext cx="1146316" cy="409752"/>
+          </a:xfrm>
+          <a:prstGeom prst="straightConnector1">
+            <a:avLst/>
+          </a:prstGeom>
+          <a:ln w="38100">
+            <a:solidFill>
+              <a:schemeClr val="bg1"/>
+            </a:solidFill>
+            <a:tailEnd type="triangle"/>
+          </a:ln>
+        </p:spPr>
+        <p:style>
+          <a:lnRef idx="1">
+            <a:schemeClr val="accent1"/>
+          </a:lnRef>
+          <a:fillRef idx="0">
+            <a:schemeClr val="accent1"/>
+          </a:fillRef>
+          <a:effectRef idx="0">
+            <a:schemeClr val="accent1"/>
+          </a:effectRef>
+          <a:fontRef idx="minor">
+            <a:schemeClr val="tx1"/>
+          </a:fontRef>
+        </p:style>
+      </p:cxnSp>
+      <p:cxnSp>
+        <p:nvCxnSpPr>
+          <p:cNvPr id="16" name="Straight Arrow Connector 15">
+            <a:extLst>
+              <a:ext uri="{FF2B5EF4-FFF2-40B4-BE49-F238E27FC236}">
+                <a16:creationId xmlns:a16="http://schemas.microsoft.com/office/drawing/2014/main" id="{73945A0F-1CD1-4E2D-8709-8127AB247DEA}"/>
+              </a:ext>
+            </a:extLst>
+          </p:cNvPr>
+          <p:cNvCxnSpPr/>
+          <p:nvPr/>
+        </p:nvCxnSpPr>
+        <p:spPr>
+          <a:xfrm flipV="1">
+            <a:off x="6869936" y="4331195"/>
+            <a:ext cx="7359" cy="409753"/>
+          </a:xfrm>
+          <a:prstGeom prst="straightConnector1">
+            <a:avLst/>
+          </a:prstGeom>
+          <a:ln w="38100">
+            <a:solidFill>
+              <a:schemeClr val="bg1"/>
+            </a:solidFill>
+            <a:tailEnd type="triangle"/>
+          </a:ln>
+        </p:spPr>
+        <p:style>
+          <a:lnRef idx="1">
+            <a:schemeClr val="accent1"/>
+          </a:lnRef>
+          <a:fillRef idx="0">
+            <a:schemeClr val="accent1"/>
+          </a:fillRef>
+          <a:effectRef idx="0">
+            <a:schemeClr val="accent1"/>
+          </a:effectRef>
+          <a:fontRef idx="minor">
+            <a:schemeClr val="tx1"/>
+          </a:fontRef>
+        </p:style>
+      </p:cxnSp>
+      <p:cxnSp>
+        <p:nvCxnSpPr>
+          <p:cNvPr id="22" name="Straight Arrow Connector 21">
+            <a:extLst>
+              <a:ext uri="{FF2B5EF4-FFF2-40B4-BE49-F238E27FC236}">
+                <a16:creationId xmlns:a16="http://schemas.microsoft.com/office/drawing/2014/main" id="{B59118D9-3E55-4EA4-8A04-F88149AA0B46}"/>
+              </a:ext>
+            </a:extLst>
+          </p:cNvPr>
+          <p:cNvCxnSpPr>
+            <a:cxnSpLocks/>
+            <a:stCxn id="8" idx="1"/>
+          </p:cNvCxnSpPr>
+          <p:nvPr/>
+        </p:nvCxnSpPr>
+        <p:spPr>
+          <a:xfrm flipH="1">
+            <a:off x="3236220" y="2799692"/>
+            <a:ext cx="490836" cy="0"/>
+          </a:xfrm>
+          <a:prstGeom prst="straightConnector1">
+            <a:avLst/>
+          </a:prstGeom>
+          <a:ln w="25400">
+            <a:tailEnd type="triangle"/>
+          </a:ln>
+        </p:spPr>
+        <p:style>
+          <a:lnRef idx="1">
+            <a:schemeClr val="accent1"/>
+          </a:lnRef>
+          <a:fillRef idx="0">
+            <a:schemeClr val="accent1"/>
+          </a:fillRef>
+          <a:effectRef idx="0">
+            <a:schemeClr val="accent1"/>
+          </a:effectRef>
+          <a:fontRef idx="minor">
+            <a:schemeClr val="tx1"/>
+          </a:fontRef>
+        </p:style>
+      </p:cxnSp>
+      <p:cxnSp>
+        <p:nvCxnSpPr>
+          <p:cNvPr id="23" name="Straight Arrow Connector 22">
+            <a:extLst>
+              <a:ext uri="{FF2B5EF4-FFF2-40B4-BE49-F238E27FC236}">
+                <a16:creationId xmlns:a16="http://schemas.microsoft.com/office/drawing/2014/main" id="{A9538189-FC85-4FCA-8CCA-792FC79B6E0C}"/>
+              </a:ext>
+            </a:extLst>
+          </p:cNvPr>
+          <p:cNvCxnSpPr>
+            <a:cxnSpLocks/>
+            <a:stCxn id="10" idx="1"/>
+          </p:cNvCxnSpPr>
+          <p:nvPr/>
+        </p:nvCxnSpPr>
+        <p:spPr>
+          <a:xfrm flipH="1">
+            <a:off x="3236220" y="3957279"/>
+            <a:ext cx="490836" cy="0"/>
+          </a:xfrm>
+          <a:prstGeom prst="straightConnector1">
+            <a:avLst/>
+          </a:prstGeom>
+          <a:ln w="25400">
+            <a:tailEnd type="triangle"/>
+          </a:ln>
+        </p:spPr>
+        <p:style>
+          <a:lnRef idx="1">
+            <a:schemeClr val="accent1"/>
+          </a:lnRef>
+          <a:fillRef idx="0">
+            <a:schemeClr val="accent1"/>
+          </a:fillRef>
+          <a:effectRef idx="0">
+            <a:schemeClr val="accent1"/>
+          </a:effectRef>
+          <a:fontRef idx="minor">
+            <a:schemeClr val="tx1"/>
+          </a:fontRef>
+        </p:style>
+      </p:cxnSp>
+      <p:cxnSp>
+        <p:nvCxnSpPr>
+          <p:cNvPr id="24" name="Straight Arrow Connector 23">
+            <a:extLst>
+              <a:ext uri="{FF2B5EF4-FFF2-40B4-BE49-F238E27FC236}">
+                <a16:creationId xmlns:a16="http://schemas.microsoft.com/office/drawing/2014/main" id="{D3FD246C-F918-48F5-968F-D205856A8D02}"/>
+              </a:ext>
+            </a:extLst>
+          </p:cNvPr>
+          <p:cNvCxnSpPr>
+            <a:cxnSpLocks/>
+            <a:stCxn id="12" idx="1"/>
+          </p:cNvCxnSpPr>
+          <p:nvPr/>
+        </p:nvCxnSpPr>
+        <p:spPr>
+          <a:xfrm flipH="1">
+            <a:off x="3236220" y="5114866"/>
+            <a:ext cx="490836" cy="0"/>
+          </a:xfrm>
+          <a:prstGeom prst="straightConnector1">
+            <a:avLst/>
+          </a:prstGeom>
+          <a:ln w="25400">
+            <a:tailEnd type="triangle"/>
+          </a:ln>
+        </p:spPr>
+        <p:style>
+          <a:lnRef idx="1">
+            <a:schemeClr val="accent1"/>
+          </a:lnRef>
+          <a:fillRef idx="0">
+            <a:schemeClr val="accent1"/>
+          </a:fillRef>
+          <a:effectRef idx="0">
+            <a:schemeClr val="accent1"/>
+          </a:effectRef>
+          <a:fontRef idx="minor">
+            <a:schemeClr val="tx1"/>
+          </a:fontRef>
+        </p:style>
+      </p:cxnSp>
+      <p:cxnSp>
+        <p:nvCxnSpPr>
+          <p:cNvPr id="25" name="Straight Arrow Connector 24">
+            <a:extLst>
+              <a:ext uri="{FF2B5EF4-FFF2-40B4-BE49-F238E27FC236}">
+                <a16:creationId xmlns:a16="http://schemas.microsoft.com/office/drawing/2014/main" id="{AE85FC02-8B82-4752-90CF-C6ACB6984C32}"/>
+              </a:ext>
+            </a:extLst>
+          </p:cNvPr>
+          <p:cNvCxnSpPr>
+            <a:cxnSpLocks/>
+            <a:stCxn id="11" idx="3"/>
+          </p:cNvCxnSpPr>
+          <p:nvPr/>
+        </p:nvCxnSpPr>
+        <p:spPr>
+          <a:xfrm>
+            <a:off x="7783199" y="3957279"/>
+            <a:ext cx="845528" cy="337249"/>
+          </a:xfrm>
+          <a:prstGeom prst="straightConnector1">
+            <a:avLst/>
+          </a:prstGeom>
+          <a:ln w="25400">
+            <a:tailEnd type="triangle"/>
+          </a:ln>
+        </p:spPr>
+        <p:style>
+          <a:lnRef idx="1">
+            <a:schemeClr val="accent1"/>
+          </a:lnRef>
+          <a:fillRef idx="0">
+            <a:schemeClr val="accent1"/>
+          </a:fillRef>
+          <a:effectRef idx="0">
+            <a:schemeClr val="accent1"/>
+          </a:effectRef>
+          <a:fontRef idx="minor">
+            <a:schemeClr val="tx1"/>
+          </a:fontRef>
+        </p:style>
+      </p:cxnSp>
+      <p:cxnSp>
+        <p:nvCxnSpPr>
+          <p:cNvPr id="26" name="Straight Arrow Connector 25">
+            <a:extLst>
+              <a:ext uri="{FF2B5EF4-FFF2-40B4-BE49-F238E27FC236}">
+                <a16:creationId xmlns:a16="http://schemas.microsoft.com/office/drawing/2014/main" id="{54741DBA-F104-4EC3-B973-FFD24123D2B0}"/>
+              </a:ext>
+            </a:extLst>
+          </p:cNvPr>
+          <p:cNvCxnSpPr>
+            <a:cxnSpLocks/>
+            <a:stCxn id="13" idx="3"/>
+          </p:cNvCxnSpPr>
+          <p:nvPr/>
+        </p:nvCxnSpPr>
+        <p:spPr>
+          <a:xfrm flipV="1">
+            <a:off x="7783199" y="4777613"/>
+            <a:ext cx="845528" cy="337253"/>
+          </a:xfrm>
+          <a:prstGeom prst="straightConnector1">
+            <a:avLst/>
+          </a:prstGeom>
+          <a:ln w="25400">
+            <a:tailEnd type="triangle"/>
+          </a:ln>
+        </p:spPr>
+        <p:style>
+          <a:lnRef idx="1">
+            <a:schemeClr val="accent1"/>
+          </a:lnRef>
+          <a:fillRef idx="0">
+            <a:schemeClr val="accent1"/>
+          </a:fillRef>
+          <a:effectRef idx="0">
+            <a:schemeClr val="accent1"/>
+          </a:effectRef>
+          <a:fontRef idx="minor">
+            <a:schemeClr val="tx1"/>
+          </a:fontRef>
+        </p:style>
+      </p:cxnSp>
+      <p:cxnSp>
+        <p:nvCxnSpPr>
+          <p:cNvPr id="28" name="Straight Arrow Connector 27">
+            <a:extLst>
+              <a:ext uri="{FF2B5EF4-FFF2-40B4-BE49-F238E27FC236}">
+                <a16:creationId xmlns:a16="http://schemas.microsoft.com/office/drawing/2014/main" id="{5070EA86-4F2A-4D67-8AD1-16EB630CD6C3}"/>
+              </a:ext>
+            </a:extLst>
+          </p:cNvPr>
+          <p:cNvCxnSpPr>
+            <a:cxnSpLocks/>
+          </p:cNvCxnSpPr>
+          <p:nvPr/>
+        </p:nvCxnSpPr>
+        <p:spPr>
+          <a:xfrm flipV="1">
+            <a:off x="7783199" y="2767368"/>
+            <a:ext cx="554411" cy="32323"/>
+          </a:xfrm>
+          <a:prstGeom prst="straightConnector1">
+            <a:avLst/>
+          </a:prstGeom>
+          <a:ln w="25400">
+            <a:tailEnd type="triangle"/>
+          </a:ln>
+        </p:spPr>
+        <p:style>
+          <a:lnRef idx="1">
+            <a:schemeClr val="accent1"/>
+          </a:lnRef>
+          <a:fillRef idx="0">
+            <a:schemeClr val="accent1"/>
+          </a:fillRef>
+          <a:effectRef idx="0">
+            <a:schemeClr val="accent1"/>
+          </a:effectRef>
+          <a:fontRef idx="minor">
+            <a:schemeClr val="tx1"/>
+          </a:fontRef>
+        </p:style>
+      </p:cxnSp>
+      <p:pic>
+        <p:nvPicPr>
+          <p:cNvPr id="2052" name="Picture 4" descr="Image result for sql server">
+            <a:extLst>
+              <a:ext uri="{FF2B5EF4-FFF2-40B4-BE49-F238E27FC236}">
+                <a16:creationId xmlns:a16="http://schemas.microsoft.com/office/drawing/2014/main" id="{EF5094E7-671F-402F-A15F-1106F83AB50F}"/>
+              </a:ext>
+            </a:extLst>
+          </p:cNvPr>
+          <p:cNvPicPr>
+            <a:picLocks noChangeAspect="1" noChangeArrowheads="1"/>
+          </p:cNvPicPr>
+          <p:nvPr/>
+        </p:nvPicPr>
+        <p:blipFill>
+          <a:blip r:embed="rId2">
+            <a:extLst>
+              <a:ext uri="{28A0092B-C50C-407E-A947-70E740481C1C}">
+                <a14:useLocalDpi xmlns:a14="http://schemas.microsoft.com/office/drawing/2010/main" val="0"/>
+              </a:ext>
+            </a:extLst>
+          </a:blip>
+          <a:srcRect/>
+          <a:stretch>
+            <a:fillRect/>
+          </a:stretch>
+        </p:blipFill>
+        <p:spPr bwMode="auto">
+          <a:xfrm>
+            <a:off x="8750544" y="3844047"/>
+            <a:ext cx="1357376" cy="1097280"/>
+          </a:xfrm>
+          <a:prstGeom prst="rect">
+            <a:avLst/>
+          </a:prstGeom>
+          <a:noFill/>
+          <a:extLst>
+            <a:ext uri="{909E8E84-426E-40DD-AFC4-6F175D3DCCD1}">
+              <a14:hiddenFill xmlns:a14="http://schemas.microsoft.com/office/drawing/2010/main">
+                <a:solidFill>
+                  <a:srgbClr val="FFFFFF"/>
+                </a:solidFill>
+              </a14:hiddenFill>
+            </a:ext>
+          </a:extLst>
+        </p:spPr>
+      </p:pic>
+      <p:pic>
+        <p:nvPicPr>
+          <p:cNvPr id="2054" name="Picture 6" descr="Image result for mongodb">
+            <a:extLst>
+              <a:ext uri="{FF2B5EF4-FFF2-40B4-BE49-F238E27FC236}">
+                <a16:creationId xmlns:a16="http://schemas.microsoft.com/office/drawing/2014/main" id="{8C718F9D-DF82-4A68-8663-4EB6B507F559}"/>
+              </a:ext>
+            </a:extLst>
+          </p:cNvPr>
+          <p:cNvPicPr>
+            <a:picLocks noChangeAspect="1" noChangeArrowheads="1"/>
+          </p:cNvPicPr>
+          <p:nvPr/>
+        </p:nvPicPr>
+        <p:blipFill>
+          <a:blip r:embed="rId3">
+            <a:extLst>
+              <a:ext uri="{28A0092B-C50C-407E-A947-70E740481C1C}">
+                <a14:useLocalDpi xmlns:a14="http://schemas.microsoft.com/office/drawing/2010/main" val="0"/>
+              </a:ext>
+            </a:extLst>
+          </a:blip>
+          <a:srcRect/>
+          <a:stretch>
+            <a:fillRect/>
+          </a:stretch>
+        </p:blipFill>
+        <p:spPr bwMode="auto">
+          <a:xfrm>
+            <a:off x="1665638" y="2022304"/>
+            <a:ext cx="1490127" cy="1490127"/>
+          </a:xfrm>
+          <a:prstGeom prst="rect">
+            <a:avLst/>
+          </a:prstGeom>
+          <a:noFill/>
+          <a:extLst>
+            <a:ext uri="{909E8E84-426E-40DD-AFC4-6F175D3DCCD1}">
+              <a14:hiddenFill xmlns:a14="http://schemas.microsoft.com/office/drawing/2010/main">
+                <a:solidFill>
+                  <a:srgbClr val="FFFFFF"/>
+                </a:solidFill>
+              </a14:hiddenFill>
+            </a:ext>
+          </a:extLst>
+        </p:spPr>
+      </p:pic>
+      <p:pic>
+        <p:nvPicPr>
+          <p:cNvPr id="2056" name="Picture 8" descr="Image result for elasticsearch">
+            <a:extLst>
+              <a:ext uri="{FF2B5EF4-FFF2-40B4-BE49-F238E27FC236}">
+                <a16:creationId xmlns:a16="http://schemas.microsoft.com/office/drawing/2014/main" id="{0316DBAF-1CB5-46BA-98F9-D7800EC461A3}"/>
+              </a:ext>
+            </a:extLst>
+          </p:cNvPr>
+          <p:cNvPicPr>
+            <a:picLocks noChangeAspect="1" noChangeArrowheads="1"/>
+          </p:cNvPicPr>
+          <p:nvPr/>
+        </p:nvPicPr>
+        <p:blipFill>
+          <a:blip r:embed="rId4">
+            <a:extLst>
+              <a:ext uri="{28A0092B-C50C-407E-A947-70E740481C1C}">
+                <a14:useLocalDpi xmlns:a14="http://schemas.microsoft.com/office/drawing/2010/main" val="0"/>
+              </a:ext>
+            </a:extLst>
+          </a:blip>
+          <a:srcRect/>
+          <a:stretch>
+            <a:fillRect/>
+          </a:stretch>
+        </p:blipFill>
+        <p:spPr bwMode="auto">
+          <a:xfrm>
+            <a:off x="8388564" y="2529092"/>
+            <a:ext cx="2081335" cy="508873"/>
+          </a:xfrm>
+          <a:prstGeom prst="rect">
+            <a:avLst/>
+          </a:prstGeom>
+          <a:noFill/>
+          <a:extLst>
+            <a:ext uri="{909E8E84-426E-40DD-AFC4-6F175D3DCCD1}">
+              <a14:hiddenFill xmlns:a14="http://schemas.microsoft.com/office/drawing/2010/main">
+                <a:solidFill>
+                  <a:srgbClr val="FFFFFF"/>
+                </a:solidFill>
+              </a14:hiddenFill>
+            </a:ext>
+          </a:extLst>
+        </p:spPr>
+      </p:pic>
+      <p:pic>
+        <p:nvPicPr>
+          <p:cNvPr id="32" name="Picture 4" descr="Image result for sql server">
+            <a:extLst>
+              <a:ext uri="{FF2B5EF4-FFF2-40B4-BE49-F238E27FC236}">
+                <a16:creationId xmlns:a16="http://schemas.microsoft.com/office/drawing/2014/main" id="{BB3A1589-E515-4564-A85B-17B38FD82086}"/>
+              </a:ext>
+            </a:extLst>
+          </p:cNvPr>
+          <p:cNvPicPr>
+            <a:picLocks noChangeAspect="1" noChangeArrowheads="1"/>
+          </p:cNvPicPr>
+          <p:nvPr/>
+        </p:nvPicPr>
+        <p:blipFill>
+          <a:blip r:embed="rId2">
+            <a:extLst>
+              <a:ext uri="{28A0092B-C50C-407E-A947-70E740481C1C}">
+                <a14:useLocalDpi xmlns:a14="http://schemas.microsoft.com/office/drawing/2010/main" val="0"/>
+              </a:ext>
+            </a:extLst>
+          </a:blip>
+          <a:srcRect/>
+          <a:stretch>
+            <a:fillRect/>
+          </a:stretch>
+        </p:blipFill>
+        <p:spPr bwMode="auto">
+          <a:xfrm>
+            <a:off x="1961886" y="4566224"/>
+            <a:ext cx="1357376" cy="1097280"/>
+          </a:xfrm>
+          <a:prstGeom prst="rect">
+            <a:avLst/>
+          </a:prstGeom>
+          <a:noFill/>
+          <a:extLst>
+            <a:ext uri="{909E8E84-426E-40DD-AFC4-6F175D3DCCD1}">
+              <a14:hiddenFill xmlns:a14="http://schemas.microsoft.com/office/drawing/2010/main">
+                <a:solidFill>
+                  <a:srgbClr val="FFFFFF"/>
+                </a:solidFill>
+              </a14:hiddenFill>
+            </a:ext>
+          </a:extLst>
+        </p:spPr>
+      </p:pic>
+      <p:pic>
+        <p:nvPicPr>
+          <p:cNvPr id="2058" name="Picture 10" descr="Image result for redis">
+            <a:extLst>
+              <a:ext uri="{FF2B5EF4-FFF2-40B4-BE49-F238E27FC236}">
+                <a16:creationId xmlns:a16="http://schemas.microsoft.com/office/drawing/2014/main" id="{52854EA4-5A4F-4BC0-A567-18F5151DD04A}"/>
+              </a:ext>
+            </a:extLst>
+          </p:cNvPr>
+          <p:cNvPicPr>
+            <a:picLocks noChangeAspect="1" noChangeArrowheads="1"/>
+          </p:cNvPicPr>
+          <p:nvPr/>
+        </p:nvPicPr>
+        <p:blipFill>
+          <a:blip r:embed="rId5">
+            <a:extLst>
+              <a:ext uri="{28A0092B-C50C-407E-A947-70E740481C1C}">
+                <a14:useLocalDpi xmlns:a14="http://schemas.microsoft.com/office/drawing/2010/main" val="0"/>
+              </a:ext>
+            </a:extLst>
+          </a:blip>
+          <a:srcRect/>
+          <a:stretch>
+            <a:fillRect/>
+          </a:stretch>
+        </p:blipFill>
+        <p:spPr bwMode="auto">
+          <a:xfrm>
+            <a:off x="1621345" y="3705746"/>
+            <a:ext cx="1505434" cy="503066"/>
+          </a:xfrm>
+          <a:prstGeom prst="rect">
+            <a:avLst/>
+          </a:prstGeom>
+          <a:noFill/>
+          <a:extLst>
+            <a:ext uri="{909E8E84-426E-40DD-AFC4-6F175D3DCCD1}">
+              <a14:hiddenFill xmlns:a14="http://schemas.microsoft.com/office/drawing/2010/main">
+                <a:solidFill>
+                  <a:srgbClr val="FFFFFF"/>
+                </a:solidFill>
+              </a14:hiddenFill>
+            </a:ext>
+          </a:extLst>
+        </p:spPr>
+      </p:pic>
+    </p:spTree>
+    <p:extLst>
+      <p:ext uri="{BB962C8B-B14F-4D97-AF65-F5344CB8AC3E}">
+        <p14:creationId xmlns:p14="http://schemas.microsoft.com/office/powerpoint/2010/main" val="2125912337"/>
+      </p:ext>
+    </p:extLst>
+  </p:cSld>
+  <p:clrMapOvr>
+    <a:masterClrMapping/>
+  </p:clrMapOvr>
+</p:sld>
+</file>
+
+<file path=ppt/slides/slide14.xml><?xml version="1.0" encoding="utf-8"?>
+<p:sld xmlns:a="http://schemas.openxmlformats.org/drawingml/2006/main" xmlns:r="http://schemas.openxmlformats.org/officeDocument/2006/relationships" xmlns:p="http://schemas.openxmlformats.org/presentationml/2006/main">
+  <p:cSld>
+    <p:spTree>
+      <p:nvGrpSpPr>
+        <p:cNvPr id="1" name=""/>
+        <p:cNvGrpSpPr/>
+        <p:nvPr/>
+      </p:nvGrpSpPr>
+      <p:grpSpPr>
+        <a:xfrm>
+          <a:off x="0" y="0"/>
+          <a:ext cx="0" cy="0"/>
+          <a:chOff x="0" y="0"/>
+          <a:chExt cx="0" cy="0"/>
+        </a:xfrm>
+      </p:grpSpPr>
+      <p:sp>
+        <p:nvSpPr>
+          <p:cNvPr id="2" name="Title 1">
+            <a:extLst>
+              <a:ext uri="{FF2B5EF4-FFF2-40B4-BE49-F238E27FC236}">
+                <a16:creationId xmlns:a16="http://schemas.microsoft.com/office/drawing/2014/main" id="{B165E82E-6576-469D-8FA3-8A2C0EAEEBBD}"/>
+              </a:ext>
+            </a:extLst>
+          </p:cNvPr>
+          <p:cNvSpPr>
+            <a:spLocks noGrp="1"/>
+          </p:cNvSpPr>
+          <p:nvPr>
+            <p:ph type="title"/>
+          </p:nvPr>
+        </p:nvSpPr>
+        <p:spPr>
+          <a:xfrm>
+            <a:off x="838200" y="365125"/>
+            <a:ext cx="10515600" cy="1325563"/>
+          </a:xfrm>
+        </p:spPr>
+        <p:txBody>
+          <a:bodyPr>
+            <a:normAutofit/>
+          </a:bodyPr>
+          <a:lstStyle/>
+          <a:p>
+            <a:r>
+              <a:rPr lang="en-US" sz="2800" dirty="0"/>
+              <a:t>Part-I: From Monolithic to Microservice</a:t>
+            </a:r>
+            <a:br>
+              <a:rPr lang="en-US" sz="2800" dirty="0"/>
+            </a:br>
+            <a:r>
+              <a:rPr lang="en-US" dirty="0"/>
+              <a:t>Modular Application / Separated Databases</a:t>
+            </a:r>
+          </a:p>
+        </p:txBody>
+      </p:sp>
+      <p:sp>
+        <p:nvSpPr>
+          <p:cNvPr id="27" name="Content Placeholder 2">
+            <a:extLst>
+              <a:ext uri="{FF2B5EF4-FFF2-40B4-BE49-F238E27FC236}">
+                <a16:creationId xmlns:a16="http://schemas.microsoft.com/office/drawing/2014/main" id="{1268FF52-F319-48DA-85C3-426930A67E14}"/>
+              </a:ext>
+            </a:extLst>
+          </p:cNvPr>
+          <p:cNvSpPr>
+            <a:spLocks noGrp="1"/>
+          </p:cNvSpPr>
+          <p:nvPr>
+            <p:ph idx="1"/>
+          </p:nvPr>
+        </p:nvSpPr>
+        <p:spPr>
+          <a:xfrm>
+            <a:off x="838199" y="1825625"/>
+            <a:ext cx="5257801" cy="4351338"/>
+          </a:xfrm>
+        </p:spPr>
+        <p:txBody>
+          <a:bodyPr>
+            <a:normAutofit/>
+          </a:bodyPr>
+          <a:lstStyle/>
+          <a:p>
+            <a:r>
+              <a:rPr lang="en-US" sz="2400" dirty="0"/>
+              <a:t>Benefits</a:t>
+            </a:r>
+          </a:p>
+          <a:p>
+            <a:pPr lvl="1"/>
+            <a:r>
+              <a:rPr lang="en-US" sz="2000" dirty="0"/>
+              <a:t>A module can use the </a:t>
+            </a:r>
+            <a:r>
+              <a:rPr lang="en-US" sz="2000" b="1" dirty="0"/>
+              <a:t>best DBMS</a:t>
+            </a:r>
+            <a:r>
+              <a:rPr lang="en-US" sz="2000" dirty="0"/>
+              <a:t> for it.</a:t>
+            </a:r>
+          </a:p>
+          <a:p>
+            <a:r>
+              <a:rPr lang="en-US" sz="2400" dirty="0"/>
+              <a:t>Challenges</a:t>
+            </a:r>
+          </a:p>
+          <a:p>
+            <a:pPr lvl="1"/>
+            <a:r>
+              <a:rPr lang="en-US" sz="1800" dirty="0"/>
+              <a:t>Impossible to have cross-database </a:t>
+            </a:r>
+            <a:r>
+              <a:rPr lang="en-US" sz="1800" b="1" dirty="0"/>
+              <a:t>joins and transactions</a:t>
+            </a:r>
+            <a:endParaRPr lang="en-US" sz="1400" dirty="0"/>
+          </a:p>
+        </p:txBody>
+      </p:sp>
+      <p:pic>
+        <p:nvPicPr>
+          <p:cNvPr id="3" name="Picture 2">
+            <a:extLst>
+              <a:ext uri="{FF2B5EF4-FFF2-40B4-BE49-F238E27FC236}">
+                <a16:creationId xmlns:a16="http://schemas.microsoft.com/office/drawing/2014/main" id="{EB101791-6023-44AB-B3A0-F54F8DC61A05}"/>
+              </a:ext>
+            </a:extLst>
+          </p:cNvPr>
+          <p:cNvPicPr>
+            <a:picLocks noChangeAspect="1"/>
+          </p:cNvPicPr>
+          <p:nvPr/>
+        </p:nvPicPr>
+        <p:blipFill>
+          <a:blip r:embed="rId2"/>
+          <a:stretch>
+            <a:fillRect/>
+          </a:stretch>
+        </p:blipFill>
+        <p:spPr>
+          <a:xfrm>
+            <a:off x="6366932" y="2268369"/>
+            <a:ext cx="5662507" cy="2500016"/>
+          </a:xfrm>
+          <a:prstGeom prst="rect">
+            <a:avLst/>
+          </a:prstGeom>
+        </p:spPr>
+      </p:pic>
+    </p:spTree>
+    <p:extLst>
+      <p:ext uri="{BB962C8B-B14F-4D97-AF65-F5344CB8AC3E}">
+        <p14:creationId xmlns:p14="http://schemas.microsoft.com/office/powerpoint/2010/main" val="511021108"/>
+      </p:ext>
+    </p:extLst>
+  </p:cSld>
+  <p:clrMapOvr>
+    <a:masterClrMapping/>
+  </p:clrMapOvr>
+</p:sld>
+</file>
+
+<file path=ppt/slides/slide15.xml><?xml version="1.0" encoding="utf-8"?>
+<p:sld xmlns:a="http://schemas.openxmlformats.org/drawingml/2006/main" xmlns:r="http://schemas.openxmlformats.org/officeDocument/2006/relationships" xmlns:p="http://schemas.openxmlformats.org/presentationml/2006/main">
+  <p:cSld>
+    <p:spTree>
+      <p:nvGrpSpPr>
+        <p:cNvPr id="1" name=""/>
+        <p:cNvGrpSpPr/>
+        <p:nvPr/>
+      </p:nvGrpSpPr>
+      <p:grpSpPr>
+        <a:xfrm>
+          <a:off x="0" y="0"/>
+          <a:ext cx="0" cy="0"/>
+          <a:chOff x="0" y="0"/>
+          <a:chExt cx="0" cy="0"/>
+        </a:xfrm>
+      </p:grpSpPr>
+      <p:sp>
+        <p:nvSpPr>
+          <p:cNvPr id="2" name="Title 1">
+            <a:extLst>
+              <a:ext uri="{FF2B5EF4-FFF2-40B4-BE49-F238E27FC236}">
+                <a16:creationId xmlns:a16="http://schemas.microsoft.com/office/drawing/2014/main" id="{48E3558D-E429-451F-B471-7993D5343EEC}"/>
+              </a:ext>
+            </a:extLst>
+          </p:cNvPr>
+          <p:cNvSpPr>
+            <a:spLocks noGrp="1"/>
+          </p:cNvSpPr>
+          <p:nvPr>
+            <p:ph type="title"/>
+          </p:nvPr>
+        </p:nvSpPr>
+        <p:spPr/>
+        <p:txBody>
+          <a:bodyPr>
+            <a:normAutofit/>
+          </a:bodyPr>
+          <a:lstStyle/>
+          <a:p>
+            <a:r>
+              <a:rPr lang="en-US" sz="2800" dirty="0"/>
+              <a:t>Part-I: From Monolithic to Microservice</a:t>
+            </a:r>
+            <a:br>
+              <a:rPr lang="en-US" sz="2800" dirty="0"/>
+            </a:br>
+            <a:r>
+              <a:rPr lang="en-US" dirty="0"/>
+              <a:t>Distributed Services (SOA)</a:t>
+            </a:r>
+          </a:p>
+        </p:txBody>
+      </p:sp>
+      <p:sp>
+        <p:nvSpPr>
+          <p:cNvPr id="13" name="Rectangle 12">
+            <a:extLst>
+              <a:ext uri="{FF2B5EF4-FFF2-40B4-BE49-F238E27FC236}">
+                <a16:creationId xmlns:a16="http://schemas.microsoft.com/office/drawing/2014/main" id="{3F755510-9A98-453F-B89E-712FB3AABCB4}"/>
+              </a:ext>
+            </a:extLst>
+          </p:cNvPr>
+          <p:cNvSpPr/>
+          <p:nvPr/>
+        </p:nvSpPr>
+        <p:spPr>
+          <a:xfrm>
+            <a:off x="1728629" y="3718895"/>
+            <a:ext cx="2343575" cy="1659466"/>
+          </a:xfrm>
+          <a:prstGeom prst="rect">
+            <a:avLst/>
+          </a:prstGeom>
+          <a:solidFill>
+            <a:schemeClr val="bg1">
+              <a:lumMod val="95000"/>
+            </a:schemeClr>
+          </a:solidFill>
+        </p:spPr>
+        <p:style>
+          <a:lnRef idx="2">
+            <a:schemeClr val="accent1">
+              <a:shade val="50000"/>
+            </a:schemeClr>
+          </a:lnRef>
+          <a:fillRef idx="1">
+            <a:schemeClr val="accent1"/>
+          </a:fillRef>
+          <a:effectRef idx="0">
+            <a:schemeClr val="accent1"/>
+          </a:effectRef>
+          <a:fontRef idx="minor">
+            <a:schemeClr val="lt1"/>
+          </a:fontRef>
+        </p:style>
+        <p:txBody>
+          <a:bodyPr rtlCol="0" anchor="t"/>
+          <a:lstStyle/>
+          <a:p>
+            <a:pPr algn="r"/>
+            <a:r>
+              <a:rPr lang="en-US" sz="1600" dirty="0">
+                <a:solidFill>
+                  <a:schemeClr val="tx1"/>
+                </a:solidFill>
+              </a:rPr>
+              <a:t>server/container</a:t>
+            </a:r>
+          </a:p>
+        </p:txBody>
+      </p:sp>
+      <p:sp>
+        <p:nvSpPr>
+          <p:cNvPr id="14" name="Rectangle 13">
+            <a:extLst>
+              <a:ext uri="{FF2B5EF4-FFF2-40B4-BE49-F238E27FC236}">
+                <a16:creationId xmlns:a16="http://schemas.microsoft.com/office/drawing/2014/main" id="{5C6F7845-E1A8-495E-A14E-F7384467FED9}"/>
+              </a:ext>
+            </a:extLst>
+          </p:cNvPr>
+          <p:cNvSpPr/>
+          <p:nvPr/>
+        </p:nvSpPr>
+        <p:spPr>
+          <a:xfrm>
+            <a:off x="2014833" y="4116056"/>
+            <a:ext cx="1786437" cy="439345"/>
+          </a:xfrm>
+          <a:prstGeom prst="rect">
+            <a:avLst/>
+          </a:prstGeom>
+        </p:spPr>
+        <p:style>
+          <a:lnRef idx="2">
+            <a:schemeClr val="accent4">
+              <a:shade val="50000"/>
+            </a:schemeClr>
+          </a:lnRef>
+          <a:fillRef idx="1">
+            <a:schemeClr val="accent4"/>
+          </a:fillRef>
+          <a:effectRef idx="0">
+            <a:schemeClr val="accent4"/>
+          </a:effectRef>
+          <a:fontRef idx="minor">
+            <a:schemeClr val="lt1"/>
+          </a:fontRef>
+        </p:style>
+        <p:txBody>
+          <a:bodyPr rtlCol="0" anchor="ctr"/>
+          <a:lstStyle/>
+          <a:p>
+            <a:pPr algn="ctr"/>
+            <a:r>
+              <a:rPr lang="en-US" dirty="0"/>
+              <a:t>Service - 1</a:t>
+            </a:r>
+          </a:p>
+        </p:txBody>
+      </p:sp>
+      <p:pic>
+        <p:nvPicPr>
+          <p:cNvPr id="15" name="Picture 6" descr="Image result for mongodb">
+            <a:extLst>
+              <a:ext uri="{FF2B5EF4-FFF2-40B4-BE49-F238E27FC236}">
+                <a16:creationId xmlns:a16="http://schemas.microsoft.com/office/drawing/2014/main" id="{7EA0B6CC-809E-41E3-B5D9-6F556DD11F30}"/>
+              </a:ext>
+            </a:extLst>
+          </p:cNvPr>
+          <p:cNvPicPr>
+            <a:picLocks noChangeAspect="1" noChangeArrowheads="1"/>
+          </p:cNvPicPr>
+          <p:nvPr/>
+        </p:nvPicPr>
+        <p:blipFill>
+          <a:blip r:embed="rId2">
+            <a:extLst>
+              <a:ext uri="{28A0092B-C50C-407E-A947-70E740481C1C}">
+                <a14:useLocalDpi xmlns:a14="http://schemas.microsoft.com/office/drawing/2010/main" val="0"/>
+              </a:ext>
+            </a:extLst>
+          </a:blip>
+          <a:srcRect/>
+          <a:stretch>
+            <a:fillRect/>
+          </a:stretch>
+        </p:blipFill>
+        <p:spPr bwMode="auto">
+          <a:xfrm>
+            <a:off x="2286427" y="4416778"/>
+            <a:ext cx="1100207" cy="1100207"/>
+          </a:xfrm>
+          <a:prstGeom prst="rect">
+            <a:avLst/>
+          </a:prstGeom>
+          <a:noFill/>
+          <a:extLst>
+            <a:ext uri="{909E8E84-426E-40DD-AFC4-6F175D3DCCD1}">
+              <a14:hiddenFill xmlns:a14="http://schemas.microsoft.com/office/drawing/2010/main">
+                <a:solidFill>
+                  <a:srgbClr val="FFFFFF"/>
+                </a:solidFill>
+              </a14:hiddenFill>
+            </a:ext>
+          </a:extLst>
+        </p:spPr>
+      </p:pic>
+      <p:sp>
+        <p:nvSpPr>
+          <p:cNvPr id="17" name="Rectangle 16">
+            <a:extLst>
+              <a:ext uri="{FF2B5EF4-FFF2-40B4-BE49-F238E27FC236}">
+                <a16:creationId xmlns:a16="http://schemas.microsoft.com/office/drawing/2014/main" id="{BF0734BD-A33F-4FF4-AF5F-ACE93DC46595}"/>
+              </a:ext>
+            </a:extLst>
+          </p:cNvPr>
+          <p:cNvSpPr/>
+          <p:nvPr/>
+        </p:nvSpPr>
+        <p:spPr>
+          <a:xfrm>
+            <a:off x="4433860" y="4833409"/>
+            <a:ext cx="2343575" cy="1659466"/>
+          </a:xfrm>
+          <a:prstGeom prst="rect">
+            <a:avLst/>
+          </a:prstGeom>
+          <a:solidFill>
+            <a:schemeClr val="bg1">
+              <a:lumMod val="95000"/>
+            </a:schemeClr>
+          </a:solidFill>
+        </p:spPr>
+        <p:style>
+          <a:lnRef idx="2">
+            <a:schemeClr val="accent1">
+              <a:shade val="50000"/>
+            </a:schemeClr>
+          </a:lnRef>
+          <a:fillRef idx="1">
+            <a:schemeClr val="accent1"/>
+          </a:fillRef>
+          <a:effectRef idx="0">
+            <a:schemeClr val="accent1"/>
+          </a:effectRef>
+          <a:fontRef idx="minor">
+            <a:schemeClr val="lt1"/>
+          </a:fontRef>
+        </p:style>
+        <p:txBody>
+          <a:bodyPr rtlCol="0" anchor="t"/>
+          <a:lstStyle/>
+          <a:p>
+            <a:pPr algn="r"/>
+            <a:r>
+              <a:rPr lang="en-US" sz="1600" dirty="0">
+                <a:solidFill>
+                  <a:schemeClr val="tx1"/>
+                </a:solidFill>
+              </a:rPr>
+              <a:t>server/container</a:t>
+            </a:r>
+          </a:p>
+        </p:txBody>
+      </p:sp>
+      <p:sp>
+        <p:nvSpPr>
+          <p:cNvPr id="18" name="Rectangle 17">
+            <a:extLst>
+              <a:ext uri="{FF2B5EF4-FFF2-40B4-BE49-F238E27FC236}">
+                <a16:creationId xmlns:a16="http://schemas.microsoft.com/office/drawing/2014/main" id="{CC72632A-47E2-4FF3-85E2-E69E12810E96}"/>
+              </a:ext>
+            </a:extLst>
+          </p:cNvPr>
+          <p:cNvSpPr/>
+          <p:nvPr/>
+        </p:nvSpPr>
+        <p:spPr>
+          <a:xfrm>
+            <a:off x="4720064" y="5230570"/>
+            <a:ext cx="1786437" cy="439345"/>
+          </a:xfrm>
+          <a:prstGeom prst="rect">
+            <a:avLst/>
+          </a:prstGeom>
+        </p:spPr>
+        <p:style>
+          <a:lnRef idx="2">
+            <a:schemeClr val="accent4">
+              <a:shade val="50000"/>
+            </a:schemeClr>
+          </a:lnRef>
+          <a:fillRef idx="1">
+            <a:schemeClr val="accent4"/>
+          </a:fillRef>
+          <a:effectRef idx="0">
+            <a:schemeClr val="accent4"/>
+          </a:effectRef>
+          <a:fontRef idx="minor">
+            <a:schemeClr val="lt1"/>
+          </a:fontRef>
+        </p:style>
+        <p:txBody>
+          <a:bodyPr rtlCol="0" anchor="ctr"/>
+          <a:lstStyle/>
+          <a:p>
+            <a:pPr algn="ctr"/>
+            <a:r>
+              <a:rPr lang="en-US" dirty="0"/>
+              <a:t>Service - 2</a:t>
+            </a:r>
+          </a:p>
+        </p:txBody>
+      </p:sp>
+      <p:pic>
+        <p:nvPicPr>
+          <p:cNvPr id="20" name="Picture 4" descr="Image result for sql server">
+            <a:extLst>
+              <a:ext uri="{FF2B5EF4-FFF2-40B4-BE49-F238E27FC236}">
+                <a16:creationId xmlns:a16="http://schemas.microsoft.com/office/drawing/2014/main" id="{5F8376D6-B2A4-4263-9C2F-653DA8D3C482}"/>
+              </a:ext>
+            </a:extLst>
+          </p:cNvPr>
+          <p:cNvPicPr>
+            <a:picLocks noChangeAspect="1" noChangeArrowheads="1"/>
+          </p:cNvPicPr>
+          <p:nvPr/>
+        </p:nvPicPr>
+        <p:blipFill>
+          <a:blip r:embed="rId3">
+            <a:extLst>
+              <a:ext uri="{28A0092B-C50C-407E-A947-70E740481C1C}">
+                <a14:useLocalDpi xmlns:a14="http://schemas.microsoft.com/office/drawing/2010/main" val="0"/>
+              </a:ext>
+            </a:extLst>
+          </a:blip>
+          <a:srcRect/>
+          <a:stretch>
+            <a:fillRect/>
+          </a:stretch>
+        </p:blipFill>
+        <p:spPr bwMode="auto">
+          <a:xfrm>
+            <a:off x="5169290" y="5708160"/>
+            <a:ext cx="887984" cy="717831"/>
+          </a:xfrm>
+          <a:prstGeom prst="rect">
+            <a:avLst/>
+          </a:prstGeom>
+          <a:noFill/>
+          <a:extLst>
+            <a:ext uri="{909E8E84-426E-40DD-AFC4-6F175D3DCCD1}">
+              <a14:hiddenFill xmlns:a14="http://schemas.microsoft.com/office/drawing/2010/main">
+                <a:solidFill>
+                  <a:srgbClr val="FFFFFF"/>
+                </a:solidFill>
+              </a14:hiddenFill>
+            </a:ext>
+          </a:extLst>
+        </p:spPr>
+      </p:pic>
+      <p:sp>
+        <p:nvSpPr>
+          <p:cNvPr id="21" name="Rectangle 20">
+            <a:extLst>
+              <a:ext uri="{FF2B5EF4-FFF2-40B4-BE49-F238E27FC236}">
+                <a16:creationId xmlns:a16="http://schemas.microsoft.com/office/drawing/2014/main" id="{22EADF1B-0719-4991-ACF6-ECF84344B693}"/>
+              </a:ext>
+            </a:extLst>
+          </p:cNvPr>
+          <p:cNvSpPr/>
+          <p:nvPr/>
+        </p:nvSpPr>
+        <p:spPr>
+          <a:xfrm>
+            <a:off x="7139091" y="3718895"/>
+            <a:ext cx="2343575" cy="1659466"/>
+          </a:xfrm>
+          <a:prstGeom prst="rect">
+            <a:avLst/>
+          </a:prstGeom>
+          <a:solidFill>
+            <a:schemeClr val="bg1">
+              <a:lumMod val="95000"/>
+            </a:schemeClr>
+          </a:solidFill>
+        </p:spPr>
+        <p:style>
+          <a:lnRef idx="2">
+            <a:schemeClr val="accent1">
+              <a:shade val="50000"/>
+            </a:schemeClr>
+          </a:lnRef>
+          <a:fillRef idx="1">
+            <a:schemeClr val="accent1"/>
+          </a:fillRef>
+          <a:effectRef idx="0">
+            <a:schemeClr val="accent1"/>
+          </a:effectRef>
+          <a:fontRef idx="minor">
+            <a:schemeClr val="lt1"/>
+          </a:fontRef>
+        </p:style>
+        <p:txBody>
+          <a:bodyPr rtlCol="0" anchor="t"/>
+          <a:lstStyle/>
+          <a:p>
+            <a:pPr algn="r"/>
+            <a:r>
+              <a:rPr lang="en-US" sz="1600" dirty="0">
+                <a:solidFill>
+                  <a:schemeClr val="tx1"/>
+                </a:solidFill>
+              </a:rPr>
+              <a:t>server/container</a:t>
+            </a:r>
+          </a:p>
+        </p:txBody>
+      </p:sp>
+      <p:sp>
+        <p:nvSpPr>
+          <p:cNvPr id="22" name="Rectangle 21">
+            <a:extLst>
+              <a:ext uri="{FF2B5EF4-FFF2-40B4-BE49-F238E27FC236}">
+                <a16:creationId xmlns:a16="http://schemas.microsoft.com/office/drawing/2014/main" id="{B1258071-9FDE-4694-B0E5-F20C461CD13C}"/>
+              </a:ext>
+            </a:extLst>
+          </p:cNvPr>
+          <p:cNvSpPr/>
+          <p:nvPr/>
+        </p:nvSpPr>
+        <p:spPr>
+          <a:xfrm>
+            <a:off x="7425295" y="4116056"/>
+            <a:ext cx="1786437" cy="439345"/>
+          </a:xfrm>
+          <a:prstGeom prst="rect">
+            <a:avLst/>
+          </a:prstGeom>
+        </p:spPr>
+        <p:style>
+          <a:lnRef idx="2">
+            <a:schemeClr val="accent4">
+              <a:shade val="50000"/>
+            </a:schemeClr>
+          </a:lnRef>
+          <a:fillRef idx="1">
+            <a:schemeClr val="accent4"/>
+          </a:fillRef>
+          <a:effectRef idx="0">
+            <a:schemeClr val="accent4"/>
+          </a:effectRef>
+          <a:fontRef idx="minor">
+            <a:schemeClr val="lt1"/>
+          </a:fontRef>
+        </p:style>
+        <p:txBody>
+          <a:bodyPr rtlCol="0" anchor="ctr"/>
+          <a:lstStyle/>
+          <a:p>
+            <a:pPr algn="ctr"/>
+            <a:r>
+              <a:rPr lang="en-US" dirty="0"/>
+              <a:t>Service - 3</a:t>
+            </a:r>
+          </a:p>
+        </p:txBody>
+      </p:sp>
+      <p:pic>
+        <p:nvPicPr>
+          <p:cNvPr id="24" name="Picture 8" descr="Image result for elasticsearch">
+            <a:extLst>
+              <a:ext uri="{FF2B5EF4-FFF2-40B4-BE49-F238E27FC236}">
+                <a16:creationId xmlns:a16="http://schemas.microsoft.com/office/drawing/2014/main" id="{74DE4493-2EAD-45DF-864B-CC08435F34C0}"/>
+              </a:ext>
+            </a:extLst>
+          </p:cNvPr>
+          <p:cNvPicPr>
+            <a:picLocks noChangeAspect="1" noChangeArrowheads="1"/>
+          </p:cNvPicPr>
+          <p:nvPr/>
+        </p:nvPicPr>
+        <p:blipFill>
+          <a:blip r:embed="rId4">
+            <a:extLst>
+              <a:ext uri="{28A0092B-C50C-407E-A947-70E740481C1C}">
+                <a14:useLocalDpi xmlns:a14="http://schemas.microsoft.com/office/drawing/2010/main" val="0"/>
+              </a:ext>
+            </a:extLst>
+          </a:blip>
+          <a:srcRect/>
+          <a:stretch>
+            <a:fillRect/>
+          </a:stretch>
+        </p:blipFill>
+        <p:spPr bwMode="auto">
+          <a:xfrm>
+            <a:off x="7518923" y="4877468"/>
+            <a:ext cx="1601666" cy="391597"/>
+          </a:xfrm>
+          <a:prstGeom prst="rect">
+            <a:avLst/>
+          </a:prstGeom>
+          <a:noFill/>
+          <a:extLst>
+            <a:ext uri="{909E8E84-426E-40DD-AFC4-6F175D3DCCD1}">
+              <a14:hiddenFill xmlns:a14="http://schemas.microsoft.com/office/drawing/2010/main">
+                <a:solidFill>
+                  <a:srgbClr val="FFFFFF"/>
+                </a:solidFill>
+              </a14:hiddenFill>
+            </a:ext>
+          </a:extLst>
+        </p:spPr>
+      </p:pic>
+      <p:sp>
+        <p:nvSpPr>
+          <p:cNvPr id="25" name="Rectangle 24">
+            <a:extLst>
+              <a:ext uri="{FF2B5EF4-FFF2-40B4-BE49-F238E27FC236}">
+                <a16:creationId xmlns:a16="http://schemas.microsoft.com/office/drawing/2014/main" id="{7EB663C4-A0B6-48C9-938B-B96228081D1D}"/>
+              </a:ext>
+            </a:extLst>
+          </p:cNvPr>
+          <p:cNvSpPr/>
+          <p:nvPr/>
+        </p:nvSpPr>
+        <p:spPr>
+          <a:xfrm>
+            <a:off x="2449371" y="1838390"/>
+            <a:ext cx="2703797" cy="498917"/>
+          </a:xfrm>
+          <a:prstGeom prst="rect">
+            <a:avLst/>
+          </a:prstGeom>
+        </p:spPr>
+        <p:style>
+          <a:lnRef idx="2">
+            <a:schemeClr val="accent1">
+              <a:shade val="50000"/>
+            </a:schemeClr>
+          </a:lnRef>
+          <a:fillRef idx="1">
+            <a:schemeClr val="accent1"/>
+          </a:fillRef>
+          <a:effectRef idx="0">
+            <a:schemeClr val="accent1"/>
+          </a:effectRef>
+          <a:fontRef idx="minor">
+            <a:schemeClr val="lt1"/>
+          </a:fontRef>
+        </p:style>
+        <p:txBody>
+          <a:bodyPr rtlCol="0" anchor="ctr"/>
+          <a:lstStyle/>
+          <a:p>
+            <a:pPr algn="ctr"/>
+            <a:r>
+              <a:rPr lang="en-US" dirty="0"/>
+              <a:t>Web Application</a:t>
+            </a:r>
+          </a:p>
+        </p:txBody>
+      </p:sp>
+      <p:sp>
+        <p:nvSpPr>
+          <p:cNvPr id="26" name="Rectangle 25">
+            <a:extLst>
+              <a:ext uri="{FF2B5EF4-FFF2-40B4-BE49-F238E27FC236}">
+                <a16:creationId xmlns:a16="http://schemas.microsoft.com/office/drawing/2014/main" id="{C835FDB3-3634-4B7D-9E2C-CB1CFF5133B4}"/>
+              </a:ext>
+            </a:extLst>
+          </p:cNvPr>
+          <p:cNvSpPr/>
+          <p:nvPr/>
+        </p:nvSpPr>
+        <p:spPr>
+          <a:xfrm>
+            <a:off x="5686935" y="1837586"/>
+            <a:ext cx="2703797" cy="498917"/>
+          </a:xfrm>
+          <a:prstGeom prst="rect">
+            <a:avLst/>
+          </a:prstGeom>
+        </p:spPr>
+        <p:style>
+          <a:lnRef idx="2">
+            <a:schemeClr val="accent2">
+              <a:shade val="50000"/>
+            </a:schemeClr>
+          </a:lnRef>
+          <a:fillRef idx="1">
+            <a:schemeClr val="accent2"/>
+          </a:fillRef>
+          <a:effectRef idx="0">
+            <a:schemeClr val="accent2"/>
+          </a:effectRef>
+          <a:fontRef idx="minor">
+            <a:schemeClr val="lt1"/>
+          </a:fontRef>
+        </p:style>
+        <p:txBody>
+          <a:bodyPr rtlCol="0" anchor="ctr"/>
+          <a:lstStyle/>
+          <a:p>
+            <a:pPr algn="ctr"/>
+            <a:r>
+              <a:rPr lang="en-US" dirty="0"/>
+              <a:t>3</a:t>
+            </a:r>
+            <a:r>
+              <a:rPr lang="en-US" baseline="30000" dirty="0"/>
+              <a:t>rd</a:t>
+            </a:r>
+            <a:r>
+              <a:rPr lang="en-US" dirty="0"/>
+              <a:t>-Party Clients</a:t>
+            </a:r>
+          </a:p>
+        </p:txBody>
+      </p:sp>
+      <p:sp>
+        <p:nvSpPr>
+          <p:cNvPr id="27" name="Rectangle 26">
+            <a:extLst>
+              <a:ext uri="{FF2B5EF4-FFF2-40B4-BE49-F238E27FC236}">
+                <a16:creationId xmlns:a16="http://schemas.microsoft.com/office/drawing/2014/main" id="{50CFF1EC-3B7C-4655-A7D0-8FBCA51BC9D8}"/>
+              </a:ext>
+            </a:extLst>
+          </p:cNvPr>
+          <p:cNvSpPr/>
+          <p:nvPr/>
+        </p:nvSpPr>
+        <p:spPr>
+          <a:xfrm>
+            <a:off x="1178560" y="3293096"/>
+            <a:ext cx="8778240" cy="3453144"/>
+          </a:xfrm>
+          <a:prstGeom prst="rect">
+            <a:avLst/>
+          </a:prstGeom>
+          <a:noFill/>
+          <a:ln>
+            <a:prstDash val="lgDash"/>
+          </a:ln>
+        </p:spPr>
+        <p:style>
+          <a:lnRef idx="2">
+            <a:schemeClr val="accent1">
+              <a:shade val="50000"/>
+            </a:schemeClr>
+          </a:lnRef>
+          <a:fillRef idx="1">
+            <a:schemeClr val="accent1"/>
+          </a:fillRef>
+          <a:effectRef idx="0">
+            <a:schemeClr val="accent1"/>
+          </a:effectRef>
+          <a:fontRef idx="minor">
+            <a:schemeClr val="lt1"/>
+          </a:fontRef>
+        </p:style>
+        <p:txBody>
+          <a:bodyPr rtlCol="0" anchor="ctr"/>
+          <a:lstStyle/>
+          <a:p>
+            <a:pPr algn="ctr"/>
+            <a:endParaRPr lang="en-US"/>
+          </a:p>
+        </p:txBody>
+      </p:sp>
+      <p:cxnSp>
+        <p:nvCxnSpPr>
+          <p:cNvPr id="29" name="Straight Arrow Connector 28">
+            <a:extLst>
+              <a:ext uri="{FF2B5EF4-FFF2-40B4-BE49-F238E27FC236}">
+                <a16:creationId xmlns:a16="http://schemas.microsoft.com/office/drawing/2014/main" id="{9D5874F2-55EF-4275-ABD6-147C58CB1903}"/>
+              </a:ext>
+            </a:extLst>
+          </p:cNvPr>
+          <p:cNvCxnSpPr>
+            <a:stCxn id="25" idx="2"/>
+          </p:cNvCxnSpPr>
+          <p:nvPr/>
+        </p:nvCxnSpPr>
+        <p:spPr>
+          <a:xfrm>
+            <a:off x="3801270" y="2337307"/>
+            <a:ext cx="0" cy="955789"/>
+          </a:xfrm>
+          <a:prstGeom prst="straightConnector1">
+            <a:avLst/>
+          </a:prstGeom>
+          <a:ln w="25400">
+            <a:tailEnd type="triangle"/>
+          </a:ln>
+        </p:spPr>
+        <p:style>
+          <a:lnRef idx="1">
+            <a:schemeClr val="accent1"/>
+          </a:lnRef>
+          <a:fillRef idx="0">
+            <a:schemeClr val="accent1"/>
+          </a:fillRef>
+          <a:effectRef idx="0">
+            <a:schemeClr val="accent1"/>
+          </a:effectRef>
+          <a:fontRef idx="minor">
+            <a:schemeClr val="tx1"/>
+          </a:fontRef>
+        </p:style>
+      </p:cxnSp>
+      <p:cxnSp>
+        <p:nvCxnSpPr>
+          <p:cNvPr id="31" name="Straight Arrow Connector 30">
+            <a:extLst>
+              <a:ext uri="{FF2B5EF4-FFF2-40B4-BE49-F238E27FC236}">
+                <a16:creationId xmlns:a16="http://schemas.microsoft.com/office/drawing/2014/main" id="{E2CD8CC6-8310-4D9C-821B-BAB5F7079BF5}"/>
+              </a:ext>
+            </a:extLst>
+          </p:cNvPr>
+          <p:cNvCxnSpPr>
+            <a:stCxn id="26" idx="2"/>
+          </p:cNvCxnSpPr>
+          <p:nvPr/>
+        </p:nvCxnSpPr>
+        <p:spPr>
+          <a:xfrm flipH="1">
+            <a:off x="7030720" y="2336503"/>
+            <a:ext cx="8114" cy="956593"/>
+          </a:xfrm>
+          <a:prstGeom prst="straightConnector1">
+            <a:avLst/>
+          </a:prstGeom>
+          <a:ln w="25400">
+            <a:tailEnd type="triangle"/>
+          </a:ln>
+        </p:spPr>
+        <p:style>
+          <a:lnRef idx="1">
+            <a:schemeClr val="accent1"/>
+          </a:lnRef>
+          <a:fillRef idx="0">
+            <a:schemeClr val="accent1"/>
+          </a:fillRef>
+          <a:effectRef idx="0">
+            <a:schemeClr val="accent1"/>
+          </a:effectRef>
+          <a:fontRef idx="minor">
+            <a:schemeClr val="tx1"/>
+          </a:fontRef>
+        </p:style>
+      </p:cxnSp>
+      <p:cxnSp>
+        <p:nvCxnSpPr>
+          <p:cNvPr id="35" name="Straight Arrow Connector 34">
+            <a:extLst>
+              <a:ext uri="{FF2B5EF4-FFF2-40B4-BE49-F238E27FC236}">
+                <a16:creationId xmlns:a16="http://schemas.microsoft.com/office/drawing/2014/main" id="{D4159289-E983-4013-A551-1F0745C56693}"/>
+              </a:ext>
+            </a:extLst>
+          </p:cNvPr>
+          <p:cNvCxnSpPr>
+            <a:stCxn id="21" idx="2"/>
+            <a:endCxn id="17" idx="3"/>
+          </p:cNvCxnSpPr>
+          <p:nvPr/>
+        </p:nvCxnSpPr>
+        <p:spPr>
+          <a:xfrm flipH="1">
+            <a:off x="6777435" y="5378361"/>
+            <a:ext cx="1533444" cy="284781"/>
+          </a:xfrm>
+          <a:prstGeom prst="straightConnector1">
+            <a:avLst/>
+          </a:prstGeom>
+          <a:ln w="25400">
+            <a:tailEnd type="triangle"/>
+          </a:ln>
+        </p:spPr>
+        <p:style>
+          <a:lnRef idx="1">
+            <a:schemeClr val="accent1"/>
+          </a:lnRef>
+          <a:fillRef idx="0">
+            <a:schemeClr val="accent1"/>
+          </a:fillRef>
+          <a:effectRef idx="0">
+            <a:schemeClr val="accent1"/>
+          </a:effectRef>
+          <a:fontRef idx="minor">
+            <a:schemeClr val="tx1"/>
+          </a:fontRef>
+        </p:style>
+      </p:cxnSp>
+      <p:cxnSp>
+        <p:nvCxnSpPr>
+          <p:cNvPr id="37" name="Straight Arrow Connector 36">
+            <a:extLst>
+              <a:ext uri="{FF2B5EF4-FFF2-40B4-BE49-F238E27FC236}">
+                <a16:creationId xmlns:a16="http://schemas.microsoft.com/office/drawing/2014/main" id="{4ABC367A-5E44-4CDD-9AE9-DF1ADBA1A16D}"/>
+              </a:ext>
+            </a:extLst>
+          </p:cNvPr>
+          <p:cNvCxnSpPr>
+            <a:endCxn id="17" idx="1"/>
+          </p:cNvCxnSpPr>
+          <p:nvPr/>
+        </p:nvCxnSpPr>
+        <p:spPr>
+          <a:xfrm>
+            <a:off x="2858347" y="5378361"/>
+            <a:ext cx="1575513" cy="284781"/>
+          </a:xfrm>
+          <a:prstGeom prst="straightConnector1">
+            <a:avLst/>
+          </a:prstGeom>
+          <a:ln w="25400">
+            <a:tailEnd type="triangle"/>
+          </a:ln>
+        </p:spPr>
+        <p:style>
+          <a:lnRef idx="1">
+            <a:schemeClr val="accent1"/>
+          </a:lnRef>
+          <a:fillRef idx="0">
+            <a:schemeClr val="accent1"/>
+          </a:fillRef>
+          <a:effectRef idx="0">
+            <a:schemeClr val="accent1"/>
+          </a:effectRef>
+          <a:fontRef idx="minor">
+            <a:schemeClr val="tx1"/>
+          </a:fontRef>
+        </p:style>
+      </p:cxnSp>
+    </p:spTree>
+    <p:extLst>
+      <p:ext uri="{BB962C8B-B14F-4D97-AF65-F5344CB8AC3E}">
+        <p14:creationId xmlns:p14="http://schemas.microsoft.com/office/powerpoint/2010/main" val="3245242014"/>
+      </p:ext>
+    </p:extLst>
+  </p:cSld>
+  <p:clrMapOvr>
+    <a:masterClrMapping/>
+  </p:clrMapOvr>
+</p:sld>
+</file>
+
+<file path=ppt/slides/slide16.xml><?xml version="1.0" encoding="utf-8"?>
+<p:sld xmlns:a="http://schemas.openxmlformats.org/drawingml/2006/main" xmlns:r="http://schemas.openxmlformats.org/officeDocument/2006/relationships" xmlns:p="http://schemas.openxmlformats.org/presentationml/2006/main">
+  <p:cSld>
+    <p:spTree>
+      <p:nvGrpSpPr>
+        <p:cNvPr id="1" name=""/>
+        <p:cNvGrpSpPr/>
+        <p:nvPr/>
+      </p:nvGrpSpPr>
+      <p:grpSpPr>
+        <a:xfrm>
+          <a:off x="0" y="0"/>
+          <a:ext cx="0" cy="0"/>
+          <a:chOff x="0" y="0"/>
+          <a:chExt cx="0" cy="0"/>
+        </a:xfrm>
+      </p:grpSpPr>
+      <p:sp>
+        <p:nvSpPr>
+          <p:cNvPr id="2" name="Title 1">
+            <a:extLst>
+              <a:ext uri="{FF2B5EF4-FFF2-40B4-BE49-F238E27FC236}">
+                <a16:creationId xmlns:a16="http://schemas.microsoft.com/office/drawing/2014/main" id="{B165E82E-6576-469D-8FA3-8A2C0EAEEBBD}"/>
+              </a:ext>
+            </a:extLst>
+          </p:cNvPr>
+          <p:cNvSpPr>
+            <a:spLocks noGrp="1"/>
+          </p:cNvSpPr>
+          <p:nvPr>
+            <p:ph type="title"/>
+          </p:nvPr>
+        </p:nvSpPr>
+        <p:spPr>
+          <a:xfrm>
+            <a:off x="838200" y="365125"/>
+            <a:ext cx="10515600" cy="1325563"/>
+          </a:xfrm>
+        </p:spPr>
+        <p:txBody>
+          <a:bodyPr>
+            <a:normAutofit/>
+          </a:bodyPr>
+          <a:lstStyle/>
+          <a:p>
+            <a:r>
+              <a:rPr lang="en-US" sz="2800" dirty="0"/>
+              <a:t>Part-I: From Monolithic to Microservice</a:t>
+            </a:r>
+            <a:br>
+              <a:rPr lang="en-US" sz="2800" dirty="0"/>
+            </a:br>
+            <a:r>
+              <a:rPr lang="en-US" dirty="0"/>
+              <a:t>Modular Application / Separated Databases</a:t>
+            </a:r>
+          </a:p>
+        </p:txBody>
+      </p:sp>
+      <p:sp>
+        <p:nvSpPr>
+          <p:cNvPr id="27" name="Content Placeholder 2">
+            <a:extLst>
+              <a:ext uri="{FF2B5EF4-FFF2-40B4-BE49-F238E27FC236}">
+                <a16:creationId xmlns:a16="http://schemas.microsoft.com/office/drawing/2014/main" id="{1268FF52-F319-48DA-85C3-426930A67E14}"/>
+              </a:ext>
+            </a:extLst>
+          </p:cNvPr>
+          <p:cNvSpPr>
+            <a:spLocks noGrp="1"/>
+          </p:cNvSpPr>
+          <p:nvPr>
+            <p:ph idx="1"/>
+          </p:nvPr>
+        </p:nvSpPr>
+        <p:spPr>
+          <a:xfrm>
+            <a:off x="838199" y="1825625"/>
+            <a:ext cx="5257801" cy="4351338"/>
+          </a:xfrm>
+        </p:spPr>
+        <p:txBody>
+          <a:bodyPr>
+            <a:normAutofit/>
+          </a:bodyPr>
+          <a:lstStyle/>
+          <a:p>
+            <a:pPr marL="0" indent="0">
+              <a:buNone/>
+            </a:pPr>
+            <a:r>
+              <a:rPr lang="en-US" sz="2400" u="sng" dirty="0"/>
+              <a:t>Benefits</a:t>
+            </a:r>
+          </a:p>
+          <a:p>
+            <a:r>
+              <a:rPr lang="en-US" sz="2200" b="1" dirty="0"/>
+              <a:t>Better Scalability</a:t>
+            </a:r>
+          </a:p>
+          <a:p>
+            <a:pPr lvl="1"/>
+            <a:r>
+              <a:rPr lang="en-US" sz="1800" dirty="0"/>
+              <a:t>Each service gets </a:t>
+            </a:r>
+            <a:r>
+              <a:rPr lang="en-US" sz="1800" b="1" dirty="0"/>
+              <a:t>less load</a:t>
+            </a:r>
+            <a:endParaRPr lang="en-US" sz="1800" dirty="0"/>
+          </a:p>
+          <a:p>
+            <a:pPr lvl="1"/>
+            <a:r>
+              <a:rPr lang="en-US" sz="1800" dirty="0"/>
+              <a:t>Each service can be </a:t>
+            </a:r>
+            <a:r>
+              <a:rPr lang="en-US" sz="1800" b="1" dirty="0"/>
+              <a:t>scaled independently</a:t>
+            </a:r>
+          </a:p>
+          <a:p>
+            <a:r>
+              <a:rPr lang="en-US" sz="2200" dirty="0"/>
+              <a:t>A service can be separately </a:t>
+            </a:r>
+            <a:r>
+              <a:rPr lang="en-US" sz="2200" b="1" dirty="0"/>
+              <a:t>developed</a:t>
+            </a:r>
+            <a:r>
+              <a:rPr lang="en-US" sz="2200" dirty="0"/>
+              <a:t>, </a:t>
+            </a:r>
+            <a:r>
+              <a:rPr lang="en-US" sz="2200" b="1" dirty="0"/>
+              <a:t>versioned</a:t>
+            </a:r>
+            <a:r>
+              <a:rPr lang="en-US" sz="2200" dirty="0"/>
+              <a:t> and </a:t>
+            </a:r>
+            <a:r>
+              <a:rPr lang="en-US" sz="2200" b="1" dirty="0"/>
+              <a:t>deployed</a:t>
+            </a:r>
+            <a:r>
+              <a:rPr lang="en-US" sz="2200" dirty="0"/>
+              <a:t>.</a:t>
+            </a:r>
+          </a:p>
+          <a:p>
+            <a:r>
+              <a:rPr lang="en-US" sz="2200" dirty="0"/>
+              <a:t>Every service can be developed using a </a:t>
+            </a:r>
+            <a:r>
+              <a:rPr lang="en-US" sz="2200" b="1" dirty="0"/>
+              <a:t>different technology</a:t>
+            </a:r>
+            <a:r>
+              <a:rPr lang="en-US" sz="2200" dirty="0"/>
+              <a:t>/platform/language as long as they use </a:t>
+            </a:r>
+            <a:r>
+              <a:rPr lang="en-US" sz="2200" b="1" dirty="0"/>
+              <a:t>standard communication protocols</a:t>
+            </a:r>
+            <a:r>
+              <a:rPr lang="en-US" sz="2200" dirty="0"/>
+              <a:t> (like TCP sockets, REST or </a:t>
+            </a:r>
+            <a:r>
+              <a:rPr lang="en-US" sz="2200" dirty="0" err="1"/>
+              <a:t>GraphQL</a:t>
+            </a:r>
+            <a:r>
+              <a:rPr lang="en-US" sz="2200" dirty="0"/>
+              <a:t>). </a:t>
+            </a:r>
+          </a:p>
+        </p:txBody>
+      </p:sp>
+      <p:pic>
+        <p:nvPicPr>
+          <p:cNvPr id="4" name="Picture 3">
+            <a:extLst>
+              <a:ext uri="{FF2B5EF4-FFF2-40B4-BE49-F238E27FC236}">
+                <a16:creationId xmlns:a16="http://schemas.microsoft.com/office/drawing/2014/main" id="{E127633F-3ECD-4941-8799-37C13B774AF8}"/>
+              </a:ext>
+            </a:extLst>
+          </p:cNvPr>
+          <p:cNvPicPr>
+            <a:picLocks noChangeAspect="1"/>
+          </p:cNvPicPr>
+          <p:nvPr/>
+        </p:nvPicPr>
+        <p:blipFill>
+          <a:blip r:embed="rId2"/>
+          <a:stretch>
+            <a:fillRect/>
+          </a:stretch>
+        </p:blipFill>
+        <p:spPr>
+          <a:xfrm>
+            <a:off x="7067923" y="2323253"/>
+            <a:ext cx="4778636" cy="2722880"/>
+          </a:xfrm>
+          <a:prstGeom prst="rect">
+            <a:avLst/>
+          </a:prstGeom>
+        </p:spPr>
+      </p:pic>
+    </p:spTree>
+    <p:extLst>
+      <p:ext uri="{BB962C8B-B14F-4D97-AF65-F5344CB8AC3E}">
+        <p14:creationId xmlns:p14="http://schemas.microsoft.com/office/powerpoint/2010/main" val="1247376322"/>
+      </p:ext>
+    </p:extLst>
+  </p:cSld>
+  <p:clrMapOvr>
+    <a:masterClrMapping/>
+  </p:clrMapOvr>
+</p:sld>
+</file>
+
+<file path=ppt/slides/slide17.xml><?xml version="1.0" encoding="utf-8"?>
+<p:sld xmlns:a="http://schemas.openxmlformats.org/drawingml/2006/main" xmlns:r="http://schemas.openxmlformats.org/officeDocument/2006/relationships" xmlns:p="http://schemas.openxmlformats.org/presentationml/2006/main">
+  <p:cSld>
+    <p:spTree>
+      <p:nvGrpSpPr>
+        <p:cNvPr id="1" name=""/>
+        <p:cNvGrpSpPr/>
+        <p:nvPr/>
+      </p:nvGrpSpPr>
+      <p:grpSpPr>
+        <a:xfrm>
+          <a:off x="0" y="0"/>
+          <a:ext cx="0" cy="0"/>
+          <a:chOff x="0" y="0"/>
+          <a:chExt cx="0" cy="0"/>
+        </a:xfrm>
+      </p:grpSpPr>
+      <p:sp>
+        <p:nvSpPr>
+          <p:cNvPr id="2" name="Title 1">
+            <a:extLst>
+              <a:ext uri="{FF2B5EF4-FFF2-40B4-BE49-F238E27FC236}">
+                <a16:creationId xmlns:a16="http://schemas.microsoft.com/office/drawing/2014/main" id="{B165E82E-6576-469D-8FA3-8A2C0EAEEBBD}"/>
+              </a:ext>
+            </a:extLst>
+          </p:cNvPr>
+          <p:cNvSpPr>
+            <a:spLocks noGrp="1"/>
+          </p:cNvSpPr>
+          <p:nvPr>
+            <p:ph type="title"/>
+          </p:nvPr>
+        </p:nvSpPr>
+        <p:spPr>
+          <a:xfrm>
+            <a:off x="838200" y="365125"/>
+            <a:ext cx="10515600" cy="1325563"/>
+          </a:xfrm>
+        </p:spPr>
+        <p:txBody>
+          <a:bodyPr>
+            <a:normAutofit/>
+          </a:bodyPr>
+          <a:lstStyle/>
+          <a:p>
+            <a:r>
+              <a:rPr lang="en-US" sz="2800" dirty="0"/>
+              <a:t>Part-I: From Monolithic to Microservice</a:t>
+            </a:r>
+            <a:br>
+              <a:rPr lang="en-US" sz="2800" dirty="0"/>
+            </a:br>
+            <a:r>
+              <a:rPr lang="en-US" dirty="0"/>
+              <a:t>Modular Application / Separated Databases</a:t>
+            </a:r>
+          </a:p>
+        </p:txBody>
+      </p:sp>
+      <p:sp>
+        <p:nvSpPr>
+          <p:cNvPr id="27" name="Content Placeholder 2">
+            <a:extLst>
+              <a:ext uri="{FF2B5EF4-FFF2-40B4-BE49-F238E27FC236}">
+                <a16:creationId xmlns:a16="http://schemas.microsoft.com/office/drawing/2014/main" id="{1268FF52-F319-48DA-85C3-426930A67E14}"/>
+              </a:ext>
+            </a:extLst>
+          </p:cNvPr>
+          <p:cNvSpPr>
+            <a:spLocks noGrp="1"/>
+          </p:cNvSpPr>
+          <p:nvPr>
+            <p:ph idx="1"/>
+          </p:nvPr>
+        </p:nvSpPr>
+        <p:spPr>
+          <a:xfrm>
+            <a:off x="838199" y="1825625"/>
+            <a:ext cx="5257801" cy="4351338"/>
+          </a:xfrm>
+        </p:spPr>
+        <p:txBody>
+          <a:bodyPr>
+            <a:normAutofit/>
+          </a:bodyPr>
+          <a:lstStyle/>
+          <a:p>
+            <a:pPr marL="0" indent="0">
+              <a:buNone/>
+            </a:pPr>
+            <a:r>
+              <a:rPr lang="en-US" sz="2400" u="sng" dirty="0"/>
+              <a:t>Challenges</a:t>
+            </a:r>
+          </a:p>
+          <a:p>
+            <a:r>
+              <a:rPr lang="en-US" sz="2400" dirty="0"/>
+              <a:t>Complexity of service-to-service communication</a:t>
+            </a:r>
+          </a:p>
+          <a:p>
+            <a:pPr lvl="1"/>
+            <a:r>
+              <a:rPr lang="en-US" sz="2000" dirty="0"/>
+              <a:t>Network delays</a:t>
+            </a:r>
+          </a:p>
+          <a:p>
+            <a:pPr lvl="1"/>
+            <a:r>
+              <a:rPr lang="en-US" sz="2000" dirty="0"/>
+              <a:t>Security</a:t>
+            </a:r>
+          </a:p>
+          <a:p>
+            <a:pPr lvl="1"/>
+            <a:r>
+              <a:rPr lang="en-US" sz="2000" dirty="0"/>
+              <a:t>Service downs</a:t>
+            </a:r>
+          </a:p>
+          <a:p>
+            <a:pPr lvl="1"/>
+            <a:r>
+              <a:rPr lang="en-US" sz="2000" dirty="0"/>
+              <a:t>Bottlenecks</a:t>
+            </a:r>
+          </a:p>
+          <a:p>
+            <a:r>
+              <a:rPr lang="en-US" sz="2400" dirty="0"/>
+              <a:t>Multiple endpoints for clients?</a:t>
+            </a:r>
+          </a:p>
+          <a:p>
+            <a:r>
+              <a:rPr lang="en-US" sz="2400" dirty="0"/>
+              <a:t>Centralized logging</a:t>
+            </a:r>
+          </a:p>
+          <a:p>
+            <a:r>
+              <a:rPr lang="en-US" sz="2400" dirty="0"/>
+              <a:t>Code share may </a:t>
+            </a:r>
+            <a:r>
+              <a:rPr lang="en-US" sz="2400"/>
+              <a:t>not be possible </a:t>
+            </a:r>
+            <a:r>
+              <a:rPr lang="en-US" sz="2400" dirty="0"/>
+              <a:t>if you use different platforms</a:t>
+            </a:r>
+          </a:p>
+        </p:txBody>
+      </p:sp>
+      <p:pic>
+        <p:nvPicPr>
+          <p:cNvPr id="4" name="Picture 3">
+            <a:extLst>
+              <a:ext uri="{FF2B5EF4-FFF2-40B4-BE49-F238E27FC236}">
+                <a16:creationId xmlns:a16="http://schemas.microsoft.com/office/drawing/2014/main" id="{E127633F-3ECD-4941-8799-37C13B774AF8}"/>
+              </a:ext>
+            </a:extLst>
+          </p:cNvPr>
+          <p:cNvPicPr>
+            <a:picLocks noChangeAspect="1"/>
+          </p:cNvPicPr>
+          <p:nvPr/>
+        </p:nvPicPr>
+        <p:blipFill>
+          <a:blip r:embed="rId2"/>
+          <a:stretch>
+            <a:fillRect/>
+          </a:stretch>
+        </p:blipFill>
+        <p:spPr>
+          <a:xfrm>
+            <a:off x="7067923" y="2323253"/>
+            <a:ext cx="4778636" cy="2722880"/>
+          </a:xfrm>
+          <a:prstGeom prst="rect">
+            <a:avLst/>
+          </a:prstGeom>
+        </p:spPr>
+      </p:pic>
+    </p:spTree>
+    <p:extLst>
+      <p:ext uri="{BB962C8B-B14F-4D97-AF65-F5344CB8AC3E}">
+        <p14:creationId xmlns:p14="http://schemas.microsoft.com/office/powerpoint/2010/main" val="4237421228"/>
       </p:ext>
     </p:extLst>
   </p:cSld>
